--- a/finalproject.pptx
+++ b/finalproject.pptx
@@ -9,8 +9,8 @@
     <p:sldId id="257" r:id="rId3"/>
     <p:sldId id="258" r:id="rId4"/>
     <p:sldId id="259" r:id="rId5"/>
-    <p:sldId id="265" r:id="rId6"/>
-    <p:sldId id="266" r:id="rId7"/>
+    <p:sldId id="266" r:id="rId6"/>
+    <p:sldId id="276" r:id="rId7"/>
     <p:sldId id="267" r:id="rId8"/>
     <p:sldId id="268" r:id="rId9"/>
     <p:sldId id="260" r:id="rId10"/>
@@ -122,6 +122,11 @@
       </a:defRPr>
     </a:lvl9pPr>
   </p:defaultTextStyle>
+  <p:extLst>
+    <p:ext uri="{EFAFB233-063F-42B5-8137-9DF3F51BA10A}">
+      <p15:sldGuideLst xmlns:p15="http://schemas.microsoft.com/office/powerpoint/2012/main"/>
+    </p:ext>
+  </p:extLst>
 </p:presentation>
 </file>
 
@@ -1223,7 +1228,7 @@
           </a:lstStyle>
           <a:p>
             <a:r>
-              <a:rPr lang="zh-TW" altLang="en-US" smtClean="0"/>
+              <a:rPr lang="zh-TW" altLang="en-US"/>
               <a:t>按一下以編輯母片標題樣式</a:t>
             </a:r>
             <a:endParaRPr lang="en-US" dirty="0"/>
@@ -1297,7 +1302,7 @@
           </a:lstStyle>
           <a:p>
             <a:r>
-              <a:rPr lang="zh-TW" altLang="en-US" smtClean="0"/>
+              <a:rPr lang="zh-TW" altLang="en-US"/>
               <a:t>按一下以編輯母片子標題樣式</a:t>
             </a:r>
             <a:endParaRPr lang="en-US" dirty="0"/>
@@ -1336,7 +1341,7 @@
           <a:p>
             <a:fld id="{C6841DCE-4D6C-4E48-8243-67A6ACE89DF7}" type="datetimeFigureOut">
               <a:rPr kumimoji="1" lang="zh-TW" altLang="en-US" smtClean="0"/>
-              <a:t>2019/1/15</a:t>
+              <a:t>2019/1/16</a:t>
             </a:fld>
             <a:endParaRPr kumimoji="1" lang="zh-TW" altLang="en-US"/>
           </a:p>
@@ -1493,7 +1498,7 @@
           <a:lstStyle/>
           <a:p>
             <a:r>
-              <a:rPr lang="zh-TW" altLang="en-US" smtClean="0"/>
+              <a:rPr lang="zh-TW" altLang="en-US"/>
               <a:t>按一下以編輯母片標題樣式</a:t>
             </a:r>
             <a:endParaRPr lang="en-US" dirty="0"/>
@@ -1517,35 +1522,35 @@
           <a:p>
             <a:pPr lvl="0"/>
             <a:r>
-              <a:rPr lang="zh-TW" altLang="en-US" smtClean="0"/>
+              <a:rPr lang="zh-TW" altLang="en-US"/>
               <a:t>按一下以編輯母片文字樣式</a:t>
             </a:r>
           </a:p>
           <a:p>
             <a:pPr lvl="1"/>
             <a:r>
-              <a:rPr lang="zh-TW" altLang="en-US" smtClean="0"/>
+              <a:rPr lang="zh-TW" altLang="en-US"/>
               <a:t>第二層</a:t>
             </a:r>
           </a:p>
           <a:p>
             <a:pPr lvl="2"/>
             <a:r>
-              <a:rPr lang="zh-TW" altLang="en-US" smtClean="0"/>
+              <a:rPr lang="zh-TW" altLang="en-US"/>
               <a:t>第三層</a:t>
             </a:r>
           </a:p>
           <a:p>
             <a:pPr lvl="3"/>
             <a:r>
-              <a:rPr lang="zh-TW" altLang="en-US" smtClean="0"/>
+              <a:rPr lang="zh-TW" altLang="en-US"/>
               <a:t>第四層</a:t>
             </a:r>
           </a:p>
           <a:p>
             <a:pPr lvl="4"/>
             <a:r>
-              <a:rPr lang="zh-TW" altLang="en-US" smtClean="0"/>
+              <a:rPr lang="zh-TW" altLang="en-US"/>
               <a:t>第五層</a:t>
             </a:r>
             <a:endParaRPr lang="en-US" dirty="0"/>
@@ -1569,7 +1574,7 @@
           <a:p>
             <a:fld id="{C6841DCE-4D6C-4E48-8243-67A6ACE89DF7}" type="datetimeFigureOut">
               <a:rPr kumimoji="1" lang="zh-TW" altLang="en-US" smtClean="0"/>
-              <a:t>2019/1/15</a:t>
+              <a:t>2019/1/16</a:t>
             </a:fld>
             <a:endParaRPr kumimoji="1" lang="zh-TW" altLang="en-US"/>
           </a:p>
@@ -1663,7 +1668,7 @@
           <a:lstStyle/>
           <a:p>
             <a:r>
-              <a:rPr lang="zh-TW" altLang="en-US" smtClean="0"/>
+              <a:rPr lang="zh-TW" altLang="en-US"/>
               <a:t>按一下以編輯母片標題樣式</a:t>
             </a:r>
             <a:endParaRPr lang="en-US" dirty="0"/>
@@ -1692,35 +1697,35 @@
           <a:p>
             <a:pPr lvl="0"/>
             <a:r>
-              <a:rPr lang="zh-TW" altLang="en-US" smtClean="0"/>
+              <a:rPr lang="zh-TW" altLang="en-US"/>
               <a:t>按一下以編輯母片文字樣式</a:t>
             </a:r>
           </a:p>
           <a:p>
             <a:pPr lvl="1"/>
             <a:r>
-              <a:rPr lang="zh-TW" altLang="en-US" smtClean="0"/>
+              <a:rPr lang="zh-TW" altLang="en-US"/>
               <a:t>第二層</a:t>
             </a:r>
           </a:p>
           <a:p>
             <a:pPr lvl="2"/>
             <a:r>
-              <a:rPr lang="zh-TW" altLang="en-US" smtClean="0"/>
+              <a:rPr lang="zh-TW" altLang="en-US"/>
               <a:t>第三層</a:t>
             </a:r>
           </a:p>
           <a:p>
             <a:pPr lvl="3"/>
             <a:r>
-              <a:rPr lang="zh-TW" altLang="en-US" smtClean="0"/>
+              <a:rPr lang="zh-TW" altLang="en-US"/>
               <a:t>第四層</a:t>
             </a:r>
           </a:p>
           <a:p>
             <a:pPr lvl="4"/>
             <a:r>
-              <a:rPr lang="zh-TW" altLang="en-US" smtClean="0"/>
+              <a:rPr lang="zh-TW" altLang="en-US"/>
               <a:t>第五層</a:t>
             </a:r>
             <a:endParaRPr lang="en-US" dirty="0"/>
@@ -1744,7 +1749,7 @@
           <a:p>
             <a:fld id="{C6841DCE-4D6C-4E48-8243-67A6ACE89DF7}" type="datetimeFigureOut">
               <a:rPr kumimoji="1" lang="zh-TW" altLang="en-US" smtClean="0"/>
-              <a:t>2019/1/15</a:t>
+              <a:t>2019/1/16</a:t>
             </a:fld>
             <a:endParaRPr kumimoji="1" lang="zh-TW" altLang="en-US"/>
           </a:p>
@@ -1833,7 +1838,7 @@
           <a:lstStyle/>
           <a:p>
             <a:r>
-              <a:rPr lang="zh-TW" altLang="en-US" smtClean="0"/>
+              <a:rPr lang="zh-TW" altLang="en-US"/>
               <a:t>按一下以編輯母片標題樣式</a:t>
             </a:r>
             <a:endParaRPr lang="en-US" dirty="0"/>
@@ -1857,35 +1862,35 @@
           <a:p>
             <a:pPr lvl="0"/>
             <a:r>
-              <a:rPr lang="zh-TW" altLang="en-US" smtClean="0"/>
+              <a:rPr lang="zh-TW" altLang="en-US"/>
               <a:t>按一下以編輯母片文字樣式</a:t>
             </a:r>
           </a:p>
           <a:p>
             <a:pPr lvl="1"/>
             <a:r>
-              <a:rPr lang="zh-TW" altLang="en-US" smtClean="0"/>
+              <a:rPr lang="zh-TW" altLang="en-US"/>
               <a:t>第二層</a:t>
             </a:r>
           </a:p>
           <a:p>
             <a:pPr lvl="2"/>
             <a:r>
-              <a:rPr lang="zh-TW" altLang="en-US" smtClean="0"/>
+              <a:rPr lang="zh-TW" altLang="en-US"/>
               <a:t>第三層</a:t>
             </a:r>
           </a:p>
           <a:p>
             <a:pPr lvl="3"/>
             <a:r>
-              <a:rPr lang="zh-TW" altLang="en-US" smtClean="0"/>
+              <a:rPr lang="zh-TW" altLang="en-US"/>
               <a:t>第四層</a:t>
             </a:r>
           </a:p>
           <a:p>
             <a:pPr lvl="4"/>
             <a:r>
-              <a:rPr lang="zh-TW" altLang="en-US" smtClean="0"/>
+              <a:rPr lang="zh-TW" altLang="en-US"/>
               <a:t>第五層</a:t>
             </a:r>
             <a:endParaRPr lang="en-US" dirty="0"/>
@@ -1909,7 +1914,7 @@
           <a:p>
             <a:fld id="{C6841DCE-4D6C-4E48-8243-67A6ACE89DF7}" type="datetimeFigureOut">
               <a:rPr kumimoji="1" lang="zh-TW" altLang="en-US" smtClean="0"/>
-              <a:t>2019/1/15</a:t>
+              <a:t>2019/1/16</a:t>
             </a:fld>
             <a:endParaRPr kumimoji="1" lang="zh-TW" altLang="en-US"/>
           </a:p>
@@ -2018,7 +2023,7 @@
           </a:lstStyle>
           <a:p>
             <a:r>
-              <a:rPr lang="zh-TW" altLang="en-US" smtClean="0"/>
+              <a:rPr lang="zh-TW" altLang="en-US"/>
               <a:t>按一下以編輯母片標題樣式</a:t>
             </a:r>
             <a:endParaRPr lang="en-US" dirty="0"/>
@@ -2141,7 +2146,7 @@
           <a:p>
             <a:pPr lvl="0"/>
             <a:r>
-              <a:rPr lang="zh-TW" altLang="en-US" smtClean="0"/>
+              <a:rPr lang="zh-TW" altLang="en-US"/>
               <a:t>按一下以編輯母片文字樣式</a:t>
             </a:r>
           </a:p>
@@ -2177,7 +2182,7 @@
           <a:p>
             <a:fld id="{C6841DCE-4D6C-4E48-8243-67A6ACE89DF7}" type="datetimeFigureOut">
               <a:rPr kumimoji="1" lang="zh-TW" altLang="en-US" smtClean="0"/>
-              <a:t>2019/1/15</a:t>
+              <a:t>2019/1/16</a:t>
             </a:fld>
             <a:endParaRPr kumimoji="1" lang="zh-TW" altLang="en-US"/>
           </a:p>
@@ -3235,7 +3240,7 @@
           <a:lstStyle/>
           <a:p>
             <a:r>
-              <a:rPr lang="zh-TW" altLang="en-US" smtClean="0"/>
+              <a:rPr lang="zh-TW" altLang="en-US"/>
               <a:t>按一下以編輯母片標題樣式</a:t>
             </a:r>
             <a:endParaRPr lang="en-US" dirty="0"/>
@@ -3264,35 +3269,35 @@
           <a:p>
             <a:pPr lvl="0"/>
             <a:r>
-              <a:rPr lang="zh-TW" altLang="en-US" smtClean="0"/>
+              <a:rPr lang="zh-TW" altLang="en-US"/>
               <a:t>按一下以編輯母片文字樣式</a:t>
             </a:r>
           </a:p>
           <a:p>
             <a:pPr lvl="1"/>
             <a:r>
-              <a:rPr lang="zh-TW" altLang="en-US" smtClean="0"/>
+              <a:rPr lang="zh-TW" altLang="en-US"/>
               <a:t>第二層</a:t>
             </a:r>
           </a:p>
           <a:p>
             <a:pPr lvl="2"/>
             <a:r>
-              <a:rPr lang="zh-TW" altLang="en-US" smtClean="0"/>
+              <a:rPr lang="zh-TW" altLang="en-US"/>
               <a:t>第三層</a:t>
             </a:r>
           </a:p>
           <a:p>
             <a:pPr lvl="3"/>
             <a:r>
-              <a:rPr lang="zh-TW" altLang="en-US" smtClean="0"/>
+              <a:rPr lang="zh-TW" altLang="en-US"/>
               <a:t>第四層</a:t>
             </a:r>
           </a:p>
           <a:p>
             <a:pPr lvl="4"/>
             <a:r>
-              <a:rPr lang="zh-TW" altLang="en-US" smtClean="0"/>
+              <a:rPr lang="zh-TW" altLang="en-US"/>
               <a:t>第五層</a:t>
             </a:r>
             <a:endParaRPr lang="en-US" dirty="0"/>
@@ -3321,35 +3326,35 @@
           <a:p>
             <a:pPr lvl="0"/>
             <a:r>
-              <a:rPr lang="zh-TW" altLang="en-US" smtClean="0"/>
+              <a:rPr lang="zh-TW" altLang="en-US"/>
               <a:t>按一下以編輯母片文字樣式</a:t>
             </a:r>
           </a:p>
           <a:p>
             <a:pPr lvl="1"/>
             <a:r>
-              <a:rPr lang="zh-TW" altLang="en-US" smtClean="0"/>
+              <a:rPr lang="zh-TW" altLang="en-US"/>
               <a:t>第二層</a:t>
             </a:r>
           </a:p>
           <a:p>
             <a:pPr lvl="2"/>
             <a:r>
-              <a:rPr lang="zh-TW" altLang="en-US" smtClean="0"/>
+              <a:rPr lang="zh-TW" altLang="en-US"/>
               <a:t>第三層</a:t>
             </a:r>
           </a:p>
           <a:p>
             <a:pPr lvl="3"/>
             <a:r>
-              <a:rPr lang="zh-TW" altLang="en-US" smtClean="0"/>
+              <a:rPr lang="zh-TW" altLang="en-US"/>
               <a:t>第四層</a:t>
             </a:r>
           </a:p>
           <a:p>
             <a:pPr lvl="4"/>
             <a:r>
-              <a:rPr lang="zh-TW" altLang="en-US" smtClean="0"/>
+              <a:rPr lang="zh-TW" altLang="en-US"/>
               <a:t>第五層</a:t>
             </a:r>
             <a:endParaRPr lang="en-US" dirty="0"/>
@@ -3373,7 +3378,7 @@
           <a:p>
             <a:fld id="{C6841DCE-4D6C-4E48-8243-67A6ACE89DF7}" type="datetimeFigureOut">
               <a:rPr kumimoji="1" lang="zh-TW" altLang="en-US" smtClean="0"/>
-              <a:t>2019/1/15</a:t>
+              <a:t>2019/1/16</a:t>
             </a:fld>
             <a:endParaRPr kumimoji="1" lang="zh-TW" altLang="en-US"/>
           </a:p>
@@ -3472,7 +3477,7 @@
           <a:lstStyle/>
           <a:p>
             <a:r>
-              <a:rPr lang="zh-TW" altLang="en-US" smtClean="0"/>
+              <a:rPr lang="zh-TW" altLang="en-US"/>
               <a:t>按一下以編輯母片標題樣式</a:t>
             </a:r>
             <a:endParaRPr lang="en-US" dirty="0"/>
@@ -3547,7 +3552,7 @@
           <a:p>
             <a:pPr lvl="0"/>
             <a:r>
-              <a:rPr lang="zh-TW" altLang="en-US" smtClean="0"/>
+              <a:rPr lang="zh-TW" altLang="en-US"/>
               <a:t>按一下以編輯母片文字樣式</a:t>
             </a:r>
           </a:p>
@@ -3575,35 +3580,35 @@
           <a:p>
             <a:pPr lvl="0"/>
             <a:r>
-              <a:rPr lang="zh-TW" altLang="en-US" smtClean="0"/>
+              <a:rPr lang="zh-TW" altLang="en-US"/>
               <a:t>按一下以編輯母片文字樣式</a:t>
             </a:r>
           </a:p>
           <a:p>
             <a:pPr lvl="1"/>
             <a:r>
-              <a:rPr lang="zh-TW" altLang="en-US" smtClean="0"/>
+              <a:rPr lang="zh-TW" altLang="en-US"/>
               <a:t>第二層</a:t>
             </a:r>
           </a:p>
           <a:p>
             <a:pPr lvl="2"/>
             <a:r>
-              <a:rPr lang="zh-TW" altLang="en-US" smtClean="0"/>
+              <a:rPr lang="zh-TW" altLang="en-US"/>
               <a:t>第三層</a:t>
             </a:r>
           </a:p>
           <a:p>
             <a:pPr lvl="3"/>
             <a:r>
-              <a:rPr lang="zh-TW" altLang="en-US" smtClean="0"/>
+              <a:rPr lang="zh-TW" altLang="en-US"/>
               <a:t>第四層</a:t>
             </a:r>
           </a:p>
           <a:p>
             <a:pPr lvl="4"/>
             <a:r>
-              <a:rPr lang="zh-TW" altLang="en-US" smtClean="0"/>
+              <a:rPr lang="zh-TW" altLang="en-US"/>
               <a:t>第五層</a:t>
             </a:r>
             <a:endParaRPr lang="en-US" dirty="0"/>
@@ -3678,7 +3683,7 @@
           <a:p>
             <a:pPr lvl="0"/>
             <a:r>
-              <a:rPr lang="zh-TW" altLang="en-US" smtClean="0"/>
+              <a:rPr lang="zh-TW" altLang="en-US"/>
               <a:t>按一下以編輯母片文字樣式</a:t>
             </a:r>
           </a:p>
@@ -3706,35 +3711,35 @@
           <a:p>
             <a:pPr lvl="0"/>
             <a:r>
-              <a:rPr lang="zh-TW" altLang="en-US" smtClean="0"/>
+              <a:rPr lang="zh-TW" altLang="en-US"/>
               <a:t>按一下以編輯母片文字樣式</a:t>
             </a:r>
           </a:p>
           <a:p>
             <a:pPr lvl="1"/>
             <a:r>
-              <a:rPr lang="zh-TW" altLang="en-US" smtClean="0"/>
+              <a:rPr lang="zh-TW" altLang="en-US"/>
               <a:t>第二層</a:t>
             </a:r>
           </a:p>
           <a:p>
             <a:pPr lvl="2"/>
             <a:r>
-              <a:rPr lang="zh-TW" altLang="en-US" smtClean="0"/>
+              <a:rPr lang="zh-TW" altLang="en-US"/>
               <a:t>第三層</a:t>
             </a:r>
           </a:p>
           <a:p>
             <a:pPr lvl="3"/>
             <a:r>
-              <a:rPr lang="zh-TW" altLang="en-US" smtClean="0"/>
+              <a:rPr lang="zh-TW" altLang="en-US"/>
               <a:t>第四層</a:t>
             </a:r>
           </a:p>
           <a:p>
             <a:pPr lvl="4"/>
             <a:r>
-              <a:rPr lang="zh-TW" altLang="en-US" smtClean="0"/>
+              <a:rPr lang="zh-TW" altLang="en-US"/>
               <a:t>第五層</a:t>
             </a:r>
             <a:endParaRPr lang="en-US" dirty="0"/>
@@ -3758,7 +3763,7 @@
           <a:p>
             <a:fld id="{C6841DCE-4D6C-4E48-8243-67A6ACE89DF7}" type="datetimeFigureOut">
               <a:rPr kumimoji="1" lang="zh-TW" altLang="en-US" smtClean="0"/>
-              <a:t>2019/1/15</a:t>
+              <a:t>2019/1/16</a:t>
             </a:fld>
             <a:endParaRPr kumimoji="1" lang="zh-TW" altLang="en-US"/>
           </a:p>
@@ -3852,7 +3857,7 @@
           <a:lstStyle/>
           <a:p>
             <a:r>
-              <a:rPr lang="zh-TW" altLang="en-US" smtClean="0"/>
+              <a:rPr lang="zh-TW" altLang="en-US"/>
               <a:t>按一下以編輯母片標題樣式</a:t>
             </a:r>
             <a:endParaRPr lang="en-US" dirty="0"/>
@@ -3876,7 +3881,7 @@
           <a:p>
             <a:fld id="{C6841DCE-4D6C-4E48-8243-67A6ACE89DF7}" type="datetimeFigureOut">
               <a:rPr kumimoji="1" lang="zh-TW" altLang="en-US" smtClean="0"/>
-              <a:t>2019/1/15</a:t>
+              <a:t>2019/1/16</a:t>
             </a:fld>
             <a:endParaRPr kumimoji="1" lang="zh-TW" altLang="en-US"/>
           </a:p>
@@ -3966,7 +3971,7 @@
           <a:p>
             <a:fld id="{C6841DCE-4D6C-4E48-8243-67A6ACE89DF7}" type="datetimeFigureOut">
               <a:rPr kumimoji="1" lang="zh-TW" altLang="en-US" smtClean="0"/>
-              <a:t>2019/1/15</a:t>
+              <a:t>2019/1/16</a:t>
             </a:fld>
             <a:endParaRPr kumimoji="1" lang="zh-TW" altLang="en-US"/>
           </a:p>
@@ -4535,7 +4540,7 @@
           </a:lstStyle>
           <a:p>
             <a:r>
-              <a:rPr lang="zh-TW" altLang="en-US" smtClean="0"/>
+              <a:rPr lang="zh-TW" altLang="en-US"/>
               <a:t>按一下以編輯母片標題樣式</a:t>
             </a:r>
             <a:endParaRPr lang="en-US" dirty="0"/>
@@ -4592,35 +4597,35 @@
           <a:p>
             <a:pPr lvl="0"/>
             <a:r>
-              <a:rPr lang="zh-TW" altLang="en-US" smtClean="0"/>
+              <a:rPr lang="zh-TW" altLang="en-US"/>
               <a:t>按一下以編輯母片文字樣式</a:t>
             </a:r>
           </a:p>
           <a:p>
             <a:pPr lvl="1"/>
             <a:r>
-              <a:rPr lang="zh-TW" altLang="en-US" smtClean="0"/>
+              <a:rPr lang="zh-TW" altLang="en-US"/>
               <a:t>第二層</a:t>
             </a:r>
           </a:p>
           <a:p>
             <a:pPr lvl="2"/>
             <a:r>
-              <a:rPr lang="zh-TW" altLang="en-US" smtClean="0"/>
+              <a:rPr lang="zh-TW" altLang="en-US"/>
               <a:t>第三層</a:t>
             </a:r>
           </a:p>
           <a:p>
             <a:pPr lvl="3"/>
             <a:r>
-              <a:rPr lang="zh-TW" altLang="en-US" smtClean="0"/>
+              <a:rPr lang="zh-TW" altLang="en-US"/>
               <a:t>第四層</a:t>
             </a:r>
           </a:p>
           <a:p>
             <a:pPr lvl="4"/>
             <a:r>
-              <a:rPr lang="zh-TW" altLang="en-US" smtClean="0"/>
+              <a:rPr lang="zh-TW" altLang="en-US"/>
               <a:t>第五層</a:t>
             </a:r>
             <a:endParaRPr lang="en-US" dirty="0"/>
@@ -4696,7 +4701,7 @@
           <a:p>
             <a:pPr lvl="0"/>
             <a:r>
-              <a:rPr lang="zh-TW" altLang="en-US" smtClean="0"/>
+              <a:rPr lang="zh-TW" altLang="en-US"/>
               <a:t>按一下以編輯母片文字樣式</a:t>
             </a:r>
           </a:p>
@@ -4724,7 +4729,7 @@
           <a:p>
             <a:fld id="{C6841DCE-4D6C-4E48-8243-67A6ACE89DF7}" type="datetimeFigureOut">
               <a:rPr kumimoji="1" lang="zh-TW" altLang="en-US" smtClean="0"/>
-              <a:t>2019/1/15</a:t>
+              <a:t>2019/1/16</a:t>
             </a:fld>
             <a:endParaRPr kumimoji="1" lang="zh-TW" altLang="en-US"/>
           </a:p>
@@ -4914,7 +4919,7 @@
           </a:lstStyle>
           <a:p>
             <a:r>
-              <a:rPr lang="zh-TW" altLang="en-US" smtClean="0"/>
+              <a:rPr lang="zh-TW" altLang="en-US"/>
               <a:t>將圖片拖曳至版面配置區或按一下圖示以新增</a:t>
             </a:r>
             <a:endParaRPr lang="en-US" dirty="0"/>
@@ -5455,7 +5460,7 @@
           </a:lstStyle>
           <a:p>
             <a:r>
-              <a:rPr lang="zh-TW" altLang="en-US" smtClean="0"/>
+              <a:rPr lang="zh-TW" altLang="en-US"/>
               <a:t>按一下以編輯母片標題樣式</a:t>
             </a:r>
             <a:endParaRPr lang="en-US" dirty="0"/>
@@ -5531,7 +5536,7 @@
           <a:p>
             <a:pPr lvl="0"/>
             <a:r>
-              <a:rPr lang="zh-TW" altLang="en-US" smtClean="0"/>
+              <a:rPr lang="zh-TW" altLang="en-US"/>
               <a:t>按一下以編輯母片文字樣式</a:t>
             </a:r>
           </a:p>
@@ -5559,7 +5564,7 @@
           <a:p>
             <a:fld id="{C6841DCE-4D6C-4E48-8243-67A6ACE89DF7}" type="datetimeFigureOut">
               <a:rPr kumimoji="1" lang="zh-TW" altLang="en-US" smtClean="0"/>
-              <a:t>2019/1/15</a:t>
+              <a:t>2019/1/16</a:t>
             </a:fld>
             <a:endParaRPr kumimoji="1" lang="zh-TW" altLang="en-US"/>
           </a:p>
@@ -5676,7 +5681,7 @@
           <a:lstStyle/>
           <a:p>
             <a:r>
-              <a:rPr lang="zh-TW" altLang="en-US" smtClean="0"/>
+              <a:rPr lang="zh-TW" altLang="en-US"/>
               <a:t>按一下以編輯母片標題樣式</a:t>
             </a:r>
             <a:endParaRPr lang="en-US" dirty="0"/>
@@ -5710,35 +5715,35 @@
           <a:p>
             <a:pPr lvl="0"/>
             <a:r>
-              <a:rPr lang="zh-TW" altLang="en-US" smtClean="0"/>
+              <a:rPr lang="zh-TW" altLang="en-US"/>
               <a:t>按一下以編輯母片文字樣式</a:t>
             </a:r>
           </a:p>
           <a:p>
             <a:pPr lvl="1"/>
             <a:r>
-              <a:rPr lang="zh-TW" altLang="en-US" smtClean="0"/>
+              <a:rPr lang="zh-TW" altLang="en-US"/>
               <a:t>第二層</a:t>
             </a:r>
           </a:p>
           <a:p>
             <a:pPr lvl="2"/>
             <a:r>
-              <a:rPr lang="zh-TW" altLang="en-US" smtClean="0"/>
+              <a:rPr lang="zh-TW" altLang="en-US"/>
               <a:t>第三層</a:t>
             </a:r>
           </a:p>
           <a:p>
             <a:pPr lvl="3"/>
             <a:r>
-              <a:rPr lang="zh-TW" altLang="en-US" smtClean="0"/>
+              <a:rPr lang="zh-TW" altLang="en-US"/>
               <a:t>第四層</a:t>
             </a:r>
           </a:p>
           <a:p>
             <a:pPr lvl="4"/>
             <a:r>
-              <a:rPr lang="zh-TW" altLang="en-US" smtClean="0"/>
+              <a:rPr lang="zh-TW" altLang="en-US"/>
               <a:t>第五層</a:t>
             </a:r>
             <a:endParaRPr lang="en-US" dirty="0"/>
@@ -5781,7 +5786,7 @@
           <a:p>
             <a:fld id="{C6841DCE-4D6C-4E48-8243-67A6ACE89DF7}" type="datetimeFigureOut">
               <a:rPr kumimoji="1" lang="zh-TW" altLang="en-US" smtClean="0"/>
-              <a:t>2019/1/15</a:t>
+              <a:t>2019/1/16</a:t>
             </a:fld>
             <a:endParaRPr kumimoji="1" lang="zh-TW" altLang="en-US"/>
           </a:p>
@@ -6796,18 +6801,13 @@
           <a:lstStyle/>
           <a:p>
             <a:r>
-              <a:rPr kumimoji="1" lang="zh-TW" altLang="en-US" b="1" dirty="0" smtClean="0">
+              <a:rPr kumimoji="1" lang="zh-TW" altLang="en-US" b="1" dirty="0">
                 <a:latin typeface="Microsoft JhengHei" charset="-120"/>
                 <a:ea typeface="Microsoft JhengHei" charset="-120"/>
                 <a:cs typeface="Microsoft JhengHei" charset="-120"/>
               </a:rPr>
               <a:t>分散式系統</a:t>
             </a:r>
-            <a:endParaRPr kumimoji="1" lang="zh-TW" altLang="en-US" b="1" dirty="0">
-              <a:latin typeface="Microsoft JhengHei" charset="-120"/>
-              <a:ea typeface="Microsoft JhengHei" charset="-120"/>
-              <a:cs typeface="Microsoft JhengHei" charset="-120"/>
-            </a:endParaRPr>
           </a:p>
         </p:txBody>
       </p:sp>
@@ -6876,10 +6876,9 @@
           <a:lstStyle/>
           <a:p>
             <a:r>
-              <a:rPr kumimoji="1" lang="zh-TW" altLang="en-US" dirty="0" smtClean="0"/>
+              <a:rPr kumimoji="1" lang="zh-TW" altLang="en-US" dirty="0"/>
               <a:t>個人</a:t>
             </a:r>
-            <a:endParaRPr kumimoji="1" lang="zh-TW" altLang="en-US" dirty="0"/>
           </a:p>
         </p:txBody>
       </p:sp>
@@ -6904,18 +6903,18 @@
               </a:buClr>
             </a:pPr>
             <a:r>
-              <a:rPr kumimoji="1" lang="zh-TW" altLang="en-US" sz="3000" dirty="0" smtClean="0"/>
+              <a:rPr kumimoji="1" lang="zh-TW" altLang="en-US" sz="3000" dirty="0"/>
               <a:t>每筆交易金額 小於 平均交易金額（總交易金額</a:t>
             </a:r>
             <a:r>
-              <a:rPr kumimoji="1" lang="en-US" altLang="zh-TW" sz="3000" dirty="0" smtClean="0"/>
+              <a:rPr kumimoji="1" lang="en-US" altLang="zh-TW" sz="3000" dirty="0"/>
               <a:t>/</a:t>
             </a:r>
             <a:r>
-              <a:rPr kumimoji="1" lang="zh-TW" altLang="en-US" sz="3000" dirty="0" smtClean="0"/>
+              <a:rPr kumimoji="1" lang="zh-TW" altLang="en-US" sz="3000" dirty="0"/>
               <a:t>筆數）</a:t>
             </a:r>
-            <a:endParaRPr kumimoji="1" lang="en-US" altLang="zh-TW" sz="3000" dirty="0" smtClean="0"/>
+            <a:endParaRPr kumimoji="1" lang="en-US" altLang="zh-TW" sz="3000" dirty="0"/>
           </a:p>
           <a:p>
             <a:pPr>
@@ -6924,10 +6923,10 @@
               </a:buClr>
             </a:pPr>
             <a:r>
-              <a:rPr kumimoji="1" lang="zh-TW" altLang="en-US" sz="3000" dirty="0" smtClean="0"/>
+              <a:rPr kumimoji="1" lang="zh-TW" altLang="en-US" sz="3000" dirty="0"/>
               <a:t>匯款次數 小於 平均每一個位址的匯款次數</a:t>
             </a:r>
-            <a:endParaRPr kumimoji="1" lang="en-US" altLang="zh-TW" sz="3000" dirty="0" smtClean="0"/>
+            <a:endParaRPr kumimoji="1" lang="en-US" altLang="zh-TW" sz="3000" dirty="0"/>
           </a:p>
           <a:p>
             <a:pPr>
@@ -6936,10 +6935,10 @@
               </a:buClr>
             </a:pPr>
             <a:r>
-              <a:rPr kumimoji="1" lang="zh-TW" altLang="en-US" sz="3000" dirty="0" smtClean="0"/>
+              <a:rPr kumimoji="1" lang="zh-TW" altLang="en-US" sz="3000" dirty="0"/>
               <a:t>收款次數 小於 平均每一個位址的收款次數</a:t>
             </a:r>
-            <a:endParaRPr kumimoji="1" lang="en-US" altLang="zh-TW" sz="3000" dirty="0" smtClean="0"/>
+            <a:endParaRPr kumimoji="1" lang="en-US" altLang="zh-TW" sz="3000" dirty="0"/>
           </a:p>
           <a:p>
             <a:pPr>
@@ -6947,7 +6946,7 @@
                 <a:schemeClr val="accent1"/>
               </a:buClr>
             </a:pPr>
-            <a:endParaRPr kumimoji="1" lang="en-US" altLang="zh-TW" dirty="0" smtClean="0"/>
+            <a:endParaRPr kumimoji="1" lang="en-US" altLang="zh-TW" dirty="0"/>
           </a:p>
           <a:p>
             <a:pPr>
@@ -6956,10 +6955,9 @@
               </a:buClr>
             </a:pPr>
             <a:r>
-              <a:rPr kumimoji="1" lang="zh-TW" altLang="en-US" sz="3000" dirty="0" smtClean="0"/>
+              <a:rPr kumimoji="1" lang="zh-TW" altLang="en-US" sz="3000" dirty="0"/>
               <a:t>符合這三個條件判斷為個人帳戶</a:t>
             </a:r>
-            <a:endParaRPr kumimoji="1" lang="zh-TW" altLang="en-US" sz="3000" dirty="0"/>
           </a:p>
         </p:txBody>
       </p:sp>
@@ -7009,10 +7007,9 @@
           <a:lstStyle/>
           <a:p>
             <a:r>
-              <a:rPr kumimoji="1" lang="zh-TW" altLang="en-US" dirty="0" smtClean="0"/>
+              <a:rPr kumimoji="1" lang="zh-TW" altLang="en-US" dirty="0"/>
               <a:t>礦池</a:t>
             </a:r>
-            <a:endParaRPr kumimoji="1" lang="zh-TW" altLang="en-US" dirty="0"/>
           </a:p>
         </p:txBody>
       </p:sp>
@@ -7039,10 +7036,10 @@
               </a:buClr>
             </a:pPr>
             <a:r>
-              <a:rPr kumimoji="1" lang="zh-TW" altLang="en-US" sz="3000" dirty="0" smtClean="0"/>
+              <a:rPr kumimoji="1" lang="zh-TW" altLang="en-US" sz="3000" dirty="0"/>
               <a:t>匯款位址為空白的資料中的收款位址</a:t>
             </a:r>
-            <a:endParaRPr kumimoji="1" lang="en-US" altLang="zh-TW" sz="3000" dirty="0" smtClean="0"/>
+            <a:endParaRPr kumimoji="1" lang="en-US" altLang="zh-TW" sz="3000" dirty="0"/>
           </a:p>
           <a:p>
             <a:pPr>
@@ -7051,23 +7048,23 @@
               </a:buClr>
             </a:pPr>
             <a:r>
-              <a:rPr kumimoji="1" lang="en-US" altLang="zh-TW" sz="3000" dirty="0" smtClean="0"/>
+              <a:rPr kumimoji="1" lang="en-US" altLang="zh-TW" sz="3000" dirty="0"/>
               <a:t>12.5 BTC&lt;</a:t>
             </a:r>
             <a:r>
-              <a:rPr kumimoji="1" lang="zh-TW" altLang="en-US" sz="3000" dirty="0" smtClean="0"/>
+              <a:rPr kumimoji="1" lang="zh-TW" altLang="en-US" sz="3000" dirty="0"/>
               <a:t>交易金額</a:t>
             </a:r>
             <a:r>
-              <a:rPr kumimoji="1" lang="en-US" altLang="zh-TW" sz="3000" dirty="0" smtClean="0"/>
+              <a:rPr kumimoji="1" lang="en-US" altLang="zh-TW" sz="3000" dirty="0"/>
               <a:t>&lt;=12.5+2 BTC (+2</a:t>
             </a:r>
             <a:r>
-              <a:rPr kumimoji="1" lang="zh-TW" altLang="en-US" sz="3000" dirty="0" smtClean="0"/>
+              <a:rPr kumimoji="1" lang="zh-TW" altLang="en-US" sz="3000" dirty="0"/>
               <a:t>為手續費</a:t>
             </a:r>
             <a:r>
-              <a:rPr kumimoji="1" lang="en-US" altLang="zh-TW" sz="3000" dirty="0" smtClean="0"/>
+              <a:rPr kumimoji="1" lang="en-US" altLang="zh-TW" sz="3000" dirty="0"/>
               <a:t>)</a:t>
             </a:r>
           </a:p>
@@ -7077,7 +7074,7 @@
                 <a:schemeClr val="accent1"/>
               </a:buClr>
             </a:pPr>
-            <a:endParaRPr kumimoji="1" lang="en-US" altLang="zh-TW" sz="3000" dirty="0" smtClean="0"/>
+            <a:endParaRPr kumimoji="1" lang="en-US" altLang="zh-TW" sz="3000" dirty="0"/>
           </a:p>
           <a:p>
             <a:pPr>
@@ -7087,21 +7084,8 @@
             </a:pPr>
             <a:r>
               <a:rPr kumimoji="1" lang="zh-TW" altLang="en-US" sz="3000" dirty="0"/>
-              <a:t>符合</a:t>
-            </a:r>
-            <a:r>
-              <a:rPr kumimoji="1" lang="zh-TW" altLang="en-US" sz="3000" dirty="0" smtClean="0"/>
-              <a:t>這兩個</a:t>
-            </a:r>
-            <a:r>
-              <a:rPr kumimoji="1" lang="zh-TW" altLang="en-US" sz="3000" dirty="0"/>
-              <a:t>條件</a:t>
-            </a:r>
-            <a:r>
-              <a:rPr kumimoji="1" lang="zh-TW" altLang="en-US" sz="3000" dirty="0" smtClean="0"/>
-              <a:t>判斷為礦池</a:t>
-            </a:r>
-            <a:endParaRPr kumimoji="1" lang="zh-TW" altLang="en-US" sz="3000" dirty="0"/>
+              <a:t>符合這兩個條件判斷為礦池</a:t>
+            </a:r>
           </a:p>
         </p:txBody>
       </p:sp>
@@ -7151,10 +7135,9 @@
           <a:lstStyle/>
           <a:p>
             <a:r>
-              <a:rPr kumimoji="1" lang="zh-TW" altLang="en-US" dirty="0" smtClean="0"/>
+              <a:rPr kumimoji="1" lang="zh-TW" altLang="en-US" dirty="0"/>
               <a:t>賭場</a:t>
             </a:r>
-            <a:endParaRPr kumimoji="1" lang="zh-TW" altLang="en-US" dirty="0"/>
           </a:p>
         </p:txBody>
       </p:sp>
@@ -7181,26 +7164,26 @@
               </a:buClr>
             </a:pPr>
             <a:r>
-              <a:rPr kumimoji="1" lang="zh-TW" altLang="en-US" sz="3000" dirty="0" smtClean="0"/>
+              <a:rPr kumimoji="1" lang="zh-TW" altLang="en-US" sz="3000" dirty="0"/>
               <a:t>位址經過小寫處理後，包含</a:t>
             </a:r>
             <a:r>
-              <a:rPr kumimoji="1" lang="en-US" altLang="zh-TW" sz="3000" dirty="0" smtClean="0"/>
+              <a:rPr kumimoji="1" lang="en-US" altLang="zh-TW" sz="3000" dirty="0"/>
               <a:t>”1dice”</a:t>
             </a:r>
             <a:r>
-              <a:rPr kumimoji="1" lang="zh-TW" altLang="en-US" sz="3000" dirty="0" smtClean="0"/>
+              <a:rPr kumimoji="1" lang="zh-TW" altLang="en-US" sz="3000" dirty="0"/>
               <a:t>或</a:t>
             </a:r>
             <a:r>
-              <a:rPr kumimoji="1" lang="en-US" altLang="zh-TW" sz="3000" dirty="0" smtClean="0"/>
+              <a:rPr kumimoji="1" lang="en-US" altLang="zh-TW" sz="3000" dirty="0"/>
               <a:t>”lucky”</a:t>
             </a:r>
             <a:r>
-              <a:rPr kumimoji="1" lang="zh-TW" altLang="en-US" sz="3000" dirty="0" smtClean="0"/>
+              <a:rPr kumimoji="1" lang="zh-TW" altLang="en-US" sz="3000" dirty="0"/>
               <a:t>的位址</a:t>
             </a:r>
-            <a:endParaRPr kumimoji="1" lang="en-US" altLang="zh-TW" sz="3000" dirty="0" smtClean="0"/>
+            <a:endParaRPr kumimoji="1" lang="en-US" altLang="zh-TW" sz="3000" dirty="0"/>
           </a:p>
           <a:p>
             <a:pPr>
@@ -7218,21 +7201,8 @@
             </a:pPr>
             <a:r>
               <a:rPr kumimoji="1" lang="zh-TW" altLang="en-US" sz="3000" dirty="0"/>
-              <a:t>符合</a:t>
-            </a:r>
-            <a:r>
-              <a:rPr kumimoji="1" lang="zh-TW" altLang="en-US" sz="3000" dirty="0" smtClean="0"/>
-              <a:t>這個</a:t>
-            </a:r>
-            <a:r>
-              <a:rPr kumimoji="1" lang="zh-TW" altLang="en-US" sz="3000" dirty="0"/>
-              <a:t>條件</a:t>
-            </a:r>
-            <a:r>
-              <a:rPr kumimoji="1" lang="zh-TW" altLang="en-US" sz="3000" dirty="0" smtClean="0"/>
-              <a:t>判斷為賭場</a:t>
-            </a:r>
-            <a:endParaRPr kumimoji="1" lang="zh-TW" altLang="en-US" sz="3000" dirty="0"/>
+              <a:t>符合這個條件判斷為賭場</a:t>
+            </a:r>
           </a:p>
         </p:txBody>
       </p:sp>
@@ -7282,21 +7252,16 @@
           <a:lstStyle/>
           <a:p>
             <a:r>
-              <a:rPr kumimoji="1" lang="zh-TW" altLang="en-US" dirty="0" smtClean="0"/>
+              <a:rPr kumimoji="1" lang="zh-TW" altLang="en-US" dirty="0"/>
               <a:t>服務商</a:t>
-            </a:r>
-            <a:r>
-              <a:rPr kumimoji="1" lang="en-US" altLang="zh-TW" dirty="0"/>
-              <a:t/>
             </a:r>
             <a:br>
               <a:rPr kumimoji="1" lang="en-US" altLang="zh-TW" dirty="0"/>
             </a:br>
             <a:r>
-              <a:rPr kumimoji="1" lang="zh-TW" altLang="en-US" dirty="0" smtClean="0"/>
+              <a:rPr kumimoji="1" lang="zh-TW" altLang="en-US" dirty="0"/>
               <a:t>交易所</a:t>
             </a:r>
-            <a:endParaRPr kumimoji="1" lang="zh-TW" altLang="en-US" dirty="0"/>
           </a:p>
         </p:txBody>
       </p:sp>
@@ -7323,10 +7288,10 @@
               </a:buClr>
             </a:pPr>
             <a:r>
-              <a:rPr kumimoji="1" lang="zh-TW" altLang="en-US" sz="3000" dirty="0" smtClean="0"/>
+              <a:rPr kumimoji="1" lang="zh-TW" altLang="en-US" sz="3000" dirty="0"/>
               <a:t>所有位址中，不是個人帳戶，不是礦池，不是賭場的位址</a:t>
             </a:r>
-            <a:endParaRPr kumimoji="1" lang="en-US" altLang="zh-TW" sz="3000" dirty="0" smtClean="0"/>
+            <a:endParaRPr kumimoji="1" lang="en-US" altLang="zh-TW" sz="3000" dirty="0"/>
           </a:p>
           <a:p>
             <a:pPr>
@@ -7344,13 +7309,8 @@
             </a:pPr>
             <a:r>
               <a:rPr kumimoji="1" lang="zh-TW" altLang="en-US" sz="3000" dirty="0"/>
-              <a:t>符合這個條件</a:t>
-            </a:r>
-            <a:r>
-              <a:rPr kumimoji="1" lang="zh-TW" altLang="en-US" sz="3000" dirty="0" smtClean="0"/>
-              <a:t>判斷為服務商或交易所</a:t>
-            </a:r>
-            <a:endParaRPr kumimoji="1" lang="zh-TW" altLang="en-US" sz="3000" dirty="0"/>
+              <a:t>符合這個條件判斷為服務商或交易所</a:t>
+            </a:r>
           </a:p>
         </p:txBody>
       </p:sp>
@@ -7400,10 +7360,9 @@
           <a:lstStyle/>
           <a:p>
             <a:r>
-              <a:rPr kumimoji="1" lang="zh-TW" altLang="en-US" dirty="0" smtClean="0"/>
+              <a:rPr kumimoji="1" lang="zh-TW" altLang="en-US" dirty="0"/>
               <a:t>結果</a:t>
             </a:r>
-            <a:endParaRPr kumimoji="1" lang="zh-TW" altLang="en-US" dirty="0"/>
           </a:p>
         </p:txBody>
       </p:sp>
@@ -7472,10 +7431,9 @@
           <a:lstStyle/>
           <a:p>
             <a:r>
-              <a:rPr kumimoji="1" lang="zh-TW" altLang="en-US" dirty="0" smtClean="0"/>
+              <a:rPr kumimoji="1" lang="zh-TW" altLang="en-US" dirty="0"/>
               <a:t>比較</a:t>
             </a:r>
-            <a:endParaRPr kumimoji="1" lang="zh-TW" altLang="en-US" dirty="0"/>
           </a:p>
         </p:txBody>
       </p:sp>
@@ -7544,7 +7502,7 @@
           <a:lstStyle/>
           <a:p>
             <a:r>
-              <a:rPr kumimoji="1" lang="en-US" altLang="zh-TW" dirty="0" err="1" smtClean="0"/>
+              <a:rPr kumimoji="1" lang="en-US" altLang="zh-TW" dirty="0" err="1"/>
               <a:t>graphframe</a:t>
             </a:r>
             <a:endParaRPr kumimoji="1" lang="zh-TW" altLang="en-US" dirty="0"/>
@@ -7616,10 +7574,9 @@
           <a:lstStyle/>
           <a:p>
             <a:r>
-              <a:rPr kumimoji="1" lang="zh-TW" altLang="en-US" dirty="0" smtClean="0"/>
+              <a:rPr kumimoji="1" lang="zh-TW" altLang="en-US" dirty="0"/>
               <a:t>結論</a:t>
             </a:r>
-            <a:endParaRPr kumimoji="1" lang="zh-TW" altLang="en-US" dirty="0"/>
           </a:p>
         </p:txBody>
       </p:sp>
@@ -7688,10 +7645,9 @@
           <a:lstStyle/>
           <a:p>
             <a:r>
-              <a:rPr kumimoji="1" lang="zh-TW" altLang="en-US" dirty="0" smtClean="0"/>
+              <a:rPr kumimoji="1" lang="zh-TW" altLang="en-US" dirty="0"/>
               <a:t>挑戰</a:t>
             </a:r>
-            <a:endParaRPr kumimoji="1" lang="zh-TW" altLang="en-US" dirty="0"/>
           </a:p>
         </p:txBody>
       </p:sp>
@@ -7760,10 +7716,9 @@
           <a:lstStyle/>
           <a:p>
             <a:r>
-              <a:rPr kumimoji="1" lang="zh-TW" altLang="en-US" dirty="0" smtClean="0"/>
+              <a:rPr kumimoji="1" lang="zh-TW" altLang="en-US" dirty="0"/>
               <a:t>分工</a:t>
             </a:r>
-            <a:endParaRPr kumimoji="1" lang="zh-TW" altLang="en-US" dirty="0"/>
           </a:p>
         </p:txBody>
       </p:sp>
@@ -7782,10 +7737,10 @@
           <a:bodyPr/>
           <a:lstStyle/>
           <a:p>
-            <a:endParaRPr kumimoji="1" lang="en-US" altLang="zh-TW" dirty="0" smtClean="0"/>
-          </a:p>
-          <a:p>
-            <a:endParaRPr kumimoji="1" lang="en-US" altLang="zh-TW" dirty="0" smtClean="0"/>
+            <a:endParaRPr kumimoji="1" lang="en-US" altLang="zh-TW" dirty="0"/>
+          </a:p>
+          <a:p>
+            <a:endParaRPr kumimoji="1" lang="en-US" altLang="zh-TW" dirty="0"/>
           </a:p>
           <a:p>
             <a:endParaRPr kumimoji="1" lang="zh-TW" altLang="en-US" dirty="0"/>
@@ -7801,7 +7756,7 @@
           <p:nvPr>
             <p:extLst>
               <p:ext uri="{D42A27DB-BD31-4B8C-83A1-F6EECF244321}">
-                <p14:modId xmlns:p14="http://schemas.microsoft.com/office/powerpoint/2010/main" val="946344254"/>
+                <p14:modId xmlns:p14="http://schemas.microsoft.com/office/powerpoint/2010/main" val="3736588987"/>
               </p:ext>
             </p:extLst>
           </p:nvPr>
@@ -7817,8 +7772,20 @@
                 <a:tableStyleId>{5C22544A-7EE6-4342-B048-85BDC9FD1C3A}</a:tableStyleId>
               </a:tblPr>
               <a:tblGrid>
-                <a:gridCol w="1160780"/>
-                <a:gridCol w="4064000"/>
+                <a:gridCol w="1160780">
+                  <a:extLst>
+                    <a:ext uri="{9D8B030D-6E8A-4147-A177-3AD203B41FA5}">
+                      <a16:colId xmlns:a16="http://schemas.microsoft.com/office/drawing/2014/main" val="20000"/>
+                    </a:ext>
+                  </a:extLst>
+                </a:gridCol>
+                <a:gridCol w="4064000">
+                  <a:extLst>
+                    <a:ext uri="{9D8B030D-6E8A-4147-A177-3AD203B41FA5}">
+                      <a16:colId xmlns:a16="http://schemas.microsoft.com/office/drawing/2014/main" val="20001"/>
+                    </a:ext>
+                  </a:extLst>
+                </a:gridCol>
               </a:tblGrid>
               <a:tr h="325685">
                 <a:tc>
@@ -7827,10 +7794,9 @@
                     <a:lstStyle/>
                     <a:p>
                       <a:r>
-                        <a:rPr lang="zh-TW" altLang="en-US" dirty="0" smtClean="0"/>
+                        <a:rPr lang="zh-TW" altLang="en-US" dirty="0"/>
                         <a:t>分工</a:t>
                       </a:r>
-                      <a:endParaRPr lang="zh-TW" altLang="en-US" dirty="0"/>
                     </a:p>
                   </a:txBody>
                   <a:tcPr/>
@@ -7841,14 +7807,18 @@
                     <a:lstStyle/>
                     <a:p>
                       <a:r>
-                        <a:rPr lang="zh-TW" altLang="en-US" dirty="0" smtClean="0"/>
+                        <a:rPr lang="zh-TW" altLang="en-US" dirty="0"/>
                         <a:t>名字</a:t>
                       </a:r>
-                      <a:endParaRPr lang="zh-TW" altLang="en-US" dirty="0"/>
                     </a:p>
                   </a:txBody>
                   <a:tcPr/>
                 </a:tc>
+                <a:extLst>
+                  <a:ext uri="{0D108BD9-81ED-4DB2-BD59-A6C34878D82A}">
+                    <a16:rowId xmlns:a16="http://schemas.microsoft.com/office/drawing/2014/main" val="10000"/>
+                  </a:ext>
+                </a:extLst>
               </a:tr>
               <a:tr h="370840">
                 <a:tc>
@@ -7857,10 +7827,9 @@
                     <a:lstStyle/>
                     <a:p>
                       <a:r>
-                        <a:rPr lang="zh-TW" altLang="en-US" dirty="0" smtClean="0"/>
+                        <a:rPr lang="zh-TW" altLang="en-US" dirty="0"/>
                         <a:t>資料收集</a:t>
                       </a:r>
-                      <a:endParaRPr lang="zh-TW" altLang="en-US" dirty="0"/>
                     </a:p>
                   </a:txBody>
                   <a:tcPr/>
@@ -7871,14 +7840,18 @@
                     <a:lstStyle/>
                     <a:p>
                       <a:r>
-                        <a:rPr lang="zh-TW" altLang="en-US" dirty="0" smtClean="0"/>
+                        <a:rPr lang="zh-TW" altLang="en-US" dirty="0"/>
                         <a:t>鄭惟文</a:t>
                       </a:r>
-                      <a:endParaRPr lang="zh-TW" altLang="en-US" dirty="0"/>
                     </a:p>
                   </a:txBody>
                   <a:tcPr/>
                 </a:tc>
+                <a:extLst>
+                  <a:ext uri="{0D108BD9-81ED-4DB2-BD59-A6C34878D82A}">
+                    <a16:rowId xmlns:a16="http://schemas.microsoft.com/office/drawing/2014/main" val="10001"/>
+                  </a:ext>
+                </a:extLst>
               </a:tr>
               <a:tr h="370840">
                 <a:tc>
@@ -7904,7 +7877,7 @@
                         <a:defRPr/>
                       </a:pPr>
                       <a:r>
-                        <a:rPr lang="zh-TW" altLang="en-US" dirty="0" smtClean="0"/>
+                        <a:rPr lang="zh-TW" altLang="en-US" dirty="0"/>
                         <a:t>資料處理</a:t>
                       </a:r>
                     </a:p>
@@ -7917,18 +7890,18 @@
                     <a:lstStyle/>
                     <a:p>
                       <a:r>
-                        <a:rPr lang="zh-TW" altLang="en-US" dirty="0" smtClean="0"/>
-                        <a:t>鄭博仁，</a:t>
+                        <a:rPr lang="zh-TW" altLang="en-US" dirty="0"/>
+                        <a:t>鄭博仁，鄺芷君</a:t>
                       </a:r>
-                      <a:r>
-                        <a:rPr lang="zh-TW" altLang="en-US" dirty="0" smtClean="0"/>
-                        <a:t>鄺芷君</a:t>
-                      </a:r>
-                      <a:endParaRPr lang="zh-TW" altLang="en-US" dirty="0"/>
                     </a:p>
                   </a:txBody>
                   <a:tcPr/>
                 </a:tc>
+                <a:extLst>
+                  <a:ext uri="{0D108BD9-81ED-4DB2-BD59-A6C34878D82A}">
+                    <a16:rowId xmlns:a16="http://schemas.microsoft.com/office/drawing/2014/main" val="10002"/>
+                  </a:ext>
+                </a:extLst>
               </a:tr>
               <a:tr h="370840">
                 <a:tc>
@@ -7954,7 +7927,7 @@
                         <a:defRPr/>
                       </a:pPr>
                       <a:r>
-                        <a:rPr lang="zh-TW" altLang="en-US" dirty="0" smtClean="0"/>
+                        <a:rPr lang="zh-TW" altLang="en-US" dirty="0"/>
                         <a:t>雲端建置</a:t>
                       </a:r>
                     </a:p>
@@ -7984,13 +7957,18 @@
                         <a:defRPr/>
                       </a:pPr>
                       <a:r>
-                        <a:rPr lang="zh-TW" altLang="en-US" dirty="0" smtClean="0"/>
+                        <a:rPr lang="zh-TW" altLang="en-US" dirty="0"/>
                         <a:t>鄭惟文，鄭博仁</a:t>
                       </a:r>
                     </a:p>
                   </a:txBody>
                   <a:tcPr/>
                 </a:tc>
+                <a:extLst>
+                  <a:ext uri="{0D108BD9-81ED-4DB2-BD59-A6C34878D82A}">
+                    <a16:rowId xmlns:a16="http://schemas.microsoft.com/office/drawing/2014/main" val="10003"/>
+                  </a:ext>
+                </a:extLst>
               </a:tr>
               <a:tr h="370840">
                 <a:tc>
@@ -7999,10 +7977,9 @@
                     <a:lstStyle/>
                     <a:p>
                       <a:r>
-                        <a:rPr lang="zh-TW" altLang="en-US" dirty="0" smtClean="0"/>
+                        <a:rPr lang="zh-TW" altLang="en-US" dirty="0"/>
                         <a:t>資料分析</a:t>
                       </a:r>
-                      <a:endParaRPr lang="zh-TW" altLang="en-US" dirty="0"/>
                     </a:p>
                   </a:txBody>
                   <a:tcPr/>
@@ -8030,13 +8007,18 @@
                         <a:defRPr/>
                       </a:pPr>
                       <a:r>
-                        <a:rPr lang="zh-TW" altLang="en-US" dirty="0" smtClean="0"/>
+                        <a:rPr lang="zh-TW" altLang="en-US" dirty="0"/>
                         <a:t>鄭惟文，鄭博仁，鄺芷君</a:t>
                       </a:r>
                     </a:p>
                   </a:txBody>
                   <a:tcPr/>
                 </a:tc>
+                <a:extLst>
+                  <a:ext uri="{0D108BD9-81ED-4DB2-BD59-A6C34878D82A}">
+                    <a16:rowId xmlns:a16="http://schemas.microsoft.com/office/drawing/2014/main" val="10004"/>
+                  </a:ext>
+                </a:extLst>
               </a:tr>
               <a:tr h="370840">
                 <a:tc>
@@ -8045,10 +8027,9 @@
                     <a:lstStyle/>
                     <a:p>
                       <a:r>
-                        <a:rPr lang="zh-TW" altLang="en-US" dirty="0" smtClean="0"/>
+                        <a:rPr lang="zh-TW" altLang="en-US" dirty="0"/>
                         <a:t>口頭報告</a:t>
                       </a:r>
-                      <a:endParaRPr lang="zh-TW" altLang="en-US" dirty="0"/>
                     </a:p>
                   </a:txBody>
                   <a:tcPr/>
@@ -8076,13 +8057,18 @@
                         <a:defRPr/>
                       </a:pPr>
                       <a:r>
-                        <a:rPr lang="zh-TW" altLang="en-US" dirty="0" smtClean="0"/>
+                        <a:rPr lang="zh-TW" altLang="en-US" dirty="0"/>
                         <a:t>鄭惟文，鄺芷君</a:t>
                       </a:r>
                     </a:p>
                   </a:txBody>
                   <a:tcPr/>
                 </a:tc>
+                <a:extLst>
+                  <a:ext uri="{0D108BD9-81ED-4DB2-BD59-A6C34878D82A}">
+                    <a16:rowId xmlns:a16="http://schemas.microsoft.com/office/drawing/2014/main" val="10005"/>
+                  </a:ext>
+                </a:extLst>
               </a:tr>
               <a:tr h="370840">
                 <a:tc>
@@ -8091,10 +8077,9 @@
                     <a:lstStyle/>
                     <a:p>
                       <a:r>
-                        <a:rPr lang="zh-TW" altLang="en-US" dirty="0" smtClean="0"/>
+                        <a:rPr lang="zh-TW" altLang="en-US" dirty="0"/>
                         <a:t>書面報告</a:t>
                       </a:r>
-                      <a:endParaRPr lang="zh-TW" altLang="en-US" dirty="0"/>
                     </a:p>
                   </a:txBody>
                   <a:tcPr/>
@@ -8122,14 +8107,18 @@
                         <a:defRPr/>
                       </a:pPr>
                       <a:r>
-                        <a:rPr lang="zh-TW" altLang="en-US" dirty="0" smtClean="0"/>
+                        <a:rPr lang="zh-TW" altLang="en-US" dirty="0"/>
                         <a:t>鄭惟文，鄭博仁，鄺芷君</a:t>
                       </a:r>
-                      <a:endParaRPr lang="zh-TW" altLang="en-US" dirty="0"/>
                     </a:p>
                   </a:txBody>
                   <a:tcPr/>
                 </a:tc>
+                <a:extLst>
+                  <a:ext uri="{0D108BD9-81ED-4DB2-BD59-A6C34878D82A}">
+                    <a16:rowId xmlns:a16="http://schemas.microsoft.com/office/drawing/2014/main" val="10006"/>
+                  </a:ext>
+                </a:extLst>
               </a:tr>
             </a:tbl>
           </a:graphicData>
@@ -8181,10 +8170,9 @@
           <a:lstStyle/>
           <a:p>
             <a:r>
-              <a:rPr kumimoji="1" lang="zh-TW" altLang="en-US" dirty="0" smtClean="0"/>
+              <a:rPr kumimoji="1" lang="zh-TW" altLang="en-US" dirty="0"/>
               <a:t>目標</a:t>
             </a:r>
-            <a:endParaRPr kumimoji="1" lang="zh-TW" altLang="en-US" dirty="0"/>
           </a:p>
         </p:txBody>
       </p:sp>
@@ -8211,10 +8199,10 @@
               </a:buClr>
             </a:pPr>
             <a:r>
-              <a:rPr kumimoji="1" lang="zh-TW" altLang="en-US" sz="3000" dirty="0" smtClean="0"/>
+              <a:rPr kumimoji="1" lang="zh-TW" altLang="en-US" sz="3000" dirty="0"/>
               <a:t>透過分析比特幣交易資料，判斷地址的用戶類型</a:t>
             </a:r>
-            <a:endParaRPr kumimoji="1" lang="en-US" altLang="zh-TW" sz="3000" dirty="0" smtClean="0"/>
+            <a:endParaRPr kumimoji="1" lang="en-US" altLang="zh-TW" sz="3000" dirty="0"/>
           </a:p>
           <a:p>
             <a:pPr>
@@ -8223,10 +8211,9 @@
               </a:buClr>
             </a:pPr>
             <a:r>
-              <a:rPr kumimoji="1" lang="zh-TW" altLang="en-US" sz="3000" dirty="0" smtClean="0"/>
+              <a:rPr kumimoji="1" lang="zh-TW" altLang="en-US" sz="3000" dirty="0"/>
               <a:t>追踪不同類型用戶間資金流向</a:t>
             </a:r>
-            <a:endParaRPr kumimoji="1" lang="zh-TW" altLang="en-US" sz="3000" dirty="0"/>
           </a:p>
         </p:txBody>
       </p:sp>
@@ -8276,10 +8263,9 @@
           <a:lstStyle/>
           <a:p>
             <a:r>
-              <a:rPr kumimoji="1" lang="zh-TW" altLang="en-US" dirty="0" smtClean="0"/>
+              <a:rPr kumimoji="1" lang="zh-TW" altLang="en-US" dirty="0"/>
               <a:t>位址</a:t>
             </a:r>
-            <a:endParaRPr kumimoji="1" lang="zh-TW" altLang="en-US" dirty="0"/>
           </a:p>
         </p:txBody>
       </p:sp>
@@ -8307,13 +8293,41 @@
             </a:pPr>
             <a:r>
               <a:rPr lang="zh-TW" altLang="en-US" sz="3000" dirty="0"/>
-              <a:t>由於比特幣採用基於公鑰的錢包地址作為用户在區塊鏈網絡上的身份，且錢包地址由用户自由生成，與用户身份特徵無關，因此比特幣的匿名性導致人們很難推測用户的真實身份信息</a:t>
-            </a:r>
-            <a:r>
-              <a:rPr lang="zh-TW" altLang="en-US" sz="3000" dirty="0" smtClean="0"/>
-              <a:t>。</a:t>
-            </a:r>
-            <a:endParaRPr lang="en-US" altLang="zh-TW" sz="3000" dirty="0" smtClean="0"/>
+              <a:t>由於比特幣採用基於公鑰的錢包地址作為用</a:t>
+            </a:r>
+            <a:r>
+              <a:rPr lang="zh-CN" altLang="en-US" sz="3000" dirty="0"/>
+              <a:t>戶</a:t>
+            </a:r>
+            <a:r>
+              <a:rPr lang="zh-TW" altLang="en-US" sz="3000" dirty="0"/>
+              <a:t>在區塊鏈網絡上的身份，且錢包地址由用</a:t>
+            </a:r>
+            <a:r>
+              <a:rPr lang="zh-CN" altLang="en-US" sz="3000" dirty="0"/>
+              <a:t>戶</a:t>
+            </a:r>
+            <a:r>
+              <a:rPr lang="zh-TW" altLang="en-US" sz="3000" dirty="0"/>
+              <a:t>自由生成，與用</a:t>
+            </a:r>
+            <a:r>
+              <a:rPr lang="zh-CN" altLang="en-US" sz="3000" dirty="0"/>
+              <a:t>戶</a:t>
+            </a:r>
+            <a:r>
+              <a:rPr lang="zh-TW" altLang="en-US" sz="3000" dirty="0"/>
+              <a:t>身份特徵無關，因此比特幣的匿名性導致人們很難推測用</a:t>
+            </a:r>
+            <a:r>
+              <a:rPr lang="zh-CN" altLang="en-US" sz="3000" dirty="0"/>
+              <a:t>戶</a:t>
+            </a:r>
+            <a:r>
+              <a:rPr lang="zh-TW" altLang="en-US" sz="3000" dirty="0"/>
+              <a:t>的真實身份信息。</a:t>
+            </a:r>
+            <a:endParaRPr lang="en-US" altLang="zh-TW" sz="3000" dirty="0"/>
           </a:p>
         </p:txBody>
       </p:sp>
@@ -8363,10 +8377,9 @@
           <a:lstStyle/>
           <a:p>
             <a:r>
-              <a:rPr kumimoji="1" lang="zh-TW" altLang="en-US" dirty="0" smtClean="0"/>
+              <a:rPr kumimoji="1" lang="zh-TW" altLang="en-US" dirty="0"/>
               <a:t>位址</a:t>
             </a:r>
-            <a:endParaRPr kumimoji="1" lang="zh-TW" altLang="en-US" dirty="0"/>
           </a:p>
         </p:txBody>
       </p:sp>
@@ -8418,13 +8431,9 @@
             </a:r>
             <a:r>
               <a:rPr lang="zh-TW" altLang="en-US" sz="3000" dirty="0"/>
-              <a:t>將之編碼成一串由英文字母和數字所組成的字串</a:t>
-            </a:r>
-            <a:r>
-              <a:rPr lang="zh-TW" altLang="en-US" sz="3000" dirty="0" smtClean="0"/>
-              <a:t>，</a:t>
-            </a:r>
-            <a:endParaRPr lang="en-US" altLang="zh-TW" sz="3000" dirty="0" smtClean="0"/>
+              <a:t>將之編碼成一串由英文字母和數字所組成的字串，</a:t>
+            </a:r>
+            <a:endParaRPr lang="en-US" altLang="zh-TW" sz="3000" dirty="0"/>
           </a:p>
           <a:p>
             <a:pPr>
@@ -8438,15 +8447,7 @@
             </a:r>
             <a:r>
               <a:rPr lang="en-US" altLang="zh-TW" sz="3000" dirty="0"/>
-              <a:t>"</a:t>
-            </a:r>
-            <a:r>
-              <a:rPr lang="en-US" altLang="zh-TW" sz="3000" dirty="0"/>
-              <a:t>1DwunA9otZZQyhkVvkLJ8DV1tuSwMF7r3v</a:t>
-            </a:r>
-            <a:r>
-              <a:rPr lang="en-US" altLang="zh-TW" sz="3000" dirty="0"/>
-              <a:t>"</a:t>
+              <a:t>"1DwunA9otZZQyhkVvkLJ8DV1tuSwMF7r3v"</a:t>
             </a:r>
             <a:endParaRPr kumimoji="1" lang="zh-TW" altLang="en-US" sz="3000" dirty="0"/>
           </a:p>
@@ -8498,16 +8499,21 @@
           <a:lstStyle/>
           <a:p>
             <a:r>
-              <a:rPr kumimoji="1" lang="zh-TW" altLang="en-US" dirty="0" smtClean="0"/>
+              <a:rPr kumimoji="1" lang="zh-TW" altLang="en-US" dirty="0"/>
               <a:t>資料</a:t>
             </a:r>
-            <a:endParaRPr kumimoji="1" lang="zh-TW" altLang="en-US" dirty="0"/>
-          </a:p>
-        </p:txBody>
-      </p:sp>
-      <p:sp>
-        <p:nvSpPr>
-          <p:cNvPr id="3" name="內容版面配置區 2"/>
+          </a:p>
+        </p:txBody>
+      </p:sp>
+      <p:sp>
+        <p:nvSpPr>
+          <p:cNvPr id="4" name="內容版面配置區 2">
+            <a:extLst>
+              <a:ext uri="{FF2B5EF4-FFF2-40B4-BE49-F238E27FC236}">
+                <a16:creationId xmlns:a16="http://schemas.microsoft.com/office/drawing/2014/main" id="{FA15BE62-02C8-C64D-A50F-851C1A5FF9B5}"/>
+              </a:ext>
+            </a:extLst>
+          </p:cNvPr>
           <p:cNvSpPr>
             <a:spLocks noGrp="1"/>
           </p:cNvSpPr>
@@ -8517,21 +8523,131 @@
         </p:nvSpPr>
         <p:spPr/>
         <p:txBody>
-          <a:bodyPr/>
+          <a:bodyPr>
+            <a:normAutofit/>
+          </a:bodyPr>
           <a:lstStyle/>
           <a:p>
-            <a:r>
-              <a:rPr kumimoji="1" lang="zh-TW" altLang="en-US" dirty="0" smtClean="0"/>
-              <a:t>來源</a:t>
-            </a:r>
-            <a:endParaRPr kumimoji="1" lang="en-US" altLang="zh-TW" dirty="0"/>
+            <a:pPr>
+              <a:buClr>
+                <a:schemeClr val="accent1"/>
+              </a:buClr>
+            </a:pPr>
+            <a:r>
+              <a:rPr kumimoji="1" lang="en-US" altLang="zh-TW" sz="3000" dirty="0"/>
+              <a:t>Google </a:t>
+            </a:r>
+            <a:r>
+              <a:rPr kumimoji="1" lang="en-US" altLang="zh-TW" sz="3000" dirty="0" err="1"/>
+              <a:t>BigQuery</a:t>
+            </a:r>
+            <a:r>
+              <a:rPr kumimoji="1" lang="zh-TW" altLang="en-US" sz="3000" dirty="0"/>
+              <a:t>的公開資料庫</a:t>
+            </a:r>
+            <a:r>
+              <a:rPr kumimoji="1" lang="en-US" altLang="zh-TW" sz="3000" dirty="0"/>
+              <a:t>[</a:t>
+            </a:r>
+            <a:r>
+              <a:rPr kumimoji="1" lang="en-US" altLang="zh-TW" sz="3000" dirty="0" err="1"/>
+              <a:t>bitcoin_blockchain.transactions</a:t>
+            </a:r>
+            <a:r>
+              <a:rPr kumimoji="1" lang="en-US" altLang="zh-TW" sz="3000" dirty="0"/>
+              <a:t>]</a:t>
+            </a:r>
+          </a:p>
+          <a:p>
+            <a:pPr>
+              <a:buClr>
+                <a:schemeClr val="accent1"/>
+              </a:buClr>
+            </a:pPr>
+            <a:r>
+              <a:rPr kumimoji="1" lang="zh-TW" altLang="en-US" sz="3000" dirty="0"/>
+              <a:t>抓取</a:t>
+            </a:r>
+            <a:r>
+              <a:rPr kumimoji="1" lang="en-US" altLang="zh-TW" sz="3000" dirty="0"/>
+              <a:t>2018</a:t>
+            </a:r>
+            <a:r>
+              <a:rPr kumimoji="1" lang="zh-TW" altLang="en-US" sz="3000" dirty="0"/>
+              <a:t>年</a:t>
+            </a:r>
+            <a:r>
+              <a:rPr kumimoji="1" lang="en-US" altLang="zh-TW" sz="3000" dirty="0"/>
+              <a:t>8</a:t>
+            </a:r>
+            <a:r>
+              <a:rPr kumimoji="1" lang="zh-TW" altLang="en-US" sz="3000" dirty="0"/>
+              <a:t>月的資料</a:t>
+            </a:r>
+            <a:endParaRPr kumimoji="1" lang="en-US" altLang="zh-TW" sz="3000" dirty="0"/>
+          </a:p>
+          <a:p>
+            <a:pPr>
+              <a:buClr>
+                <a:schemeClr val="accent1"/>
+              </a:buClr>
+            </a:pPr>
+            <a:r>
+              <a:rPr kumimoji="1" lang="zh-TW" altLang="en-US" sz="3000" dirty="0"/>
+              <a:t>將</a:t>
+            </a:r>
+            <a:r>
+              <a:rPr kumimoji="1" lang="en-US" altLang="zh-TW" sz="3000" dirty="0"/>
+              <a:t>table</a:t>
+            </a:r>
+            <a:r>
+              <a:rPr kumimoji="1" lang="zh-TW" altLang="en-US" sz="3000" dirty="0"/>
+              <a:t>匯出並儲存於</a:t>
+            </a:r>
+            <a:r>
+              <a:rPr kumimoji="1" lang="en-US" altLang="zh-TW" sz="3000" dirty="0"/>
+              <a:t>GCP</a:t>
+            </a:r>
+            <a:r>
+              <a:rPr kumimoji="1" lang="zh-TW" altLang="en-US" sz="3000" dirty="0"/>
+              <a:t>的</a:t>
+            </a:r>
+            <a:r>
+              <a:rPr kumimoji="1" lang="en-US" altLang="zh-TW" sz="3000" dirty="0"/>
+              <a:t>Bucket</a:t>
+            </a:r>
+            <a:r>
+              <a:rPr kumimoji="1" lang="zh-TW" altLang="en-US" sz="3000" dirty="0"/>
+              <a:t>中</a:t>
+            </a:r>
+            <a:r>
+              <a:rPr kumimoji="1" lang="zh-CN" altLang="en-US" sz="3000" dirty="0"/>
+              <a:t>，建立多個資料分割檔案，最後匯出</a:t>
+            </a:r>
+            <a:r>
+              <a:rPr kumimoji="1" lang="en-US" altLang="zh-CN" sz="3000" dirty="0"/>
+              <a:t>17</a:t>
+            </a:r>
+            <a:r>
+              <a:rPr kumimoji="1" lang="zh-CN" altLang="en-US" sz="3000" dirty="0"/>
+              <a:t>個</a:t>
+            </a:r>
+            <a:r>
+              <a:rPr kumimoji="1" lang="en-US" altLang="zh-CN" sz="3000" dirty="0"/>
+              <a:t>csv</a:t>
+            </a:r>
+            <a:r>
+              <a:rPr kumimoji="1" lang="zh-CN" altLang="en-US" sz="3000" dirty="0"/>
+              <a:t>檔。</a:t>
+            </a:r>
+            <a:endParaRPr kumimoji="1" lang="en-US" altLang="zh-TW" sz="3000" dirty="0"/>
           </a:p>
         </p:txBody>
       </p:sp>
     </p:spTree>
     <p:extLst>
       <p:ext uri="{BB962C8B-B14F-4D97-AF65-F5344CB8AC3E}">
-        <p14:creationId xmlns:p14="http://schemas.microsoft.com/office/powerpoint/2010/main" val="733395011"/>
+        <p14:creationId xmlns:p14="http://schemas.microsoft.com/office/powerpoint/2010/main" val="820181868"/>
       </p:ext>
     </p:extLst>
   </p:cSld>
@@ -8580,36 +8696,39 @@
           </a:p>
         </p:txBody>
       </p:sp>
-      <p:sp>
-        <p:nvSpPr>
-          <p:cNvPr id="3" name="內容版面配置區 2"/>
-          <p:cNvSpPr>
-            <a:spLocks noGrp="1"/>
-          </p:cNvSpPr>
+      <p:pic>
+        <p:nvPicPr>
+          <p:cNvPr id="9" name="內容版面配置區 8">
+            <a:extLst>
+              <a:ext uri="{FF2B5EF4-FFF2-40B4-BE49-F238E27FC236}">
+                <a16:creationId xmlns:a16="http://schemas.microsoft.com/office/drawing/2014/main" id="{7319687B-E248-B848-A2E6-4EC630C6791D}"/>
+              </a:ext>
+            </a:extLst>
+          </p:cNvPr>
+          <p:cNvPicPr>
+            <a:picLocks noGrp="1" noChangeAspect="1"/>
+          </p:cNvPicPr>
           <p:nvPr>
             <p:ph idx="1"/>
           </p:nvPr>
-        </p:nvSpPr>
-        <p:spPr/>
-        <p:txBody>
-          <a:bodyPr/>
-          <a:lstStyle/>
-          <a:p>
-            <a:r>
-              <a:rPr kumimoji="1" lang="zh-TW" altLang="en-US" dirty="0"/>
-              <a:t>收集</a:t>
-            </a:r>
-            <a:endParaRPr kumimoji="1" lang="en-US" altLang="zh-TW" dirty="0"/>
-          </a:p>
-          <a:p>
-            <a:endParaRPr kumimoji="1" lang="zh-TW" altLang="en-US" dirty="0"/>
-          </a:p>
-        </p:txBody>
-      </p:sp>
+        </p:nvPicPr>
+        <p:blipFill>
+          <a:blip r:embed="rId2"/>
+          <a:stretch>
+            <a:fillRect/>
+          </a:stretch>
+        </p:blipFill>
+        <p:spPr>
+          <a:xfrm>
+            <a:off x="2662419" y="1514104"/>
+            <a:ext cx="7087222" cy="4881084"/>
+          </a:xfrm>
+        </p:spPr>
+      </p:pic>
     </p:spTree>
     <p:extLst>
       <p:ext uri="{BB962C8B-B14F-4D97-AF65-F5344CB8AC3E}">
-        <p14:creationId xmlns:p14="http://schemas.microsoft.com/office/powerpoint/2010/main" val="820181868"/>
+        <p14:creationId xmlns:p14="http://schemas.microsoft.com/office/powerpoint/2010/main" val="3503808768"/>
       </p:ext>
     </p:extLst>
   </p:cSld>
@@ -8660,7 +8779,13 @@
       </p:sp>
       <p:sp>
         <p:nvSpPr>
-          <p:cNvPr id="3" name="內容版面配置區 2"/>
+          <p:cNvPr id="7" name="內容版面配置區 2">
+            <a:extLst>
+              <a:ext uri="{FF2B5EF4-FFF2-40B4-BE49-F238E27FC236}">
+                <a16:creationId xmlns:a16="http://schemas.microsoft.com/office/drawing/2014/main" id="{1D97C549-1CC0-944F-83D5-5BCA1042BFCD}"/>
+              </a:ext>
+            </a:extLst>
+          </p:cNvPr>
           <p:cNvSpPr>
             <a:spLocks noGrp="1"/>
           </p:cNvSpPr>
@@ -8670,17 +8795,187 @@
         </p:nvSpPr>
         <p:spPr/>
         <p:txBody>
-          <a:bodyPr/>
+          <a:bodyPr>
+            <a:normAutofit/>
+          </a:bodyPr>
           <a:lstStyle/>
           <a:p>
-            <a:r>
-              <a:rPr kumimoji="1" lang="zh-TW" altLang="en-US" dirty="0"/>
-              <a:t>前處理</a:t>
-            </a:r>
-            <a:endParaRPr kumimoji="1" lang="en-US" altLang="zh-TW" dirty="0"/>
-          </a:p>
-          <a:p>
-            <a:endParaRPr kumimoji="1" lang="zh-TW" altLang="en-US" dirty="0"/>
+            <a:pPr>
+              <a:buClr>
+                <a:schemeClr val="accent1"/>
+              </a:buClr>
+            </a:pPr>
+            <a:r>
+              <a:rPr kumimoji="1" lang="zh-TW" altLang="en-US" sz="3000" dirty="0"/>
+              <a:t>限制</a:t>
+            </a:r>
+            <a:r>
+              <a:rPr kumimoji="1" lang="en-US" altLang="zh-TW" sz="3000" dirty="0" err="1"/>
+              <a:t>work_error</a:t>
+            </a:r>
+            <a:r>
+              <a:rPr kumimoji="1" lang="zh-TW" altLang="en-US" sz="3000" dirty="0"/>
+              <a:t>必須為</a:t>
+            </a:r>
+            <a:r>
+              <a:rPr kumimoji="1" lang="en-US" altLang="zh-TW" sz="3000" dirty="0"/>
+              <a:t>NULL</a:t>
+            </a:r>
+          </a:p>
+          <a:p>
+            <a:pPr>
+              <a:buClr>
+                <a:schemeClr val="accent1"/>
+              </a:buClr>
+            </a:pPr>
+            <a:r>
+              <a:rPr kumimoji="1" lang="en-US" altLang="zh-TW" sz="3000" dirty="0"/>
+              <a:t>timestamp</a:t>
+            </a:r>
+            <a:r>
+              <a:rPr kumimoji="1" lang="zh-TW" altLang="en-US" sz="3000" dirty="0"/>
+              <a:t>為</a:t>
+            </a:r>
+            <a:r>
+              <a:rPr kumimoji="1" lang="en-US" altLang="zh-TW" sz="3000" dirty="0"/>
+              <a:t>2018</a:t>
+            </a:r>
+            <a:r>
+              <a:rPr kumimoji="1" lang="zh-TW" altLang="en-US" sz="3000" dirty="0"/>
+              <a:t>年</a:t>
+            </a:r>
+            <a:r>
+              <a:rPr kumimoji="1" lang="en-US" altLang="zh-TW" sz="3000" dirty="0"/>
+              <a:t>8</a:t>
+            </a:r>
+            <a:r>
+              <a:rPr kumimoji="1" lang="zh-TW" altLang="en-US" sz="3000" dirty="0"/>
+              <a:t>月</a:t>
+            </a:r>
+            <a:r>
+              <a:rPr kumimoji="1" lang="en-US" altLang="zh-TW" sz="3000" dirty="0"/>
+              <a:t>1</a:t>
+            </a:r>
+            <a:r>
+              <a:rPr kumimoji="1" lang="zh-TW" altLang="en-US" sz="3000" dirty="0"/>
+              <a:t>日</a:t>
+            </a:r>
+            <a:r>
+              <a:rPr kumimoji="1" lang="en-US" altLang="zh-TW" sz="3000" dirty="0"/>
+              <a:t>00:00:01</a:t>
+            </a:r>
+            <a:r>
+              <a:rPr kumimoji="1" lang="zh-TW" altLang="en-US" sz="3000" dirty="0"/>
+              <a:t>到</a:t>
+            </a:r>
+            <a:r>
+              <a:rPr kumimoji="1" lang="en-US" altLang="zh-TW" sz="3000" dirty="0"/>
+              <a:t>2018</a:t>
+            </a:r>
+            <a:r>
+              <a:rPr kumimoji="1" lang="zh-TW" altLang="en-US" sz="3000" dirty="0"/>
+              <a:t>年</a:t>
+            </a:r>
+            <a:r>
+              <a:rPr kumimoji="1" lang="en-US" altLang="zh-TW" sz="3000" dirty="0"/>
+              <a:t>9</a:t>
+            </a:r>
+            <a:r>
+              <a:rPr kumimoji="1" lang="zh-TW" altLang="en-US" sz="3000" dirty="0"/>
+              <a:t>月</a:t>
+            </a:r>
+            <a:r>
+              <a:rPr kumimoji="1" lang="en-US" altLang="zh-TW" sz="3000" dirty="0"/>
+              <a:t>1</a:t>
+            </a:r>
+            <a:r>
+              <a:rPr kumimoji="1" lang="zh-TW" altLang="en-US" sz="3000" dirty="0"/>
+              <a:t>日</a:t>
+            </a:r>
+            <a:r>
+              <a:rPr kumimoji="1" lang="en-US" altLang="zh-TW" sz="3000" dirty="0"/>
+              <a:t>00:00:00</a:t>
+            </a:r>
+          </a:p>
+          <a:p>
+            <a:pPr>
+              <a:buClr>
+                <a:schemeClr val="accent1"/>
+              </a:buClr>
+            </a:pPr>
+            <a:r>
+              <a:rPr kumimoji="1" lang="zh-TW" altLang="en-US" sz="3000" dirty="0"/>
+              <a:t>將</a:t>
+            </a:r>
+            <a:r>
+              <a:rPr kumimoji="1" lang="en-US" altLang="zh-TW" sz="3000" dirty="0"/>
+              <a:t>timestamp</a:t>
+            </a:r>
+            <a:r>
+              <a:rPr kumimoji="1" lang="zh-TW" altLang="en-US" sz="3000" dirty="0"/>
+              <a:t>轉換成方便閱讀的日期欄位：</a:t>
+            </a:r>
+            <a:r>
+              <a:rPr kumimoji="1" lang="en-US" altLang="zh-TW" sz="3000" dirty="0" err="1"/>
+              <a:t>DTime</a:t>
+            </a:r>
+            <a:endParaRPr kumimoji="1" lang="en-US" altLang="zh-TW" sz="3000" dirty="0"/>
+          </a:p>
+          <a:p>
+            <a:pPr>
+              <a:buClr>
+                <a:schemeClr val="accent1"/>
+              </a:buClr>
+            </a:pPr>
+            <a:r>
+              <a:rPr kumimoji="1" lang="zh-TW" altLang="en-US" sz="3000" dirty="0"/>
+              <a:t>留下五個欄位：</a:t>
+            </a:r>
+            <a:endParaRPr kumimoji="1" lang="en-US" altLang="zh-TW" sz="3000" dirty="0"/>
+          </a:p>
+          <a:p>
+            <a:pPr lvl="1">
+              <a:buClr>
+                <a:schemeClr val="accent1"/>
+              </a:buClr>
+            </a:pPr>
+            <a:r>
+              <a:rPr lang="en-US" altLang="zh-TW" i="1" dirty="0" err="1"/>
+              <a:t>DTime</a:t>
+            </a:r>
+            <a:r>
+              <a:rPr lang="zh-TW" altLang="en-US" i="1" dirty="0"/>
+              <a:t>、</a:t>
+            </a:r>
+            <a:r>
+              <a:rPr lang="en-US" altLang="zh-TW" i="1" dirty="0" err="1"/>
+              <a:t>transaction_id</a:t>
+            </a:r>
+            <a:r>
+              <a:rPr lang="zh-TW" altLang="en-US" i="1" dirty="0"/>
+              <a:t>、</a:t>
+            </a:r>
+            <a:r>
+              <a:rPr lang="en-US" altLang="zh-TW" i="1" dirty="0"/>
+              <a:t>inputs_input_pubkey_base58</a:t>
+            </a:r>
+            <a:r>
+              <a:rPr lang="zh-TW" altLang="en-US" i="1" dirty="0"/>
+              <a:t>、</a:t>
+            </a:r>
+            <a:r>
+              <a:rPr lang="en-US" altLang="zh-TW" i="1" dirty="0" err="1"/>
+              <a:t>outputs_output_satoshis</a:t>
+            </a:r>
+            <a:r>
+              <a:rPr lang="zh-TW" altLang="en-US" i="1" dirty="0"/>
+              <a:t>、</a:t>
+            </a:r>
+            <a:r>
+              <a:rPr lang="en-US" altLang="zh-TW" i="1" dirty="0"/>
+              <a:t>outputs_output_pubkey_base58</a:t>
+            </a:r>
+            <a:endParaRPr kumimoji="1" lang="en-US" altLang="zh-TW" sz="2800" dirty="0"/>
           </a:p>
         </p:txBody>
       </p:sp>
@@ -8807,10 +9102,9 @@
           <a:lstStyle/>
           <a:p>
             <a:r>
-              <a:rPr kumimoji="1" lang="zh-TW" altLang="en-US" dirty="0" smtClean="0"/>
+              <a:rPr kumimoji="1" lang="zh-TW" altLang="en-US" dirty="0"/>
               <a:t>位址用戶類型</a:t>
             </a:r>
-            <a:endParaRPr kumimoji="1" lang="zh-TW" altLang="en-US" dirty="0"/>
           </a:p>
         </p:txBody>
       </p:sp>
@@ -8837,10 +9131,10 @@
               </a:buClr>
             </a:pPr>
             <a:r>
-              <a:rPr kumimoji="1" lang="zh-TW" altLang="en-US" sz="3000" dirty="0" smtClean="0"/>
+              <a:rPr kumimoji="1" lang="zh-TW" altLang="en-US" sz="3000" dirty="0"/>
               <a:t>個人（散戶）</a:t>
             </a:r>
-            <a:endParaRPr kumimoji="1" lang="en-US" altLang="zh-TW" sz="3000" dirty="0" smtClean="0"/>
+            <a:endParaRPr kumimoji="1" lang="en-US" altLang="zh-TW" sz="3000" dirty="0"/>
           </a:p>
           <a:p>
             <a:pPr>
@@ -8849,10 +9143,10 @@
               </a:buClr>
             </a:pPr>
             <a:r>
-              <a:rPr kumimoji="1" lang="zh-TW" altLang="en-US" sz="3000" dirty="0" smtClean="0"/>
+              <a:rPr kumimoji="1" lang="zh-TW" altLang="en-US" sz="3000" dirty="0"/>
               <a:t>礦池</a:t>
             </a:r>
-            <a:endParaRPr kumimoji="1" lang="en-US" altLang="zh-TW" sz="3000" dirty="0" smtClean="0"/>
+            <a:endParaRPr kumimoji="1" lang="en-US" altLang="zh-TW" sz="3000" dirty="0"/>
           </a:p>
           <a:p>
             <a:pPr>
@@ -8864,7 +9158,7 @@
               <a:rPr kumimoji="1" lang="zh-TW" altLang="en-US" sz="3000" dirty="0"/>
               <a:t>賭場</a:t>
             </a:r>
-            <a:endParaRPr kumimoji="1" lang="en-US" altLang="zh-TW" sz="3000" dirty="0" smtClean="0"/>
+            <a:endParaRPr kumimoji="1" lang="en-US" altLang="zh-TW" sz="3000" dirty="0"/>
           </a:p>
           <a:p>
             <a:pPr>
@@ -8873,10 +9167,10 @@
               </a:buClr>
             </a:pPr>
             <a:r>
-              <a:rPr kumimoji="1" lang="zh-TW" altLang="en-US" sz="3000" dirty="0" smtClean="0"/>
+              <a:rPr kumimoji="1" lang="zh-TW" altLang="en-US" sz="3000" dirty="0"/>
               <a:t>交易所</a:t>
             </a:r>
-            <a:endParaRPr kumimoji="1" lang="en-US" altLang="zh-TW" sz="3000" dirty="0" smtClean="0"/>
+            <a:endParaRPr kumimoji="1" lang="en-US" altLang="zh-TW" sz="3000" dirty="0"/>
           </a:p>
           <a:p>
             <a:pPr>
@@ -8885,10 +9179,10 @@
               </a:buClr>
             </a:pPr>
             <a:r>
-              <a:rPr kumimoji="1" lang="zh-TW" altLang="en-US" sz="3000" dirty="0" smtClean="0"/>
+              <a:rPr kumimoji="1" lang="zh-TW" altLang="en-US" sz="3000" dirty="0"/>
               <a:t>服務商</a:t>
             </a:r>
-            <a:endParaRPr kumimoji="1" lang="en-US" altLang="zh-TW" sz="3000" dirty="0" smtClean="0"/>
+            <a:endParaRPr kumimoji="1" lang="en-US" altLang="zh-TW" sz="3000" dirty="0"/>
           </a:p>
         </p:txBody>
       </p:sp>

--- a/finalproject.pptx
+++ b/finalproject.pptx
@@ -21,9 +21,12 @@
     <p:sldId id="269" r:id="rId15"/>
     <p:sldId id="270" r:id="rId16"/>
     <p:sldId id="271" r:id="rId17"/>
-    <p:sldId id="272" r:id="rId18"/>
-    <p:sldId id="274" r:id="rId19"/>
-    <p:sldId id="273" r:id="rId20"/>
+    <p:sldId id="277" r:id="rId18"/>
+    <p:sldId id="278" r:id="rId19"/>
+    <p:sldId id="279" r:id="rId20"/>
+    <p:sldId id="272" r:id="rId21"/>
+    <p:sldId id="274" r:id="rId22"/>
+    <p:sldId id="273" r:id="rId23"/>
   </p:sldIdLst>
   <p:sldSz cx="12192000" cy="6858000"/>
   <p:notesSz cx="6858000" cy="9144000"/>
@@ -7511,7 +7514,13 @@
       </p:sp>
       <p:sp>
         <p:nvSpPr>
-          <p:cNvPr id="3" name="內容版面配置區 2"/>
+          <p:cNvPr id="4" name="內容版面配置區 2">
+            <a:extLst>
+              <a:ext uri="{FF2B5EF4-FFF2-40B4-BE49-F238E27FC236}">
+                <a16:creationId xmlns:a16="http://schemas.microsoft.com/office/drawing/2014/main" id="{8248EF14-9B8E-C54B-BFA8-85331937B4E0}"/>
+              </a:ext>
+            </a:extLst>
+          </p:cNvPr>
           <p:cNvSpPr>
             <a:spLocks noGrp="1"/>
           </p:cNvSpPr>
@@ -7519,15 +7528,85 @@
             <p:ph idx="1"/>
           </p:nvPr>
         </p:nvSpPr>
-        <p:spPr/>
-        <p:txBody>
-          <a:bodyPr/>
+        <p:spPr>
+          <a:xfrm>
+            <a:off x="1251678" y="2286001"/>
+            <a:ext cx="10178322" cy="3593591"/>
+          </a:xfrm>
+        </p:spPr>
+        <p:txBody>
+          <a:bodyPr>
+            <a:normAutofit/>
+          </a:bodyPr>
           <a:lstStyle/>
           <a:p>
-            <a:endParaRPr kumimoji="1" lang="zh-TW" altLang="en-US"/>
-          </a:p>
-        </p:txBody>
-      </p:sp>
+            <a:pPr>
+              <a:buClr>
+                <a:schemeClr val="accent1"/>
+              </a:buClr>
+            </a:pPr>
+            <a:r>
+              <a:rPr kumimoji="1" lang="zh-TW" altLang="en-US" sz="3000" dirty="0"/>
+              <a:t>使用</a:t>
+            </a:r>
+            <a:r>
+              <a:rPr kumimoji="1" lang="en-US" altLang="zh-TW" sz="3000" dirty="0"/>
+              <a:t>0.7.0-spark2.3-s_2.11</a:t>
+            </a:r>
+            <a:r>
+              <a:rPr kumimoji="1" lang="zh-TW" altLang="en-US" sz="3000" dirty="0"/>
+              <a:t>版本的</a:t>
+            </a:r>
+            <a:r>
+              <a:rPr kumimoji="1" lang="en-US" altLang="zh-TW" sz="3000" dirty="0" err="1"/>
+              <a:t>GraphFrames</a:t>
+            </a:r>
+            <a:r>
+              <a:rPr kumimoji="1" lang="zh-TW" altLang="en-US" sz="3000" dirty="0"/>
+              <a:t>套件</a:t>
+            </a:r>
+            <a:endParaRPr kumimoji="1" lang="en-US" altLang="zh-TW" sz="3000" dirty="0"/>
+          </a:p>
+          <a:p>
+            <a:pPr>
+              <a:buClr>
+                <a:schemeClr val="accent1"/>
+              </a:buClr>
+            </a:pPr>
+            <a:endParaRPr kumimoji="1" lang="zh-TW" altLang="en-US" sz="3000" dirty="0"/>
+          </a:p>
+        </p:txBody>
+      </p:sp>
+      <p:pic>
+        <p:nvPicPr>
+          <p:cNvPr id="6" name="圖片 5">
+            <a:extLst>
+              <a:ext uri="{FF2B5EF4-FFF2-40B4-BE49-F238E27FC236}">
+                <a16:creationId xmlns:a16="http://schemas.microsoft.com/office/drawing/2014/main" id="{74C49496-12F1-0045-9935-0BAC93C45957}"/>
+              </a:ext>
+            </a:extLst>
+          </p:cNvPr>
+          <p:cNvPicPr>
+            <a:picLocks noChangeAspect="1"/>
+          </p:cNvPicPr>
+          <p:nvPr/>
+        </p:nvPicPr>
+        <p:blipFill>
+          <a:blip r:embed="rId2"/>
+          <a:stretch>
+            <a:fillRect/>
+          </a:stretch>
+        </p:blipFill>
+        <p:spPr>
+          <a:xfrm>
+            <a:off x="1858399" y="3054634"/>
+            <a:ext cx="8964880" cy="3615835"/>
+          </a:xfrm>
+          <a:prstGeom prst="rect">
+            <a:avLst/>
+          </a:prstGeom>
+        </p:spPr>
+      </p:pic>
     </p:spTree>
     <p:extLst>
       <p:ext uri="{BB962C8B-B14F-4D97-AF65-F5344CB8AC3E}">
@@ -7560,7 +7639,13 @@
       </p:grpSpPr>
       <p:sp>
         <p:nvSpPr>
-          <p:cNvPr id="2" name="標題 1"/>
+          <p:cNvPr id="2" name="標題 1">
+            <a:extLst>
+              <a:ext uri="{FF2B5EF4-FFF2-40B4-BE49-F238E27FC236}">
+                <a16:creationId xmlns:a16="http://schemas.microsoft.com/office/drawing/2014/main" id="{481A7BEF-8F5A-B745-908E-3C5617517215}"/>
+              </a:ext>
+            </a:extLst>
+          </p:cNvPr>
           <p:cNvSpPr>
             <a:spLocks noGrp="1"/>
           </p:cNvSpPr>
@@ -7574,15 +7659,22 @@
           <a:lstStyle/>
           <a:p>
             <a:r>
-              <a:rPr kumimoji="1" lang="zh-TW" altLang="en-US" dirty="0"/>
-              <a:t>結論</a:t>
-            </a:r>
-          </a:p>
-        </p:txBody>
-      </p:sp>
-      <p:sp>
-        <p:nvSpPr>
-          <p:cNvPr id="3" name="內容版面配置區 2"/>
+              <a:rPr kumimoji="1" lang="en-US" altLang="zh-TW" dirty="0" err="1"/>
+              <a:t>graphframe</a:t>
+            </a:r>
+            <a:endParaRPr kumimoji="1" lang="zh-TW" altLang="en-US" dirty="0"/>
+          </a:p>
+        </p:txBody>
+      </p:sp>
+      <p:sp>
+        <p:nvSpPr>
+          <p:cNvPr id="4" name="內容版面配置區 2">
+            <a:extLst>
+              <a:ext uri="{FF2B5EF4-FFF2-40B4-BE49-F238E27FC236}">
+                <a16:creationId xmlns:a16="http://schemas.microsoft.com/office/drawing/2014/main" id="{650FA499-3303-DF41-97BD-5C1A0C24063C}"/>
+              </a:ext>
+            </a:extLst>
+          </p:cNvPr>
           <p:cNvSpPr>
             <a:spLocks noGrp="1"/>
           </p:cNvSpPr>
@@ -7592,17 +7684,160 @@
         </p:nvSpPr>
         <p:spPr/>
         <p:txBody>
-          <a:bodyPr/>
+          <a:bodyPr>
+            <a:normAutofit/>
+          </a:bodyPr>
           <a:lstStyle/>
           <a:p>
-            <a:endParaRPr kumimoji="1" lang="zh-TW" altLang="en-US" dirty="0"/>
+            <a:pPr>
+              <a:buClr>
+                <a:schemeClr val="accent1"/>
+              </a:buClr>
+            </a:pPr>
+            <a:r>
+              <a:rPr kumimoji="1" lang="en-US" altLang="zh-TW" sz="3000" dirty="0" err="1"/>
+              <a:t>GraphFrames</a:t>
+            </a:r>
+            <a:r>
+              <a:rPr kumimoji="1" lang="zh-TW" altLang="en-US" sz="3000" dirty="0"/>
+              <a:t>的</a:t>
+            </a:r>
+            <a:r>
+              <a:rPr kumimoji="1" lang="en-US" altLang="zh-TW" sz="3000" dirty="0"/>
+              <a:t>edge information</a:t>
+            </a:r>
+          </a:p>
+          <a:p>
+            <a:pPr lvl="1">
+              <a:buClr>
+                <a:schemeClr val="accent1"/>
+              </a:buClr>
+            </a:pPr>
+            <a:r>
+              <a:rPr kumimoji="1" lang="en-US" altLang="zh-TW" sz="2800" dirty="0"/>
+              <a:t>inputs_input_pubkey_base58</a:t>
+            </a:r>
+            <a:r>
+              <a:rPr kumimoji="1" lang="zh-TW" altLang="en-US" sz="2800" dirty="0"/>
+              <a:t>作爲</a:t>
+            </a:r>
+            <a:r>
+              <a:rPr kumimoji="1" lang="en-US" altLang="zh-TW" sz="2800" dirty="0" err="1"/>
+              <a:t>src</a:t>
+            </a:r>
+            <a:endParaRPr kumimoji="1" lang="en-US" altLang="zh-TW" sz="2800" dirty="0"/>
+          </a:p>
+          <a:p>
+            <a:pPr lvl="1">
+              <a:buClr>
+                <a:schemeClr val="accent1"/>
+              </a:buClr>
+            </a:pPr>
+            <a:r>
+              <a:rPr kumimoji="1" lang="en-US" altLang="zh-TW" sz="2800" dirty="0"/>
+              <a:t>outputs_output_pubkey_base58</a:t>
+            </a:r>
+            <a:r>
+              <a:rPr kumimoji="1" lang="zh-TW" altLang="en-US" sz="2800" dirty="0"/>
+              <a:t>作爲</a:t>
+            </a:r>
+            <a:r>
+              <a:rPr kumimoji="1" lang="en-US" altLang="zh-TW" sz="2800" dirty="0" err="1"/>
+              <a:t>dst</a:t>
+            </a:r>
+            <a:endParaRPr kumimoji="1" lang="en-US" altLang="zh-TW" sz="2800" dirty="0"/>
+          </a:p>
+          <a:p>
+            <a:pPr lvl="1">
+              <a:buClr>
+                <a:schemeClr val="accent1"/>
+              </a:buClr>
+            </a:pPr>
+            <a:r>
+              <a:rPr kumimoji="1" lang="en-US" altLang="zh-TW" sz="2800" dirty="0" err="1"/>
+              <a:t>Outputs_output_satoshis</a:t>
+            </a:r>
+            <a:r>
+              <a:rPr kumimoji="1" lang="zh-TW" altLang="en-US" sz="2800" dirty="0"/>
+              <a:t>作爲</a:t>
+            </a:r>
+            <a:r>
+              <a:rPr kumimoji="1" lang="en-US" altLang="zh-TW" sz="2800" dirty="0"/>
+              <a:t>relationship</a:t>
+            </a:r>
+          </a:p>
+          <a:p>
+            <a:pPr>
+              <a:buClr>
+                <a:schemeClr val="accent1"/>
+              </a:buClr>
+            </a:pPr>
+            <a:r>
+              <a:rPr kumimoji="1" lang="en-US" altLang="zh-TW" sz="3000" dirty="0" err="1"/>
+              <a:t>GraphFrames</a:t>
+            </a:r>
+            <a:r>
+              <a:rPr kumimoji="1" lang="zh-TW" altLang="en-US" sz="3000" dirty="0"/>
+              <a:t>的</a:t>
+            </a:r>
+            <a:r>
+              <a:rPr kumimoji="1" lang="en-US" altLang="zh-TW" sz="3000" dirty="0"/>
+              <a:t>vertex information</a:t>
+            </a:r>
+          </a:p>
+          <a:p>
+            <a:pPr lvl="1">
+              <a:buClr>
+                <a:schemeClr val="accent1"/>
+              </a:buClr>
+            </a:pPr>
+            <a:r>
+              <a:rPr kumimoji="1" lang="zh-TW" altLang="en-US" sz="2800" dirty="0"/>
+              <a:t>將</a:t>
+            </a:r>
+            <a:r>
+              <a:rPr kumimoji="1" lang="en-US" altLang="zh-TW" sz="2800" dirty="0" err="1"/>
+              <a:t>input_pubkey</a:t>
+            </a:r>
+            <a:r>
+              <a:rPr kumimoji="1" lang="zh-TW" altLang="en-US" sz="2800" dirty="0"/>
+              <a:t>與</a:t>
+            </a:r>
+            <a:r>
+              <a:rPr kumimoji="1" lang="en-US" altLang="zh-TW" sz="2800" dirty="0" err="1"/>
+              <a:t>output_pubkey</a:t>
+            </a:r>
+            <a:r>
+              <a:rPr kumimoji="1" lang="zh-TW" altLang="en-US" sz="2800" dirty="0"/>
+              <a:t>欄位合併</a:t>
+            </a:r>
+            <a:r>
+              <a:rPr kumimoji="1" lang="zh-CN" altLang="en-US" sz="2800" dirty="0"/>
+              <a:t>，</a:t>
+            </a:r>
+            <a:r>
+              <a:rPr kumimoji="1" lang="zh-TW" altLang="en-US" sz="2800" dirty="0"/>
+              <a:t>去除重複的</a:t>
+            </a:r>
+            <a:r>
+              <a:rPr kumimoji="1" lang="en-US" altLang="zh-TW" sz="2800" dirty="0"/>
+              <a:t>row</a:t>
+            </a:r>
+          </a:p>
+          <a:p>
+            <a:pPr>
+              <a:buClr>
+                <a:schemeClr val="accent1"/>
+              </a:buClr>
+            </a:pPr>
+            <a:endParaRPr kumimoji="1" lang="zh-TW" altLang="en-US" sz="3000" dirty="0"/>
           </a:p>
         </p:txBody>
       </p:sp>
     </p:spTree>
     <p:extLst>
       <p:ext uri="{BB962C8B-B14F-4D97-AF65-F5344CB8AC3E}">
-        <p14:creationId xmlns:p14="http://schemas.microsoft.com/office/powerpoint/2010/main" val="1994065538"/>
+        <p14:creationId xmlns:p14="http://schemas.microsoft.com/office/powerpoint/2010/main" val="1378765777"/>
       </p:ext>
     </p:extLst>
   </p:cSld>
@@ -7631,7 +7866,13 @@
       </p:grpSpPr>
       <p:sp>
         <p:nvSpPr>
-          <p:cNvPr id="2" name="標題 1"/>
+          <p:cNvPr id="2" name="標題 1">
+            <a:extLst>
+              <a:ext uri="{FF2B5EF4-FFF2-40B4-BE49-F238E27FC236}">
+                <a16:creationId xmlns:a16="http://schemas.microsoft.com/office/drawing/2014/main" id="{481A7BEF-8F5A-B745-908E-3C5617517215}"/>
+              </a:ext>
+            </a:extLst>
+          </p:cNvPr>
           <p:cNvSpPr>
             <a:spLocks noGrp="1"/>
           </p:cNvSpPr>
@@ -7645,6 +7886,501 @@
           <a:lstStyle/>
           <a:p>
             <a:r>
+              <a:rPr kumimoji="1" lang="en-US" altLang="zh-TW" dirty="0" err="1"/>
+              <a:t>graphframe</a:t>
+            </a:r>
+            <a:endParaRPr kumimoji="1" lang="zh-TW" altLang="en-US" dirty="0"/>
+          </a:p>
+        </p:txBody>
+      </p:sp>
+      <p:sp>
+        <p:nvSpPr>
+          <p:cNvPr id="4" name="內容版面配置區 2">
+            <a:extLst>
+              <a:ext uri="{FF2B5EF4-FFF2-40B4-BE49-F238E27FC236}">
+                <a16:creationId xmlns:a16="http://schemas.microsoft.com/office/drawing/2014/main" id="{650FA499-3303-DF41-97BD-5C1A0C24063C}"/>
+              </a:ext>
+            </a:extLst>
+          </p:cNvPr>
+          <p:cNvSpPr>
+            <a:spLocks noGrp="1"/>
+          </p:cNvSpPr>
+          <p:nvPr>
+            <p:ph idx="1"/>
+          </p:nvPr>
+        </p:nvSpPr>
+        <p:spPr>
+          <a:xfrm>
+            <a:off x="1251678" y="1692235"/>
+            <a:ext cx="10178322" cy="3593591"/>
+          </a:xfrm>
+        </p:spPr>
+        <p:txBody>
+          <a:bodyPr>
+            <a:normAutofit/>
+          </a:bodyPr>
+          <a:lstStyle/>
+          <a:p>
+            <a:pPr>
+              <a:buClr>
+                <a:schemeClr val="accent1"/>
+              </a:buClr>
+            </a:pPr>
+            <a:r>
+              <a:rPr kumimoji="1" lang="zh-TW" altLang="en-US" sz="3000" dirty="0"/>
+              <a:t>排序過的</a:t>
+            </a:r>
+            <a:r>
+              <a:rPr kumimoji="1" lang="en-US" altLang="zh-TW" sz="3000" dirty="0" err="1"/>
+              <a:t>inDegree</a:t>
+            </a:r>
+            <a:r>
+              <a:rPr kumimoji="1" lang="zh-TW" altLang="en-US" sz="3000" dirty="0"/>
+              <a:t>與</a:t>
+            </a:r>
+            <a:r>
+              <a:rPr kumimoji="1" lang="en-US" altLang="zh-TW" sz="3000" dirty="0" err="1"/>
+              <a:t>outDegree</a:t>
+            </a:r>
+            <a:r>
+              <a:rPr kumimoji="1" lang="zh-TW" altLang="en-US" sz="3000" dirty="0"/>
+              <a:t>：</a:t>
+            </a:r>
+          </a:p>
+        </p:txBody>
+      </p:sp>
+      <p:pic>
+        <p:nvPicPr>
+          <p:cNvPr id="5" name="圖片 4">
+            <a:extLst>
+              <a:ext uri="{FF2B5EF4-FFF2-40B4-BE49-F238E27FC236}">
+                <a16:creationId xmlns:a16="http://schemas.microsoft.com/office/drawing/2014/main" id="{0642E27B-8E58-A945-956C-63A833BC302C}"/>
+              </a:ext>
+            </a:extLst>
+          </p:cNvPr>
+          <p:cNvPicPr>
+            <a:picLocks noChangeAspect="1"/>
+          </p:cNvPicPr>
+          <p:nvPr/>
+        </p:nvPicPr>
+        <p:blipFill>
+          <a:blip r:embed="rId2"/>
+          <a:stretch>
+            <a:fillRect/>
+          </a:stretch>
+        </p:blipFill>
+        <p:spPr>
+          <a:xfrm>
+            <a:off x="2537855" y="2380690"/>
+            <a:ext cx="2790702" cy="4380624"/>
+          </a:xfrm>
+          <a:prstGeom prst="rect">
+            <a:avLst/>
+          </a:prstGeom>
+        </p:spPr>
+      </p:pic>
+      <p:pic>
+        <p:nvPicPr>
+          <p:cNvPr id="7" name="圖片 6">
+            <a:extLst>
+              <a:ext uri="{FF2B5EF4-FFF2-40B4-BE49-F238E27FC236}">
+                <a16:creationId xmlns:a16="http://schemas.microsoft.com/office/drawing/2014/main" id="{EA529E1C-F666-274D-8564-5AE8BF6F8CDE}"/>
+              </a:ext>
+            </a:extLst>
+          </p:cNvPr>
+          <p:cNvPicPr>
+            <a:picLocks noChangeAspect="1"/>
+          </p:cNvPicPr>
+          <p:nvPr/>
+        </p:nvPicPr>
+        <p:blipFill>
+          <a:blip r:embed="rId3"/>
+          <a:stretch>
+            <a:fillRect/>
+          </a:stretch>
+        </p:blipFill>
+        <p:spPr>
+          <a:xfrm>
+            <a:off x="6163293" y="2380690"/>
+            <a:ext cx="2846614" cy="4391288"/>
+          </a:xfrm>
+          <a:prstGeom prst="rect">
+            <a:avLst/>
+          </a:prstGeom>
+        </p:spPr>
+      </p:pic>
+    </p:spTree>
+    <p:extLst>
+      <p:ext uri="{BB962C8B-B14F-4D97-AF65-F5344CB8AC3E}">
+        <p14:creationId xmlns:p14="http://schemas.microsoft.com/office/powerpoint/2010/main" val="3236038262"/>
+      </p:ext>
+    </p:extLst>
+  </p:cSld>
+  <p:clrMapOvr>
+    <a:masterClrMapping/>
+  </p:clrMapOvr>
+</p:sld>
+</file>
+
+<file path=ppt/slides/slide19.xml><?xml version="1.0" encoding="utf-8"?>
+<p:sld xmlns:a="http://schemas.openxmlformats.org/drawingml/2006/main" xmlns:r="http://schemas.openxmlformats.org/officeDocument/2006/relationships" xmlns:p="http://schemas.openxmlformats.org/presentationml/2006/main">
+  <p:cSld>
+    <p:spTree>
+      <p:nvGrpSpPr>
+        <p:cNvPr id="1" name=""/>
+        <p:cNvGrpSpPr/>
+        <p:nvPr/>
+      </p:nvGrpSpPr>
+      <p:grpSpPr>
+        <a:xfrm>
+          <a:off x="0" y="0"/>
+          <a:ext cx="0" cy="0"/>
+          <a:chOff x="0" y="0"/>
+          <a:chExt cx="0" cy="0"/>
+        </a:xfrm>
+      </p:grpSpPr>
+      <p:sp>
+        <p:nvSpPr>
+          <p:cNvPr id="2" name="標題 1">
+            <a:extLst>
+              <a:ext uri="{FF2B5EF4-FFF2-40B4-BE49-F238E27FC236}">
+                <a16:creationId xmlns:a16="http://schemas.microsoft.com/office/drawing/2014/main" id="{481A7BEF-8F5A-B745-908E-3C5617517215}"/>
+              </a:ext>
+            </a:extLst>
+          </p:cNvPr>
+          <p:cNvSpPr>
+            <a:spLocks noGrp="1"/>
+          </p:cNvSpPr>
+          <p:nvPr>
+            <p:ph type="title"/>
+          </p:nvPr>
+        </p:nvSpPr>
+        <p:spPr/>
+        <p:txBody>
+          <a:bodyPr/>
+          <a:lstStyle/>
+          <a:p>
+            <a:r>
+              <a:rPr kumimoji="1" lang="en-US" altLang="zh-TW" dirty="0" err="1"/>
+              <a:t>graphframe</a:t>
+            </a:r>
+            <a:endParaRPr kumimoji="1" lang="zh-TW" altLang="en-US" dirty="0"/>
+          </a:p>
+        </p:txBody>
+      </p:sp>
+      <p:sp>
+        <p:nvSpPr>
+          <p:cNvPr id="4" name="內容版面配置區 2">
+            <a:extLst>
+              <a:ext uri="{FF2B5EF4-FFF2-40B4-BE49-F238E27FC236}">
+                <a16:creationId xmlns:a16="http://schemas.microsoft.com/office/drawing/2014/main" id="{650FA499-3303-DF41-97BD-5C1A0C24063C}"/>
+              </a:ext>
+            </a:extLst>
+          </p:cNvPr>
+          <p:cNvSpPr>
+            <a:spLocks noGrp="1"/>
+          </p:cNvSpPr>
+          <p:nvPr>
+            <p:ph idx="1"/>
+          </p:nvPr>
+        </p:nvSpPr>
+        <p:spPr>
+          <a:xfrm>
+            <a:off x="1251678" y="1395352"/>
+            <a:ext cx="10178322" cy="3593591"/>
+          </a:xfrm>
+        </p:spPr>
+        <p:txBody>
+          <a:bodyPr>
+            <a:normAutofit/>
+          </a:bodyPr>
+          <a:lstStyle/>
+          <a:p>
+            <a:pPr>
+              <a:buClr>
+                <a:schemeClr val="accent1"/>
+              </a:buClr>
+            </a:pPr>
+            <a:r>
+              <a:rPr kumimoji="1" lang="zh-TW" altLang="en-US" sz="3000" dirty="0"/>
+              <a:t>將</a:t>
+            </a:r>
+            <a:r>
+              <a:rPr kumimoji="1" lang="en-US" altLang="zh-TW" sz="3000" dirty="0" err="1"/>
+              <a:t>inDegree</a:t>
+            </a:r>
+            <a:r>
+              <a:rPr kumimoji="1" lang="zh-TW" altLang="en-US" sz="3000" dirty="0"/>
+              <a:t>資料表與</a:t>
+            </a:r>
+            <a:r>
+              <a:rPr kumimoji="1" lang="en-US" altLang="zh-TW" sz="3000" dirty="0" err="1"/>
+              <a:t>outDegree</a:t>
+            </a:r>
+            <a:r>
+              <a:rPr kumimoji="1" lang="zh-TW" altLang="en-US" sz="3000" dirty="0"/>
+              <a:t>資料表做</a:t>
+            </a:r>
+            <a:r>
+              <a:rPr kumimoji="1" lang="en-US" altLang="zh-TW" sz="3000" dirty="0"/>
+              <a:t>inner join</a:t>
+            </a:r>
+            <a:r>
+              <a:rPr kumimoji="1" lang="zh-CN" altLang="en-US" sz="3000" dirty="0"/>
+              <a:t>，再對</a:t>
+            </a:r>
+            <a:r>
+              <a:rPr kumimoji="1" lang="en-US" altLang="zh-CN" sz="3000" dirty="0" err="1"/>
+              <a:t>inDegree</a:t>
+            </a:r>
+            <a:r>
+              <a:rPr kumimoji="1" lang="zh-CN" altLang="en-US" sz="3000" dirty="0"/>
+              <a:t>欄位進行排序</a:t>
+            </a:r>
+            <a:endParaRPr kumimoji="1" lang="en-US" altLang="zh-TW" sz="3000" dirty="0"/>
+          </a:p>
+        </p:txBody>
+      </p:sp>
+      <p:pic>
+        <p:nvPicPr>
+          <p:cNvPr id="5" name="圖片 4">
+            <a:extLst>
+              <a:ext uri="{FF2B5EF4-FFF2-40B4-BE49-F238E27FC236}">
+                <a16:creationId xmlns:a16="http://schemas.microsoft.com/office/drawing/2014/main" id="{27973458-5495-4544-B0F4-D08AE0B04478}"/>
+              </a:ext>
+            </a:extLst>
+          </p:cNvPr>
+          <p:cNvPicPr>
+            <a:picLocks noChangeAspect="1"/>
+          </p:cNvPicPr>
+          <p:nvPr/>
+        </p:nvPicPr>
+        <p:blipFill>
+          <a:blip r:embed="rId2"/>
+          <a:stretch>
+            <a:fillRect/>
+          </a:stretch>
+        </p:blipFill>
+        <p:spPr>
+          <a:xfrm>
+            <a:off x="3253838" y="2498068"/>
+            <a:ext cx="5515257" cy="4195656"/>
+          </a:xfrm>
+          <a:prstGeom prst="rect">
+            <a:avLst/>
+          </a:prstGeom>
+        </p:spPr>
+      </p:pic>
+    </p:spTree>
+    <p:extLst>
+      <p:ext uri="{BB962C8B-B14F-4D97-AF65-F5344CB8AC3E}">
+        <p14:creationId xmlns:p14="http://schemas.microsoft.com/office/powerpoint/2010/main" val="2992266135"/>
+      </p:ext>
+    </p:extLst>
+  </p:cSld>
+  <p:clrMapOvr>
+    <a:masterClrMapping/>
+  </p:clrMapOvr>
+</p:sld>
+</file>
+
+<file path=ppt/slides/slide2.xml><?xml version="1.0" encoding="utf-8"?>
+<p:sld xmlns:a="http://schemas.openxmlformats.org/drawingml/2006/main" xmlns:r="http://schemas.openxmlformats.org/officeDocument/2006/relationships" xmlns:p="http://schemas.openxmlformats.org/presentationml/2006/main">
+  <p:cSld>
+    <p:spTree>
+      <p:nvGrpSpPr>
+        <p:cNvPr id="1" name=""/>
+        <p:cNvGrpSpPr/>
+        <p:nvPr/>
+      </p:nvGrpSpPr>
+      <p:grpSpPr>
+        <a:xfrm>
+          <a:off x="0" y="0"/>
+          <a:ext cx="0" cy="0"/>
+          <a:chOff x="0" y="0"/>
+          <a:chExt cx="0" cy="0"/>
+        </a:xfrm>
+      </p:grpSpPr>
+      <p:sp>
+        <p:nvSpPr>
+          <p:cNvPr id="2" name="標題 1"/>
+          <p:cNvSpPr>
+            <a:spLocks noGrp="1"/>
+          </p:cNvSpPr>
+          <p:nvPr>
+            <p:ph type="title"/>
+          </p:nvPr>
+        </p:nvSpPr>
+        <p:spPr/>
+        <p:txBody>
+          <a:bodyPr/>
+          <a:lstStyle/>
+          <a:p>
+            <a:r>
+              <a:rPr kumimoji="1" lang="zh-TW" altLang="en-US" dirty="0"/>
+              <a:t>目標</a:t>
+            </a:r>
+          </a:p>
+        </p:txBody>
+      </p:sp>
+      <p:sp>
+        <p:nvSpPr>
+          <p:cNvPr id="3" name="內容版面配置區 2"/>
+          <p:cNvSpPr>
+            <a:spLocks noGrp="1"/>
+          </p:cNvSpPr>
+          <p:nvPr>
+            <p:ph idx="1"/>
+          </p:nvPr>
+        </p:nvSpPr>
+        <p:spPr/>
+        <p:txBody>
+          <a:bodyPr>
+            <a:normAutofit/>
+          </a:bodyPr>
+          <a:lstStyle/>
+          <a:p>
+            <a:pPr>
+              <a:buClr>
+                <a:schemeClr val="accent1"/>
+              </a:buClr>
+            </a:pPr>
+            <a:r>
+              <a:rPr kumimoji="1" lang="zh-TW" altLang="en-US" sz="3000" dirty="0"/>
+              <a:t>透過分析比特幣交易資料，判斷地址的用戶類型</a:t>
+            </a:r>
+            <a:endParaRPr kumimoji="1" lang="en-US" altLang="zh-TW" sz="3000" dirty="0"/>
+          </a:p>
+          <a:p>
+            <a:pPr>
+              <a:buClr>
+                <a:schemeClr val="accent1"/>
+              </a:buClr>
+            </a:pPr>
+            <a:r>
+              <a:rPr kumimoji="1" lang="zh-TW" altLang="en-US" sz="3000" dirty="0"/>
+              <a:t>追踪不同類型用戶間資金流向</a:t>
+            </a:r>
+          </a:p>
+        </p:txBody>
+      </p:sp>
+    </p:spTree>
+    <p:extLst>
+      <p:ext uri="{BB962C8B-B14F-4D97-AF65-F5344CB8AC3E}">
+        <p14:creationId xmlns:p14="http://schemas.microsoft.com/office/powerpoint/2010/main" val="1540838320"/>
+      </p:ext>
+    </p:extLst>
+  </p:cSld>
+  <p:clrMapOvr>
+    <a:masterClrMapping/>
+  </p:clrMapOvr>
+</p:sld>
+</file>
+
+<file path=ppt/slides/slide20.xml><?xml version="1.0" encoding="utf-8"?>
+<p:sld xmlns:a="http://schemas.openxmlformats.org/drawingml/2006/main" xmlns:r="http://schemas.openxmlformats.org/officeDocument/2006/relationships" xmlns:p="http://schemas.openxmlformats.org/presentationml/2006/main">
+  <p:cSld>
+    <p:spTree>
+      <p:nvGrpSpPr>
+        <p:cNvPr id="1" name=""/>
+        <p:cNvGrpSpPr/>
+        <p:nvPr/>
+      </p:nvGrpSpPr>
+      <p:grpSpPr>
+        <a:xfrm>
+          <a:off x="0" y="0"/>
+          <a:ext cx="0" cy="0"/>
+          <a:chOff x="0" y="0"/>
+          <a:chExt cx="0" cy="0"/>
+        </a:xfrm>
+      </p:grpSpPr>
+      <p:sp>
+        <p:nvSpPr>
+          <p:cNvPr id="2" name="標題 1"/>
+          <p:cNvSpPr>
+            <a:spLocks noGrp="1"/>
+          </p:cNvSpPr>
+          <p:nvPr>
+            <p:ph type="title"/>
+          </p:nvPr>
+        </p:nvSpPr>
+        <p:spPr/>
+        <p:txBody>
+          <a:bodyPr/>
+          <a:lstStyle/>
+          <a:p>
+            <a:r>
+              <a:rPr kumimoji="1" lang="zh-TW" altLang="en-US" dirty="0"/>
+              <a:t>結論</a:t>
+            </a:r>
+          </a:p>
+        </p:txBody>
+      </p:sp>
+      <p:sp>
+        <p:nvSpPr>
+          <p:cNvPr id="3" name="內容版面配置區 2"/>
+          <p:cNvSpPr>
+            <a:spLocks noGrp="1"/>
+          </p:cNvSpPr>
+          <p:nvPr>
+            <p:ph idx="1"/>
+          </p:nvPr>
+        </p:nvSpPr>
+        <p:spPr/>
+        <p:txBody>
+          <a:bodyPr/>
+          <a:lstStyle/>
+          <a:p>
+            <a:endParaRPr kumimoji="1" lang="zh-TW" altLang="en-US" dirty="0"/>
+          </a:p>
+        </p:txBody>
+      </p:sp>
+    </p:spTree>
+    <p:extLst>
+      <p:ext uri="{BB962C8B-B14F-4D97-AF65-F5344CB8AC3E}">
+        <p14:creationId xmlns:p14="http://schemas.microsoft.com/office/powerpoint/2010/main" val="1994065538"/>
+      </p:ext>
+    </p:extLst>
+  </p:cSld>
+  <p:clrMapOvr>
+    <a:masterClrMapping/>
+  </p:clrMapOvr>
+</p:sld>
+</file>
+
+<file path=ppt/slides/slide21.xml><?xml version="1.0" encoding="utf-8"?>
+<p:sld xmlns:a="http://schemas.openxmlformats.org/drawingml/2006/main" xmlns:r="http://schemas.openxmlformats.org/officeDocument/2006/relationships" xmlns:p="http://schemas.openxmlformats.org/presentationml/2006/main">
+  <p:cSld>
+    <p:spTree>
+      <p:nvGrpSpPr>
+        <p:cNvPr id="1" name=""/>
+        <p:cNvGrpSpPr/>
+        <p:nvPr/>
+      </p:nvGrpSpPr>
+      <p:grpSpPr>
+        <a:xfrm>
+          <a:off x="0" y="0"/>
+          <a:ext cx="0" cy="0"/>
+          <a:chOff x="0" y="0"/>
+          <a:chExt cx="0" cy="0"/>
+        </a:xfrm>
+      </p:grpSpPr>
+      <p:sp>
+        <p:nvSpPr>
+          <p:cNvPr id="2" name="標題 1"/>
+          <p:cNvSpPr>
+            <a:spLocks noGrp="1"/>
+          </p:cNvSpPr>
+          <p:nvPr>
+            <p:ph type="title"/>
+          </p:nvPr>
+        </p:nvSpPr>
+        <p:spPr/>
+        <p:txBody>
+          <a:bodyPr/>
+          <a:lstStyle/>
+          <a:p>
+            <a:r>
               <a:rPr kumimoji="1" lang="zh-TW" altLang="en-US" dirty="0"/>
               <a:t>挑戰</a:t>
             </a:r>
@@ -7653,7 +8389,13 @@
       </p:sp>
       <p:sp>
         <p:nvSpPr>
-          <p:cNvPr id="3" name="內容版面配置區 2"/>
+          <p:cNvPr id="4" name="內容版面配置區 2">
+            <a:extLst>
+              <a:ext uri="{FF2B5EF4-FFF2-40B4-BE49-F238E27FC236}">
+                <a16:creationId xmlns:a16="http://schemas.microsoft.com/office/drawing/2014/main" id="{005E0E4A-E489-8149-94CF-F20797956B55}"/>
+              </a:ext>
+            </a:extLst>
+          </p:cNvPr>
           <p:cNvSpPr>
             <a:spLocks noGrp="1"/>
           </p:cNvSpPr>
@@ -7663,10 +8405,45 @@
         </p:nvSpPr>
         <p:spPr/>
         <p:txBody>
-          <a:bodyPr/>
+          <a:bodyPr>
+            <a:normAutofit/>
+          </a:bodyPr>
           <a:lstStyle/>
           <a:p>
-            <a:endParaRPr kumimoji="1" lang="zh-TW" altLang="en-US"/>
+            <a:pPr>
+              <a:buClr>
+                <a:schemeClr val="accent1"/>
+              </a:buClr>
+            </a:pPr>
+            <a:endParaRPr kumimoji="1" lang="en-US" altLang="zh-TW" sz="3000" dirty="0"/>
+          </a:p>
+          <a:p>
+            <a:pPr>
+              <a:buClr>
+                <a:schemeClr val="accent1"/>
+              </a:buClr>
+            </a:pPr>
+            <a:endParaRPr kumimoji="1" lang="en-US" altLang="zh-TW" sz="3000" dirty="0"/>
+          </a:p>
+          <a:p>
+            <a:pPr>
+              <a:buClr>
+                <a:schemeClr val="accent1"/>
+              </a:buClr>
+            </a:pPr>
+            <a:r>
+              <a:rPr kumimoji="1" lang="en-US" altLang="zh-TW" sz="3000" dirty="0" err="1"/>
+              <a:t>GraphFrames</a:t>
+            </a:r>
+            <a:r>
+              <a:rPr kumimoji="1" lang="zh-CN" altLang="en-US" sz="3000" dirty="0"/>
+              <a:t>的</a:t>
+            </a:r>
+            <a:r>
+              <a:rPr kumimoji="1" lang="zh-TW" altLang="en-US" sz="3000" dirty="0"/>
+              <a:t>部分可以再做更多更深入的分析</a:t>
+            </a:r>
+            <a:endParaRPr kumimoji="1" lang="en-US" altLang="zh-TW" sz="3000" dirty="0"/>
           </a:p>
         </p:txBody>
       </p:sp>
@@ -7683,7 +8460,7 @@
 </p:sld>
 </file>
 
-<file path=ppt/slides/slide19.xml><?xml version="1.0" encoding="utf-8"?>
+<file path=ppt/slides/slide22.xml><?xml version="1.0" encoding="utf-8"?>
 <p:sld xmlns:a="http://schemas.openxmlformats.org/drawingml/2006/main" xmlns:r="http://schemas.openxmlformats.org/officeDocument/2006/relationships" xmlns:p="http://schemas.openxmlformats.org/presentationml/2006/main">
   <p:cSld>
     <p:spTree>
@@ -8137,99 +8914,6 @@
 </p:sld>
 </file>
 
-<file path=ppt/slides/slide2.xml><?xml version="1.0" encoding="utf-8"?>
-<p:sld xmlns:a="http://schemas.openxmlformats.org/drawingml/2006/main" xmlns:r="http://schemas.openxmlformats.org/officeDocument/2006/relationships" xmlns:p="http://schemas.openxmlformats.org/presentationml/2006/main">
-  <p:cSld>
-    <p:spTree>
-      <p:nvGrpSpPr>
-        <p:cNvPr id="1" name=""/>
-        <p:cNvGrpSpPr/>
-        <p:nvPr/>
-      </p:nvGrpSpPr>
-      <p:grpSpPr>
-        <a:xfrm>
-          <a:off x="0" y="0"/>
-          <a:ext cx="0" cy="0"/>
-          <a:chOff x="0" y="0"/>
-          <a:chExt cx="0" cy="0"/>
-        </a:xfrm>
-      </p:grpSpPr>
-      <p:sp>
-        <p:nvSpPr>
-          <p:cNvPr id="2" name="標題 1"/>
-          <p:cNvSpPr>
-            <a:spLocks noGrp="1"/>
-          </p:cNvSpPr>
-          <p:nvPr>
-            <p:ph type="title"/>
-          </p:nvPr>
-        </p:nvSpPr>
-        <p:spPr/>
-        <p:txBody>
-          <a:bodyPr/>
-          <a:lstStyle/>
-          <a:p>
-            <a:r>
-              <a:rPr kumimoji="1" lang="zh-TW" altLang="en-US" dirty="0"/>
-              <a:t>目標</a:t>
-            </a:r>
-          </a:p>
-        </p:txBody>
-      </p:sp>
-      <p:sp>
-        <p:nvSpPr>
-          <p:cNvPr id="3" name="內容版面配置區 2"/>
-          <p:cNvSpPr>
-            <a:spLocks noGrp="1"/>
-          </p:cNvSpPr>
-          <p:nvPr>
-            <p:ph idx="1"/>
-          </p:nvPr>
-        </p:nvSpPr>
-        <p:spPr/>
-        <p:txBody>
-          <a:bodyPr>
-            <a:normAutofit/>
-          </a:bodyPr>
-          <a:lstStyle/>
-          <a:p>
-            <a:pPr>
-              <a:buClr>
-                <a:schemeClr val="accent1"/>
-              </a:buClr>
-            </a:pPr>
-            <a:r>
-              <a:rPr kumimoji="1" lang="zh-TW" altLang="en-US" sz="3000" dirty="0"/>
-              <a:t>透過分析比特幣交易資料，判斷地址的用戶類型</a:t>
-            </a:r>
-            <a:endParaRPr kumimoji="1" lang="en-US" altLang="zh-TW" sz="3000" dirty="0"/>
-          </a:p>
-          <a:p>
-            <a:pPr>
-              <a:buClr>
-                <a:schemeClr val="accent1"/>
-              </a:buClr>
-            </a:pPr>
-            <a:r>
-              <a:rPr kumimoji="1" lang="zh-TW" altLang="en-US" sz="3000" dirty="0"/>
-              <a:t>追踪不同類型用戶間資金流向</a:t>
-            </a:r>
-          </a:p>
-        </p:txBody>
-      </p:sp>
-    </p:spTree>
-    <p:extLst>
-      <p:ext uri="{BB962C8B-B14F-4D97-AF65-F5344CB8AC3E}">
-        <p14:creationId xmlns:p14="http://schemas.microsoft.com/office/powerpoint/2010/main" val="1540838320"/>
-      </p:ext>
-    </p:extLst>
-  </p:cSld>
-  <p:clrMapOvr>
-    <a:masterClrMapping/>
-  </p:clrMapOvr>
-</p:sld>
-</file>
-
 <file path=ppt/slides/slide3.xml><?xml version="1.0" encoding="utf-8"?>
 <p:sld xmlns:a="http://schemas.openxmlformats.org/drawingml/2006/main" xmlns:r="http://schemas.openxmlformats.org/officeDocument/2006/relationships" xmlns:p="http://schemas.openxmlformats.org/presentationml/2006/main">
   <p:cSld>
@@ -9031,31 +9715,35 @@
           </a:p>
         </p:txBody>
       </p:sp>
-      <p:sp>
-        <p:nvSpPr>
-          <p:cNvPr id="3" name="內容版面配置區 2"/>
-          <p:cNvSpPr>
-            <a:spLocks noGrp="1"/>
-          </p:cNvSpPr>
+      <p:pic>
+        <p:nvPicPr>
+          <p:cNvPr id="7" name="內容版面配置區 6">
+            <a:extLst>
+              <a:ext uri="{FF2B5EF4-FFF2-40B4-BE49-F238E27FC236}">
+                <a16:creationId xmlns:a16="http://schemas.microsoft.com/office/drawing/2014/main" id="{DE56361A-5A56-8445-95A9-559543230EA6}"/>
+              </a:ext>
+            </a:extLst>
+          </p:cNvPr>
+          <p:cNvPicPr>
+            <a:picLocks noGrp="1" noChangeAspect="1"/>
+          </p:cNvPicPr>
           <p:nvPr>
             <p:ph idx="1"/>
           </p:nvPr>
-        </p:nvSpPr>
-        <p:spPr/>
-        <p:txBody>
-          <a:bodyPr/>
-          <a:lstStyle/>
-          <a:p>
-            <a:r>
-              <a:rPr kumimoji="1" lang="zh-TW" altLang="en-US" dirty="0"/>
-              <a:t>觀察</a:t>
-            </a:r>
-          </a:p>
-          <a:p>
-            <a:endParaRPr kumimoji="1" lang="zh-TW" altLang="en-US" dirty="0"/>
-          </a:p>
-        </p:txBody>
-      </p:sp>
+        </p:nvPicPr>
+        <p:blipFill>
+          <a:blip r:embed="rId2"/>
+          <a:stretch>
+            <a:fillRect/>
+          </a:stretch>
+        </p:blipFill>
+        <p:spPr>
+          <a:xfrm>
+            <a:off x="2908551" y="1395351"/>
+            <a:ext cx="6247323" cy="5055638"/>
+          </a:xfrm>
+        </p:spPr>
+      </p:pic>
     </p:spTree>
     <p:extLst>
       <p:ext uri="{BB962C8B-B14F-4D97-AF65-F5344CB8AC3E}">

--- a/finalproject.pptx
+++ b/finalproject.pptx
@@ -14,19 +14,20 @@
     <p:sldId id="267" r:id="rId8"/>
     <p:sldId id="268" r:id="rId9"/>
     <p:sldId id="260" r:id="rId10"/>
-    <p:sldId id="261" r:id="rId11"/>
+    <p:sldId id="263" r:id="rId11"/>
     <p:sldId id="262" r:id="rId12"/>
-    <p:sldId id="263" r:id="rId13"/>
+    <p:sldId id="261" r:id="rId13"/>
     <p:sldId id="264" r:id="rId14"/>
     <p:sldId id="269" r:id="rId15"/>
     <p:sldId id="270" r:id="rId16"/>
-    <p:sldId id="271" r:id="rId17"/>
-    <p:sldId id="277" r:id="rId18"/>
-    <p:sldId id="278" r:id="rId19"/>
-    <p:sldId id="279" r:id="rId20"/>
-    <p:sldId id="272" r:id="rId21"/>
-    <p:sldId id="274" r:id="rId22"/>
-    <p:sldId id="273" r:id="rId23"/>
+    <p:sldId id="280" r:id="rId17"/>
+    <p:sldId id="271" r:id="rId18"/>
+    <p:sldId id="277" r:id="rId19"/>
+    <p:sldId id="278" r:id="rId20"/>
+    <p:sldId id="279" r:id="rId21"/>
+    <p:sldId id="272" r:id="rId22"/>
+    <p:sldId id="274" r:id="rId23"/>
+    <p:sldId id="273" r:id="rId24"/>
   </p:sldIdLst>
   <p:sldSz cx="12192000" cy="6858000"/>
   <p:notesSz cx="6858000" cy="9144000"/>
@@ -6880,7 +6881,7 @@
           <a:p>
             <a:r>
               <a:rPr kumimoji="1" lang="zh-TW" altLang="en-US" dirty="0"/>
-              <a:t>個人</a:t>
+              <a:t>賭場</a:t>
             </a:r>
           </a:p>
         </p:txBody>
@@ -6895,9 +6896,16 @@
             <p:ph idx="1"/>
           </p:nvPr>
         </p:nvSpPr>
-        <p:spPr/>
+        <p:spPr>
+          <a:xfrm>
+            <a:off x="1251679" y="2286001"/>
+            <a:ext cx="4780412" cy="3593591"/>
+          </a:xfrm>
+        </p:spPr>
         <p:txBody>
-          <a:bodyPr/>
+          <a:bodyPr>
+            <a:normAutofit/>
+          </a:bodyPr>
           <a:lstStyle/>
           <a:p>
             <a:pPr>
@@ -6907,15 +6915,40 @@
             </a:pPr>
             <a:r>
               <a:rPr kumimoji="1" lang="zh-TW" altLang="en-US" sz="3000" dirty="0"/>
-              <a:t>每筆交易金額 小於 平均交易金額（總交易金額</a:t>
+              <a:t>位址經過小寫處理後</a:t>
+            </a:r>
+            <a:r>
+              <a:rPr kumimoji="1" lang="zh-TW" altLang="en-US" sz="3000" dirty="0" smtClean="0"/>
+              <a:t>，</a:t>
+            </a:r>
+            <a:endParaRPr kumimoji="1" lang="en-US" altLang="zh-TW" sz="3000" dirty="0"/>
+          </a:p>
+          <a:p>
+            <a:pPr marL="0" indent="0">
+              <a:buClr>
+                <a:schemeClr val="accent1"/>
+              </a:buClr>
+              <a:buNone/>
+            </a:pPr>
+            <a:r>
+              <a:rPr kumimoji="1" lang="zh-TW" altLang="en-US" sz="3000" dirty="0" smtClean="0"/>
+              <a:t>包含</a:t>
             </a:r>
             <a:r>
               <a:rPr kumimoji="1" lang="en-US" altLang="zh-TW" sz="3000" dirty="0"/>
-              <a:t>/</a:t>
+              <a:t>”1dice”</a:t>
             </a:r>
             <a:r>
               <a:rPr kumimoji="1" lang="zh-TW" altLang="en-US" sz="3000" dirty="0"/>
-              <a:t>筆數）</a:t>
+              <a:t>或</a:t>
+            </a:r>
+            <a:r>
+              <a:rPr kumimoji="1" lang="en-US" altLang="zh-TW" sz="3000" dirty="0"/>
+              <a:t>”lucky”</a:t>
+            </a:r>
+            <a:r>
+              <a:rPr kumimoji="1" lang="zh-TW" altLang="en-US" sz="3000" dirty="0"/>
+              <a:t>的位址</a:t>
             </a:r>
             <a:endParaRPr kumimoji="1" lang="en-US" altLang="zh-TW" sz="3000" dirty="0"/>
           </a:p>
@@ -6925,10 +6958,6 @@
                 <a:schemeClr val="accent1"/>
               </a:buClr>
             </a:pPr>
-            <a:r>
-              <a:rPr kumimoji="1" lang="zh-TW" altLang="en-US" sz="3000" dirty="0"/>
-              <a:t>匯款次數 小於 平均每一個位址的匯款次數</a:t>
-            </a:r>
             <a:endParaRPr kumimoji="1" lang="en-US" altLang="zh-TW" sz="3000" dirty="0"/>
           </a:p>
           <a:p>
@@ -6939,9 +6968,13 @@
             </a:pPr>
             <a:r>
               <a:rPr kumimoji="1" lang="zh-TW" altLang="en-US" sz="3000" dirty="0"/>
-              <a:t>收款次數 小於 平均每一個位址的收款次數</a:t>
-            </a:r>
-            <a:endParaRPr kumimoji="1" lang="en-US" altLang="zh-TW" sz="3000" dirty="0"/>
+              <a:t>符合這個條件判斷為</a:t>
+            </a:r>
+            <a:r>
+              <a:rPr kumimoji="1" lang="zh-TW" altLang="en-US" sz="3000" dirty="0" smtClean="0"/>
+              <a:t>賭場</a:t>
+            </a:r>
+            <a:endParaRPr kumimoji="1" lang="en-US" altLang="zh-TW" sz="3000" dirty="0" smtClean="0"/>
           </a:p>
           <a:p>
             <a:pPr>
@@ -6949,7 +6982,7 @@
                 <a:schemeClr val="accent1"/>
               </a:buClr>
             </a:pPr>
-            <a:endParaRPr kumimoji="1" lang="en-US" altLang="zh-TW" dirty="0"/>
+            <a:endParaRPr kumimoji="1" lang="en-US" altLang="zh-TW" sz="3000" dirty="0"/>
           </a:p>
           <a:p>
             <a:pPr>
@@ -6957,17 +6990,43 @@
                 <a:schemeClr val="accent1"/>
               </a:buClr>
             </a:pPr>
-            <a:r>
-              <a:rPr kumimoji="1" lang="zh-TW" altLang="en-US" sz="3000" dirty="0"/>
-              <a:t>符合這三個條件判斷為個人帳戶</a:t>
-            </a:r>
+            <a:endParaRPr kumimoji="1" lang="zh-TW" altLang="en-US" sz="3000" dirty="0"/>
           </a:p>
         </p:txBody>
       </p:sp>
+      <p:pic>
+        <p:nvPicPr>
+          <p:cNvPr id="6" name="圖片 5"/>
+          <p:cNvPicPr>
+            <a:picLocks noChangeAspect="1"/>
+          </p:cNvPicPr>
+          <p:nvPr/>
+        </p:nvPicPr>
+        <p:blipFill rotWithShape="1">
+          <a:blip r:embed="rId2">
+            <a:extLst>
+              <a:ext uri="{28A0092B-C50C-407E-A947-70E740481C1C}">
+                <a14:useLocalDpi xmlns:a14="http://schemas.microsoft.com/office/drawing/2010/main" val="0"/>
+              </a:ext>
+            </a:extLst>
+          </a:blip>
+          <a:srcRect r="5104"/>
+          <a:stretch/>
+        </p:blipFill>
+        <p:spPr>
+          <a:xfrm>
+            <a:off x="6340839" y="596347"/>
+            <a:ext cx="5556935" cy="5879592"/>
+          </a:xfrm>
+          <a:prstGeom prst="rect">
+            <a:avLst/>
+          </a:prstGeom>
+        </p:spPr>
+      </p:pic>
     </p:spTree>
     <p:extLst>
       <p:ext uri="{BB962C8B-B14F-4D97-AF65-F5344CB8AC3E}">
-        <p14:creationId xmlns:p14="http://schemas.microsoft.com/office/powerpoint/2010/main" val="2134244080"/>
+        <p14:creationId xmlns:p14="http://schemas.microsoft.com/office/powerpoint/2010/main" val="263040847"/>
       </p:ext>
     </p:extLst>
   </p:cSld>
@@ -7026,7 +7085,12 @@
             <p:ph idx="1"/>
           </p:nvPr>
         </p:nvSpPr>
-        <p:spPr/>
+        <p:spPr>
+          <a:xfrm>
+            <a:off x="1251678" y="1874517"/>
+            <a:ext cx="5255448" cy="4823994"/>
+          </a:xfrm>
+        </p:spPr>
         <p:txBody>
           <a:bodyPr>
             <a:normAutofit/>
@@ -7051,8 +7115,12 @@
               </a:buClr>
             </a:pPr>
             <a:r>
-              <a:rPr kumimoji="1" lang="en-US" altLang="zh-TW" sz="3000" dirty="0"/>
-              <a:t>12.5 BTC&lt;</a:t>
+              <a:rPr kumimoji="1" lang="en-US" altLang="zh-TW" sz="2500" dirty="0"/>
+              <a:t>12.5 </a:t>
+            </a:r>
+            <a:r>
+              <a:rPr kumimoji="1" lang="en-US" altLang="zh-TW" sz="3000" dirty="0" smtClean="0"/>
+              <a:t>&lt;</a:t>
             </a:r>
             <a:r>
               <a:rPr kumimoji="1" lang="zh-TW" altLang="en-US" sz="3000" dirty="0"/>
@@ -7060,7 +7128,27 @@
             </a:r>
             <a:r>
               <a:rPr kumimoji="1" lang="en-US" altLang="zh-TW" sz="3000" dirty="0"/>
-              <a:t>&lt;=12.5+2 BTC (+2</a:t>
+              <a:t>&lt;=</a:t>
+            </a:r>
+            <a:r>
+              <a:rPr kumimoji="1" lang="en-US" altLang="zh-TW" sz="2500" dirty="0"/>
+              <a:t>12.5+2 BTC </a:t>
+            </a:r>
+            <a:endParaRPr kumimoji="1" lang="en-US" altLang="zh-TW" sz="2500" dirty="0" smtClean="0"/>
+          </a:p>
+          <a:p>
+            <a:pPr>
+              <a:buClr>
+                <a:schemeClr val="accent1"/>
+              </a:buClr>
+            </a:pPr>
+            <a:r>
+              <a:rPr kumimoji="1" lang="en-US" altLang="zh-TW" sz="3000" dirty="0" smtClean="0"/>
+              <a:t>(+</a:t>
+            </a:r>
+            <a:r>
+              <a:rPr kumimoji="1" lang="en-US" altLang="zh-TW" sz="3000" dirty="0"/>
+              <a:t>2</a:t>
             </a:r>
             <a:r>
               <a:rPr kumimoji="1" lang="zh-TW" altLang="en-US" sz="3000" dirty="0"/>
@@ -7087,11 +7175,54 @@
             </a:pPr>
             <a:r>
               <a:rPr kumimoji="1" lang="zh-TW" altLang="en-US" sz="3000" dirty="0"/>
-              <a:t>符合這兩個條件判斷為礦池</a:t>
-            </a:r>
+              <a:t>符合這兩個條件判斷為礦</a:t>
+            </a:r>
+            <a:r>
+              <a:rPr kumimoji="1" lang="zh-TW" altLang="en-US" sz="3000" dirty="0" smtClean="0"/>
+              <a:t>池</a:t>
+            </a:r>
+            <a:endParaRPr kumimoji="1" lang="en-US" altLang="zh-TW" sz="3000" dirty="0"/>
+          </a:p>
+          <a:p>
+            <a:pPr>
+              <a:buClr>
+                <a:schemeClr val="accent1"/>
+              </a:buClr>
+            </a:pPr>
+            <a:endParaRPr kumimoji="1" lang="en-US" altLang="zh-TW" sz="3000" dirty="0" smtClean="0"/>
           </a:p>
         </p:txBody>
       </p:sp>
+      <p:pic>
+        <p:nvPicPr>
+          <p:cNvPr id="5" name="圖片 4"/>
+          <p:cNvPicPr>
+            <a:picLocks noChangeAspect="1"/>
+          </p:cNvPicPr>
+          <p:nvPr/>
+        </p:nvPicPr>
+        <p:blipFill>
+          <a:blip r:embed="rId2">
+            <a:extLst>
+              <a:ext uri="{28A0092B-C50C-407E-A947-70E740481C1C}">
+                <a14:useLocalDpi xmlns:a14="http://schemas.microsoft.com/office/drawing/2010/main" val="0"/>
+              </a:ext>
+            </a:extLst>
+          </a:blip>
+          <a:stretch>
+            <a:fillRect/>
+          </a:stretch>
+        </p:blipFill>
+        <p:spPr>
+          <a:xfrm>
+            <a:off x="7732643" y="521803"/>
+            <a:ext cx="4178300" cy="6297949"/>
+          </a:xfrm>
+          <a:prstGeom prst="rect">
+            <a:avLst/>
+          </a:prstGeom>
+        </p:spPr>
+      </p:pic>
     </p:spTree>
     <p:extLst>
       <p:ext uri="{BB962C8B-B14F-4D97-AF65-F5344CB8AC3E}">
@@ -7139,7 +7270,7 @@
           <a:p>
             <a:r>
               <a:rPr kumimoji="1" lang="zh-TW" altLang="en-US" dirty="0"/>
-              <a:t>賭場</a:t>
+              <a:t>個人</a:t>
             </a:r>
           </a:p>
         </p:txBody>
@@ -7154,7 +7285,12 @@
             <p:ph idx="1"/>
           </p:nvPr>
         </p:nvSpPr>
-        <p:spPr/>
+        <p:spPr>
+          <a:xfrm>
+            <a:off x="1251678" y="1616149"/>
+            <a:ext cx="5489364" cy="4827180"/>
+          </a:xfrm>
+        </p:spPr>
         <p:txBody>
           <a:bodyPr>
             <a:normAutofit/>
@@ -7168,23 +7304,27 @@
             </a:pPr>
             <a:r>
               <a:rPr kumimoji="1" lang="zh-TW" altLang="en-US" sz="3000" dirty="0"/>
-              <a:t>位址經過小寫處理後，包含</a:t>
+              <a:t>每筆交易金額 </a:t>
             </a:r>
             <a:r>
               <a:rPr kumimoji="1" lang="en-US" altLang="zh-TW" sz="3000" dirty="0"/>
-              <a:t>”1dice”</a:t>
+              <a:t>&lt;</a:t>
+            </a:r>
+            <a:r>
+              <a:rPr kumimoji="1" lang="zh-TW" altLang="en-US" sz="3000" dirty="0" smtClean="0"/>
+              <a:t> </a:t>
             </a:r>
             <a:r>
               <a:rPr kumimoji="1" lang="zh-TW" altLang="en-US" sz="3000" dirty="0"/>
-              <a:t>或</a:t>
+              <a:t>平均交易金額（總交易金額</a:t>
             </a:r>
             <a:r>
               <a:rPr kumimoji="1" lang="en-US" altLang="zh-TW" sz="3000" dirty="0"/>
-              <a:t>”lucky”</a:t>
+              <a:t>/</a:t>
             </a:r>
             <a:r>
               <a:rPr kumimoji="1" lang="zh-TW" altLang="en-US" sz="3000" dirty="0"/>
-              <a:t>的位址</a:t>
+              <a:t>筆數）</a:t>
             </a:r>
             <a:endParaRPr kumimoji="1" lang="en-US" altLang="zh-TW" sz="3000" dirty="0"/>
           </a:p>
@@ -7194,6 +7334,22 @@
                 <a:schemeClr val="accent1"/>
               </a:buClr>
             </a:pPr>
+            <a:r>
+              <a:rPr kumimoji="1" lang="zh-TW" altLang="en-US" sz="3000" dirty="0"/>
+              <a:t>匯款次數 </a:t>
+            </a:r>
+            <a:r>
+              <a:rPr kumimoji="1" lang="en-US" altLang="zh-TW" sz="3000" dirty="0" smtClean="0"/>
+              <a:t>&lt;</a:t>
+            </a:r>
+            <a:r>
+              <a:rPr kumimoji="1" lang="zh-TW" altLang="en-US" sz="3000" dirty="0" smtClean="0"/>
+              <a:t> </a:t>
+            </a:r>
+            <a:r>
+              <a:rPr kumimoji="1" lang="zh-TW" altLang="en-US" sz="3000" dirty="0"/>
+              <a:t>平均每一個位址的匯款次數</a:t>
+            </a:r>
             <a:endParaRPr kumimoji="1" lang="en-US" altLang="zh-TW" sz="3000" dirty="0"/>
           </a:p>
           <a:p>
@@ -7204,15 +7360,76 @@
             </a:pPr>
             <a:r>
               <a:rPr kumimoji="1" lang="zh-TW" altLang="en-US" sz="3000" dirty="0"/>
-              <a:t>符合這個條件判斷為賭場</a:t>
+              <a:t>收款次數 </a:t>
+            </a:r>
+            <a:r>
+              <a:rPr kumimoji="1" lang="en-US" altLang="zh-TW" sz="3000" dirty="0"/>
+              <a:t>&lt;</a:t>
+            </a:r>
+            <a:r>
+              <a:rPr kumimoji="1" lang="zh-TW" altLang="en-US" sz="3000" dirty="0" smtClean="0"/>
+              <a:t> </a:t>
+            </a:r>
+            <a:r>
+              <a:rPr kumimoji="1" lang="zh-TW" altLang="en-US" sz="3000" dirty="0"/>
+              <a:t>平均每一個位址的收款次數</a:t>
+            </a:r>
+            <a:endParaRPr kumimoji="1" lang="en-US" altLang="zh-TW" sz="3000" dirty="0"/>
+          </a:p>
+          <a:p>
+            <a:pPr>
+              <a:buClr>
+                <a:schemeClr val="accent1"/>
+              </a:buClr>
+            </a:pPr>
+            <a:endParaRPr kumimoji="1" lang="en-US" altLang="zh-TW" dirty="0"/>
+          </a:p>
+          <a:p>
+            <a:pPr>
+              <a:buClr>
+                <a:schemeClr val="accent1"/>
+              </a:buClr>
+            </a:pPr>
+            <a:r>
+              <a:rPr kumimoji="1" lang="zh-TW" altLang="en-US" sz="3000" dirty="0"/>
+              <a:t>符合這三個條件判斷為個人帳戶</a:t>
             </a:r>
           </a:p>
         </p:txBody>
       </p:sp>
+      <p:pic>
+        <p:nvPicPr>
+          <p:cNvPr id="7" name="圖片 6"/>
+          <p:cNvPicPr>
+            <a:picLocks noChangeAspect="1"/>
+          </p:cNvPicPr>
+          <p:nvPr/>
+        </p:nvPicPr>
+        <p:blipFill rotWithShape="1">
+          <a:blip r:embed="rId2">
+            <a:extLst>
+              <a:ext uri="{28A0092B-C50C-407E-A947-70E740481C1C}">
+                <a14:useLocalDpi xmlns:a14="http://schemas.microsoft.com/office/drawing/2010/main" val="0"/>
+              </a:ext>
+            </a:extLst>
+          </a:blip>
+          <a:srcRect r="7708"/>
+          <a:stretch/>
+        </p:blipFill>
+        <p:spPr>
+          <a:xfrm>
+            <a:off x="8050696" y="382384"/>
+            <a:ext cx="3836504" cy="6471535"/>
+          </a:xfrm>
+          <a:prstGeom prst="rect">
+            <a:avLst/>
+          </a:prstGeom>
+        </p:spPr>
+      </p:pic>
     </p:spTree>
     <p:extLst>
       <p:ext uri="{BB962C8B-B14F-4D97-AF65-F5344CB8AC3E}">
-        <p14:creationId xmlns:p14="http://schemas.microsoft.com/office/powerpoint/2010/main" val="263040847"/>
+        <p14:creationId xmlns:p14="http://schemas.microsoft.com/office/powerpoint/2010/main" val="2134244080"/>
       </p:ext>
     </p:extLst>
   </p:cSld>
@@ -7258,6 +7475,10 @@
               <a:rPr kumimoji="1" lang="zh-TW" altLang="en-US" dirty="0"/>
               <a:t>服務商</a:t>
             </a:r>
+            <a:r>
+              <a:rPr kumimoji="1" lang="en-US" altLang="zh-TW" dirty="0"/>
+              <a:t/>
+            </a:r>
             <a:br>
               <a:rPr kumimoji="1" lang="en-US" altLang="zh-TW" dirty="0"/>
             </a:br>
@@ -7278,7 +7499,12 @@
             <p:ph idx="1"/>
           </p:nvPr>
         </p:nvSpPr>
-        <p:spPr/>
+        <p:spPr>
+          <a:xfrm>
+            <a:off x="1251678" y="2286001"/>
+            <a:ext cx="4936471" cy="3593591"/>
+          </a:xfrm>
+        </p:spPr>
         <p:txBody>
           <a:bodyPr>
             <a:normAutofit/>
@@ -7291,10 +7517,10 @@
               </a:buClr>
             </a:pPr>
             <a:r>
-              <a:rPr kumimoji="1" lang="zh-TW" altLang="en-US" sz="3000" dirty="0"/>
+              <a:rPr kumimoji="1" lang="zh-TW" altLang="en-US" sz="3000" dirty="0" smtClean="0"/>
               <a:t>所有位址中，不是個人帳戶，不是礦池，不是賭場的位址</a:t>
             </a:r>
-            <a:endParaRPr kumimoji="1" lang="en-US" altLang="zh-TW" sz="3000" dirty="0"/>
+            <a:endParaRPr kumimoji="1" lang="en-US" altLang="zh-TW" sz="3000" dirty="0" smtClean="0"/>
           </a:p>
           <a:p>
             <a:pPr>
@@ -7302,7 +7528,7 @@
                 <a:schemeClr val="accent1"/>
               </a:buClr>
             </a:pPr>
-            <a:endParaRPr kumimoji="1" lang="en-US" altLang="zh-TW" sz="3000" dirty="0"/>
+            <a:endParaRPr kumimoji="1" lang="en-US" altLang="zh-TW" sz="3000" dirty="0" smtClean="0"/>
           </a:p>
           <a:p>
             <a:pPr>
@@ -7311,12 +7537,42 @@
               </a:buClr>
             </a:pPr>
             <a:r>
-              <a:rPr kumimoji="1" lang="zh-TW" altLang="en-US" sz="3000" dirty="0"/>
+              <a:rPr kumimoji="1" lang="zh-TW" altLang="en-US" sz="3000" dirty="0" smtClean="0"/>
               <a:t>符合這個條件判斷為服務商或交易所</a:t>
             </a:r>
+            <a:endParaRPr kumimoji="1" lang="zh-TW" altLang="en-US" sz="3000" dirty="0"/>
           </a:p>
         </p:txBody>
       </p:sp>
+      <p:pic>
+        <p:nvPicPr>
+          <p:cNvPr id="5" name="圖片 4"/>
+          <p:cNvPicPr>
+            <a:picLocks noChangeAspect="1"/>
+          </p:cNvPicPr>
+          <p:nvPr/>
+        </p:nvPicPr>
+        <p:blipFill rotWithShape="1">
+          <a:blip r:embed="rId2">
+            <a:extLst>
+              <a:ext uri="{28A0092B-C50C-407E-A947-70E740481C1C}">
+                <a14:useLocalDpi xmlns:a14="http://schemas.microsoft.com/office/drawing/2010/main" val="0"/>
+              </a:ext>
+            </a:extLst>
+          </a:blip>
+          <a:srcRect r="2528"/>
+          <a:stretch/>
+        </p:blipFill>
+        <p:spPr>
+          <a:xfrm>
+            <a:off x="6579705" y="382385"/>
+            <a:ext cx="5307496" cy="6489846"/>
+          </a:xfrm>
+          <a:prstGeom prst="rect">
+            <a:avLst/>
+          </a:prstGeom>
+        </p:spPr>
+      </p:pic>
     </p:spTree>
     <p:extLst>
       <p:ext uri="{BB962C8B-B14F-4D97-AF65-F5344CB8AC3E}">
@@ -7381,10 +7637,133 @@
         </p:nvSpPr>
         <p:spPr/>
         <p:txBody>
-          <a:bodyPr/>
+          <a:bodyPr>
+            <a:normAutofit/>
+          </a:bodyPr>
           <a:lstStyle/>
           <a:p>
-            <a:endParaRPr kumimoji="1" lang="zh-TW" altLang="en-US"/>
+            <a:r>
+              <a:rPr kumimoji="1" lang="zh-TW" altLang="en-US" sz="3000" dirty="0"/>
+              <a:t>總數</a:t>
+            </a:r>
+            <a:r>
+              <a:rPr kumimoji="1" lang="zh-TW" altLang="en-US" sz="3000" dirty="0" smtClean="0"/>
+              <a:t>：</a:t>
+            </a:r>
+            <a:r>
+              <a:rPr lang="is-IS" altLang="zh-TW" sz="3200" dirty="0"/>
+              <a:t> </a:t>
+            </a:r>
+            <a:r>
+              <a:rPr lang="is-IS" altLang="zh-TW" sz="3200" dirty="0" smtClean="0"/>
+              <a:t>7667574</a:t>
+            </a:r>
+          </a:p>
+          <a:p>
+            <a:r>
+              <a:rPr kumimoji="1" lang="zh-TW" altLang="en-US" sz="3000" dirty="0" smtClean="0"/>
+              <a:t>缺失值</a:t>
+            </a:r>
+            <a:r>
+              <a:rPr kumimoji="1" lang="zh-TW" altLang="en-US" sz="3000" dirty="0"/>
+              <a:t>（空白）：</a:t>
+            </a:r>
+            <a:r>
+              <a:rPr kumimoji="1" lang="en-US" altLang="zh-TW" sz="3000" dirty="0" smtClean="0"/>
+              <a:t>1</a:t>
+            </a:r>
+          </a:p>
+          <a:p>
+            <a:r>
+              <a:rPr kumimoji="1" lang="zh-TW" altLang="en-US" sz="3000" dirty="0" smtClean="0"/>
+              <a:t>賭場：</a:t>
+            </a:r>
+            <a:r>
+              <a:rPr kumimoji="1" lang="en-US" altLang="zh-TW" sz="3000" dirty="0" smtClean="0"/>
+              <a:t>10</a:t>
+            </a:r>
+            <a:r>
+              <a:rPr kumimoji="1" lang="zh-TW" altLang="en-US" sz="3000" dirty="0" smtClean="0"/>
+              <a:t> （</a:t>
+            </a:r>
+            <a:r>
+              <a:rPr kumimoji="1" lang="en-US" altLang="zh-TW" sz="3000" dirty="0" smtClean="0"/>
+              <a:t>0.0000013</a:t>
+            </a:r>
+            <a:r>
+              <a:rPr kumimoji="1" lang="zh-TW" altLang="en-US" sz="3000" dirty="0" smtClean="0"/>
+              <a:t>）</a:t>
+            </a:r>
+            <a:endParaRPr kumimoji="1" lang="en-US" altLang="zh-TW" sz="3000" dirty="0" smtClean="0"/>
+          </a:p>
+          <a:p>
+            <a:r>
+              <a:rPr kumimoji="1" lang="zh-TW" altLang="en-US" sz="3000" dirty="0" smtClean="0"/>
+              <a:t>礦池：</a:t>
+            </a:r>
+            <a:r>
+              <a:rPr kumimoji="1" lang="en-US" altLang="zh-TW" sz="3000" dirty="0" smtClean="0"/>
+              <a:t>4596</a:t>
+            </a:r>
+            <a:r>
+              <a:rPr kumimoji="1" lang="zh-TW" altLang="en-US" sz="3000" dirty="0" smtClean="0"/>
+              <a:t> （</a:t>
+            </a:r>
+            <a:r>
+              <a:rPr kumimoji="1" lang="en-US" altLang="zh-TW" sz="3000" dirty="0" smtClean="0"/>
+              <a:t>0.000599</a:t>
+            </a:r>
+            <a:r>
+              <a:rPr kumimoji="1" lang="zh-TW" altLang="en-US" sz="3000" dirty="0" smtClean="0"/>
+              <a:t>）</a:t>
+            </a:r>
+            <a:endParaRPr kumimoji="1" lang="en-US" altLang="zh-TW" sz="3000" dirty="0" smtClean="0"/>
+          </a:p>
+          <a:p>
+            <a:r>
+              <a:rPr kumimoji="1" lang="zh-TW" altLang="en-US" sz="3000" dirty="0" smtClean="0"/>
+              <a:t>個人：</a:t>
+            </a:r>
+            <a:r>
+              <a:rPr kumimoji="1" lang="en-US" altLang="zh-TW" sz="3000" dirty="0" smtClean="0"/>
+              <a:t>1365480</a:t>
+            </a:r>
+            <a:r>
+              <a:rPr kumimoji="1" lang="zh-TW" altLang="en-US" sz="3000" dirty="0" smtClean="0"/>
+              <a:t> （</a:t>
+            </a:r>
+            <a:r>
+              <a:rPr kumimoji="1" lang="en-US" altLang="zh-TW" sz="3000" dirty="0" smtClean="0"/>
+              <a:t>0.178</a:t>
+            </a:r>
+            <a:r>
+              <a:rPr kumimoji="1" lang="zh-TW" altLang="en-US" sz="3000" dirty="0" smtClean="0"/>
+              <a:t>）</a:t>
+            </a:r>
+            <a:endParaRPr kumimoji="1" lang="en-US" altLang="zh-TW" sz="3000" dirty="0" smtClean="0"/>
+          </a:p>
+          <a:p>
+            <a:r>
+              <a:rPr kumimoji="1" lang="zh-TW" altLang="en-US" sz="3000" dirty="0" smtClean="0"/>
+              <a:t>服務商，交易所：</a:t>
+            </a:r>
+            <a:r>
+              <a:rPr kumimoji="1" lang="en-US" altLang="zh-TW" sz="3000" dirty="0" smtClean="0"/>
+              <a:t>6297487</a:t>
+            </a:r>
+            <a:r>
+              <a:rPr kumimoji="1" lang="zh-TW" altLang="en-US" sz="3000" dirty="0" smtClean="0"/>
+              <a:t> （</a:t>
+            </a:r>
+            <a:r>
+              <a:rPr kumimoji="1" lang="en-US" altLang="zh-TW" sz="3000" dirty="0" smtClean="0"/>
+              <a:t>0.821</a:t>
+            </a:r>
+            <a:r>
+              <a:rPr kumimoji="1" lang="zh-TW" altLang="en-US" sz="3000" dirty="0" smtClean="0"/>
+              <a:t>）</a:t>
+            </a:r>
+            <a:endParaRPr kumimoji="1" lang="en-US" altLang="zh-TW" sz="3000" dirty="0" smtClean="0"/>
           </a:p>
         </p:txBody>
       </p:sp>
@@ -7440,22 +7819,115 @@
           </a:p>
         </p:txBody>
       </p:sp>
-      <p:sp>
-        <p:nvSpPr>
-          <p:cNvPr id="3" name="內容版面配置區 2"/>
-          <p:cNvSpPr>
-            <a:spLocks noGrp="1"/>
-          </p:cNvSpPr>
+      <p:pic>
+        <p:nvPicPr>
+          <p:cNvPr id="4" name="內容版面配置區 3"/>
+          <p:cNvPicPr>
+            <a:picLocks noGrp="1" noChangeAspect="1"/>
+          </p:cNvPicPr>
           <p:nvPr>
             <p:ph idx="1"/>
           </p:nvPr>
-        </p:nvSpPr>
-        <p:spPr/>
+        </p:nvPicPr>
+        <p:blipFill rotWithShape="1">
+          <a:blip r:embed="rId2">
+            <a:extLst>
+              <a:ext uri="{28A0092B-C50C-407E-A947-70E740481C1C}">
+                <a14:useLocalDpi xmlns:a14="http://schemas.microsoft.com/office/drawing/2010/main" val="0"/>
+              </a:ext>
+            </a:extLst>
+          </a:blip>
+          <a:srcRect b="11681"/>
+          <a:stretch/>
+        </p:blipFill>
+        <p:spPr>
+          <a:xfrm>
+            <a:off x="5855799" y="1578246"/>
+            <a:ext cx="5744924" cy="4632123"/>
+          </a:xfrm>
+        </p:spPr>
+      </p:pic>
+      <p:pic>
+        <p:nvPicPr>
+          <p:cNvPr id="3" name="圖片 2"/>
+          <p:cNvPicPr>
+            <a:picLocks noChangeAspect="1"/>
+          </p:cNvPicPr>
+          <p:nvPr/>
+        </p:nvPicPr>
+        <p:blipFill rotWithShape="1">
+          <a:blip r:embed="rId3">
+            <a:extLst>
+              <a:ext uri="{28A0092B-C50C-407E-A947-70E740481C1C}">
+                <a14:useLocalDpi xmlns:a14="http://schemas.microsoft.com/office/drawing/2010/main" val="0"/>
+              </a:ext>
+            </a:extLst>
+          </a:blip>
+          <a:srcRect l="23978" r="20217"/>
+          <a:stretch/>
+        </p:blipFill>
+        <p:spPr>
+          <a:xfrm>
+            <a:off x="1422400" y="1578246"/>
+            <a:ext cx="4301806" cy="4632123"/>
+          </a:xfrm>
+          <a:prstGeom prst="rect">
+            <a:avLst/>
+          </a:prstGeom>
+        </p:spPr>
+      </p:pic>
+      <p:sp>
+        <p:nvSpPr>
+          <p:cNvPr id="5" name="文字方塊 4"/>
+          <p:cNvSpPr txBox="1"/>
+          <p:nvPr/>
+        </p:nvSpPr>
+        <p:spPr>
+          <a:xfrm>
+            <a:off x="7020101" y="6211669"/>
+            <a:ext cx="3416320" cy="646331"/>
+          </a:xfrm>
+          <a:prstGeom prst="rect">
+            <a:avLst/>
+          </a:prstGeom>
+          <a:noFill/>
+        </p:spPr>
         <p:txBody>
-          <a:bodyPr/>
+          <a:bodyPr wrap="none" rtlCol="0">
+            <a:spAutoFit/>
+          </a:bodyPr>
           <a:lstStyle/>
           <a:p>
-            <a:endParaRPr kumimoji="1" lang="zh-TW" altLang="en-US"/>
+            <a:pPr algn="ctr"/>
+            <a:r>
+              <a:rPr lang="zh-TW" altLang="en-US" dirty="0"/>
+              <a:t>火幣</a:t>
+            </a:r>
+            <a:r>
+              <a:rPr lang="zh-TW" altLang="en-US" dirty="0" smtClean="0"/>
+              <a:t>研究院</a:t>
+            </a:r>
+            <a:endParaRPr lang="en-US" altLang="zh-TW" dirty="0" smtClean="0"/>
+          </a:p>
+          <a:p>
+            <a:pPr algn="ctr"/>
+            <a:r>
+              <a:rPr lang="zh-TW" altLang="en-US" dirty="0"/>
+              <a:t>隨機抽樣選取了</a:t>
+            </a:r>
+            <a:r>
+              <a:rPr lang="en-US" altLang="zh-TW" dirty="0"/>
+              <a:t>8045</a:t>
+            </a:r>
+            <a:r>
+              <a:rPr lang="zh-TW" altLang="en-US" dirty="0"/>
+              <a:t>條</a:t>
+            </a:r>
+            <a:r>
+              <a:rPr lang="zh-TW" altLang="en-US" dirty="0" smtClean="0"/>
+              <a:t>樣本建模</a:t>
+            </a:r>
+            <a:endParaRPr kumimoji="1" lang="zh-TW" altLang="en-US" dirty="0"/>
           </a:p>
         </p:txBody>
       </p:sp>
@@ -7499,6 +7971,96 @@
             <p:ph type="title"/>
           </p:nvPr>
         </p:nvSpPr>
+        <p:spPr>
+          <a:xfrm>
+            <a:off x="873991" y="143846"/>
+            <a:ext cx="10178322" cy="1492132"/>
+          </a:xfrm>
+        </p:spPr>
+        <p:txBody>
+          <a:bodyPr/>
+          <a:lstStyle/>
+          <a:p>
+            <a:r>
+              <a:rPr kumimoji="1" lang="zh-TW" altLang="en-US" dirty="0" smtClean="0"/>
+              <a:t>預想</a:t>
+            </a:r>
+            <a:r>
+              <a:rPr kumimoji="1" lang="zh-TW" altLang="en-US" dirty="0" smtClean="0"/>
+              <a:t>：</a:t>
+            </a:r>
+            <a:endParaRPr kumimoji="1" lang="zh-TW" altLang="en-US" dirty="0"/>
+          </a:p>
+        </p:txBody>
+      </p:sp>
+      <p:pic>
+        <p:nvPicPr>
+          <p:cNvPr id="5" name="內容版面配置區 4"/>
+          <p:cNvPicPr>
+            <a:picLocks noGrp="1" noChangeAspect="1"/>
+          </p:cNvPicPr>
+          <p:nvPr>
+            <p:ph idx="1"/>
+          </p:nvPr>
+        </p:nvPicPr>
+        <p:blipFill rotWithShape="1">
+          <a:blip r:embed="rId2">
+            <a:extLst>
+              <a:ext uri="{28A0092B-C50C-407E-A947-70E740481C1C}">
+                <a14:useLocalDpi xmlns:a14="http://schemas.microsoft.com/office/drawing/2010/main" val="0"/>
+              </a:ext>
+            </a:extLst>
+          </a:blip>
+          <a:srcRect b="15652"/>
+          <a:stretch/>
+        </p:blipFill>
+        <p:spPr>
+          <a:xfrm>
+            <a:off x="2723322" y="799182"/>
+            <a:ext cx="9468678" cy="6058818"/>
+          </a:xfrm>
+        </p:spPr>
+      </p:pic>
+    </p:spTree>
+    <p:extLst>
+      <p:ext uri="{BB962C8B-B14F-4D97-AF65-F5344CB8AC3E}">
+        <p14:creationId xmlns:p14="http://schemas.microsoft.com/office/powerpoint/2010/main" val="763831995"/>
+      </p:ext>
+    </p:extLst>
+  </p:cSld>
+  <p:clrMapOvr>
+    <a:masterClrMapping/>
+  </p:clrMapOvr>
+</p:sld>
+</file>
+
+<file path=ppt/slides/slide17.xml><?xml version="1.0" encoding="utf-8"?>
+<p:sld xmlns:a="http://schemas.openxmlformats.org/drawingml/2006/main" xmlns:r="http://schemas.openxmlformats.org/officeDocument/2006/relationships" xmlns:p="http://schemas.openxmlformats.org/presentationml/2006/main">
+  <p:cSld>
+    <p:spTree>
+      <p:nvGrpSpPr>
+        <p:cNvPr id="1" name=""/>
+        <p:cNvGrpSpPr/>
+        <p:nvPr/>
+      </p:nvGrpSpPr>
+      <p:grpSpPr>
+        <a:xfrm>
+          <a:off x="0" y="0"/>
+          <a:ext cx="0" cy="0"/>
+          <a:chOff x="0" y="0"/>
+          <a:chExt cx="0" cy="0"/>
+        </a:xfrm>
+      </p:grpSpPr>
+      <p:sp>
+        <p:nvSpPr>
+          <p:cNvPr id="2" name="標題 1"/>
+          <p:cNvSpPr>
+            <a:spLocks noGrp="1"/>
+          </p:cNvSpPr>
+          <p:nvPr>
+            <p:ph type="title"/>
+          </p:nvPr>
+        </p:nvSpPr>
         <p:spPr/>
         <p:txBody>
           <a:bodyPr/>
@@ -7517,7 +8079,7 @@
           <p:cNvPr id="4" name="內容版面配置區 2">
             <a:extLst>
               <a:ext uri="{FF2B5EF4-FFF2-40B4-BE49-F238E27FC236}">
-                <a16:creationId xmlns:a16="http://schemas.microsoft.com/office/drawing/2014/main" id="{8248EF14-9B8E-C54B-BFA8-85331937B4E0}"/>
+                <a16:creationId xmlns="" xmlns:a16="http://schemas.microsoft.com/office/drawing/2014/main" id="{8248EF14-9B8E-C54B-BFA8-85331937B4E0}"/>
               </a:ext>
             </a:extLst>
           </p:cNvPr>
@@ -7582,7 +8144,7 @@
           <p:cNvPr id="6" name="圖片 5">
             <a:extLst>
               <a:ext uri="{FF2B5EF4-FFF2-40B4-BE49-F238E27FC236}">
-                <a16:creationId xmlns:a16="http://schemas.microsoft.com/office/drawing/2014/main" id="{74C49496-12F1-0045-9935-0BAC93C45957}"/>
+                <a16:creationId xmlns="" xmlns:a16="http://schemas.microsoft.com/office/drawing/2014/main" id="{74C49496-12F1-0045-9935-0BAC93C45957}"/>
               </a:ext>
             </a:extLst>
           </p:cNvPr>
@@ -7620,233 +8182,6 @@
 </p:sld>
 </file>
 
-<file path=ppt/slides/slide17.xml><?xml version="1.0" encoding="utf-8"?>
-<p:sld xmlns:a="http://schemas.openxmlformats.org/drawingml/2006/main" xmlns:r="http://schemas.openxmlformats.org/officeDocument/2006/relationships" xmlns:p="http://schemas.openxmlformats.org/presentationml/2006/main">
-  <p:cSld>
-    <p:spTree>
-      <p:nvGrpSpPr>
-        <p:cNvPr id="1" name=""/>
-        <p:cNvGrpSpPr/>
-        <p:nvPr/>
-      </p:nvGrpSpPr>
-      <p:grpSpPr>
-        <a:xfrm>
-          <a:off x="0" y="0"/>
-          <a:ext cx="0" cy="0"/>
-          <a:chOff x="0" y="0"/>
-          <a:chExt cx="0" cy="0"/>
-        </a:xfrm>
-      </p:grpSpPr>
-      <p:sp>
-        <p:nvSpPr>
-          <p:cNvPr id="2" name="標題 1">
-            <a:extLst>
-              <a:ext uri="{FF2B5EF4-FFF2-40B4-BE49-F238E27FC236}">
-                <a16:creationId xmlns:a16="http://schemas.microsoft.com/office/drawing/2014/main" id="{481A7BEF-8F5A-B745-908E-3C5617517215}"/>
-              </a:ext>
-            </a:extLst>
-          </p:cNvPr>
-          <p:cNvSpPr>
-            <a:spLocks noGrp="1"/>
-          </p:cNvSpPr>
-          <p:nvPr>
-            <p:ph type="title"/>
-          </p:nvPr>
-        </p:nvSpPr>
-        <p:spPr/>
-        <p:txBody>
-          <a:bodyPr/>
-          <a:lstStyle/>
-          <a:p>
-            <a:r>
-              <a:rPr kumimoji="1" lang="en-US" altLang="zh-TW" dirty="0" err="1"/>
-              <a:t>graphframe</a:t>
-            </a:r>
-            <a:endParaRPr kumimoji="1" lang="zh-TW" altLang="en-US" dirty="0"/>
-          </a:p>
-        </p:txBody>
-      </p:sp>
-      <p:sp>
-        <p:nvSpPr>
-          <p:cNvPr id="4" name="內容版面配置區 2">
-            <a:extLst>
-              <a:ext uri="{FF2B5EF4-FFF2-40B4-BE49-F238E27FC236}">
-                <a16:creationId xmlns:a16="http://schemas.microsoft.com/office/drawing/2014/main" id="{650FA499-3303-DF41-97BD-5C1A0C24063C}"/>
-              </a:ext>
-            </a:extLst>
-          </p:cNvPr>
-          <p:cNvSpPr>
-            <a:spLocks noGrp="1"/>
-          </p:cNvSpPr>
-          <p:nvPr>
-            <p:ph idx="1"/>
-          </p:nvPr>
-        </p:nvSpPr>
-        <p:spPr/>
-        <p:txBody>
-          <a:bodyPr>
-            <a:normAutofit/>
-          </a:bodyPr>
-          <a:lstStyle/>
-          <a:p>
-            <a:pPr>
-              <a:buClr>
-                <a:schemeClr val="accent1"/>
-              </a:buClr>
-            </a:pPr>
-            <a:r>
-              <a:rPr kumimoji="1" lang="en-US" altLang="zh-TW" sz="3000" dirty="0" err="1"/>
-              <a:t>GraphFrames</a:t>
-            </a:r>
-            <a:r>
-              <a:rPr kumimoji="1" lang="zh-TW" altLang="en-US" sz="3000" dirty="0"/>
-              <a:t>的</a:t>
-            </a:r>
-            <a:r>
-              <a:rPr kumimoji="1" lang="en-US" altLang="zh-TW" sz="3000" dirty="0"/>
-              <a:t>edge information</a:t>
-            </a:r>
-          </a:p>
-          <a:p>
-            <a:pPr lvl="1">
-              <a:buClr>
-                <a:schemeClr val="accent1"/>
-              </a:buClr>
-            </a:pPr>
-            <a:r>
-              <a:rPr kumimoji="1" lang="en-US" altLang="zh-TW" sz="2800" dirty="0"/>
-              <a:t>inputs_input_pubkey_base58</a:t>
-            </a:r>
-            <a:r>
-              <a:rPr kumimoji="1" lang="zh-TW" altLang="en-US" sz="2800" dirty="0"/>
-              <a:t>作爲</a:t>
-            </a:r>
-            <a:r>
-              <a:rPr kumimoji="1" lang="en-US" altLang="zh-TW" sz="2800" dirty="0" err="1"/>
-              <a:t>src</a:t>
-            </a:r>
-            <a:endParaRPr kumimoji="1" lang="en-US" altLang="zh-TW" sz="2800" dirty="0"/>
-          </a:p>
-          <a:p>
-            <a:pPr lvl="1">
-              <a:buClr>
-                <a:schemeClr val="accent1"/>
-              </a:buClr>
-            </a:pPr>
-            <a:r>
-              <a:rPr kumimoji="1" lang="en-US" altLang="zh-TW" sz="2800" dirty="0"/>
-              <a:t>outputs_output_pubkey_base58</a:t>
-            </a:r>
-            <a:r>
-              <a:rPr kumimoji="1" lang="zh-TW" altLang="en-US" sz="2800" dirty="0"/>
-              <a:t>作爲</a:t>
-            </a:r>
-            <a:r>
-              <a:rPr kumimoji="1" lang="en-US" altLang="zh-TW" sz="2800" dirty="0" err="1"/>
-              <a:t>dst</a:t>
-            </a:r>
-            <a:endParaRPr kumimoji="1" lang="en-US" altLang="zh-TW" sz="2800" dirty="0"/>
-          </a:p>
-          <a:p>
-            <a:pPr lvl="1">
-              <a:buClr>
-                <a:schemeClr val="accent1"/>
-              </a:buClr>
-            </a:pPr>
-            <a:r>
-              <a:rPr kumimoji="1" lang="en-US" altLang="zh-TW" sz="2800" dirty="0" err="1"/>
-              <a:t>Outputs_output_satoshis</a:t>
-            </a:r>
-            <a:r>
-              <a:rPr kumimoji="1" lang="zh-TW" altLang="en-US" sz="2800" dirty="0"/>
-              <a:t>作爲</a:t>
-            </a:r>
-            <a:r>
-              <a:rPr kumimoji="1" lang="en-US" altLang="zh-TW" sz="2800" dirty="0"/>
-              <a:t>relationship</a:t>
-            </a:r>
-          </a:p>
-          <a:p>
-            <a:pPr>
-              <a:buClr>
-                <a:schemeClr val="accent1"/>
-              </a:buClr>
-            </a:pPr>
-            <a:r>
-              <a:rPr kumimoji="1" lang="en-US" altLang="zh-TW" sz="3000" dirty="0" err="1"/>
-              <a:t>GraphFrames</a:t>
-            </a:r>
-            <a:r>
-              <a:rPr kumimoji="1" lang="zh-TW" altLang="en-US" sz="3000" dirty="0"/>
-              <a:t>的</a:t>
-            </a:r>
-            <a:r>
-              <a:rPr kumimoji="1" lang="en-US" altLang="zh-TW" sz="3000" dirty="0"/>
-              <a:t>vertex information</a:t>
-            </a:r>
-          </a:p>
-          <a:p>
-            <a:pPr lvl="1">
-              <a:buClr>
-                <a:schemeClr val="accent1"/>
-              </a:buClr>
-            </a:pPr>
-            <a:r>
-              <a:rPr kumimoji="1" lang="zh-TW" altLang="en-US" sz="2800" dirty="0"/>
-              <a:t>將</a:t>
-            </a:r>
-            <a:r>
-              <a:rPr kumimoji="1" lang="en-US" altLang="zh-TW" sz="2800" dirty="0" err="1"/>
-              <a:t>input_pubkey</a:t>
-            </a:r>
-            <a:r>
-              <a:rPr kumimoji="1" lang="zh-TW" altLang="en-US" sz="2800" dirty="0"/>
-              <a:t>與</a:t>
-            </a:r>
-            <a:r>
-              <a:rPr kumimoji="1" lang="en-US" altLang="zh-TW" sz="2800" dirty="0" err="1"/>
-              <a:t>output_pubkey</a:t>
-            </a:r>
-            <a:r>
-              <a:rPr kumimoji="1" lang="zh-TW" altLang="en-US" sz="2800" dirty="0"/>
-              <a:t>欄位合併</a:t>
-            </a:r>
-            <a:r>
-              <a:rPr kumimoji="1" lang="zh-CN" altLang="en-US" sz="2800" dirty="0"/>
-              <a:t>，</a:t>
-            </a:r>
-            <a:r>
-              <a:rPr kumimoji="1" lang="zh-TW" altLang="en-US" sz="2800" dirty="0"/>
-              <a:t>去除重複的</a:t>
-            </a:r>
-            <a:r>
-              <a:rPr kumimoji="1" lang="en-US" altLang="zh-TW" sz="2800" dirty="0"/>
-              <a:t>row</a:t>
-            </a:r>
-          </a:p>
-          <a:p>
-            <a:pPr>
-              <a:buClr>
-                <a:schemeClr val="accent1"/>
-              </a:buClr>
-            </a:pPr>
-            <a:endParaRPr kumimoji="1" lang="zh-TW" altLang="en-US" sz="3000" dirty="0"/>
-          </a:p>
-        </p:txBody>
-      </p:sp>
-    </p:spTree>
-    <p:extLst>
-      <p:ext uri="{BB962C8B-B14F-4D97-AF65-F5344CB8AC3E}">
-        <p14:creationId xmlns:p14="http://schemas.microsoft.com/office/powerpoint/2010/main" val="1378765777"/>
-      </p:ext>
-    </p:extLst>
-  </p:cSld>
-  <p:clrMapOvr>
-    <a:masterClrMapping/>
-  </p:clrMapOvr>
-</p:sld>
-</file>
-
 <file path=ppt/slides/slide18.xml><?xml version="1.0" encoding="utf-8"?>
 <p:sld xmlns:a="http://schemas.openxmlformats.org/drawingml/2006/main" xmlns:r="http://schemas.openxmlformats.org/officeDocument/2006/relationships" xmlns:p="http://schemas.openxmlformats.org/presentationml/2006/main">
   <p:cSld>
@@ -7869,7 +8204,7 @@
           <p:cNvPr id="2" name="標題 1">
             <a:extLst>
               <a:ext uri="{FF2B5EF4-FFF2-40B4-BE49-F238E27FC236}">
-                <a16:creationId xmlns:a16="http://schemas.microsoft.com/office/drawing/2014/main" id="{481A7BEF-8F5A-B745-908E-3C5617517215}"/>
+                <a16:creationId xmlns="" xmlns:a16="http://schemas.microsoft.com/office/drawing/2014/main" id="{481A7BEF-8F5A-B745-908E-3C5617517215}"/>
               </a:ext>
             </a:extLst>
           </p:cNvPr>
@@ -7898,7 +8233,234 @@
           <p:cNvPr id="4" name="內容版面配置區 2">
             <a:extLst>
               <a:ext uri="{FF2B5EF4-FFF2-40B4-BE49-F238E27FC236}">
-                <a16:creationId xmlns:a16="http://schemas.microsoft.com/office/drawing/2014/main" id="{650FA499-3303-DF41-97BD-5C1A0C24063C}"/>
+                <a16:creationId xmlns="" xmlns:a16="http://schemas.microsoft.com/office/drawing/2014/main" id="{650FA499-3303-DF41-97BD-5C1A0C24063C}"/>
+              </a:ext>
+            </a:extLst>
+          </p:cNvPr>
+          <p:cNvSpPr>
+            <a:spLocks noGrp="1"/>
+          </p:cNvSpPr>
+          <p:nvPr>
+            <p:ph idx="1"/>
+          </p:nvPr>
+        </p:nvSpPr>
+        <p:spPr/>
+        <p:txBody>
+          <a:bodyPr>
+            <a:normAutofit/>
+          </a:bodyPr>
+          <a:lstStyle/>
+          <a:p>
+            <a:pPr>
+              <a:buClr>
+                <a:schemeClr val="accent1"/>
+              </a:buClr>
+            </a:pPr>
+            <a:r>
+              <a:rPr kumimoji="1" lang="en-US" altLang="zh-TW" sz="3000" dirty="0" err="1"/>
+              <a:t>GraphFrames</a:t>
+            </a:r>
+            <a:r>
+              <a:rPr kumimoji="1" lang="zh-TW" altLang="en-US" sz="3000" dirty="0"/>
+              <a:t>的</a:t>
+            </a:r>
+            <a:r>
+              <a:rPr kumimoji="1" lang="en-US" altLang="zh-TW" sz="3000" dirty="0"/>
+              <a:t>edge information</a:t>
+            </a:r>
+          </a:p>
+          <a:p>
+            <a:pPr lvl="1">
+              <a:buClr>
+                <a:schemeClr val="accent1"/>
+              </a:buClr>
+            </a:pPr>
+            <a:r>
+              <a:rPr kumimoji="1" lang="en-US" altLang="zh-TW" sz="2800" dirty="0"/>
+              <a:t>inputs_input_pubkey_base58</a:t>
+            </a:r>
+            <a:r>
+              <a:rPr kumimoji="1" lang="zh-TW" altLang="en-US" sz="2800" dirty="0"/>
+              <a:t>作爲</a:t>
+            </a:r>
+            <a:r>
+              <a:rPr kumimoji="1" lang="en-US" altLang="zh-TW" sz="2800" dirty="0" err="1"/>
+              <a:t>src</a:t>
+            </a:r>
+            <a:endParaRPr kumimoji="1" lang="en-US" altLang="zh-TW" sz="2800" dirty="0"/>
+          </a:p>
+          <a:p>
+            <a:pPr lvl="1">
+              <a:buClr>
+                <a:schemeClr val="accent1"/>
+              </a:buClr>
+            </a:pPr>
+            <a:r>
+              <a:rPr kumimoji="1" lang="en-US" altLang="zh-TW" sz="2800" dirty="0"/>
+              <a:t>outputs_output_pubkey_base58</a:t>
+            </a:r>
+            <a:r>
+              <a:rPr kumimoji="1" lang="zh-TW" altLang="en-US" sz="2800" dirty="0"/>
+              <a:t>作爲</a:t>
+            </a:r>
+            <a:r>
+              <a:rPr kumimoji="1" lang="en-US" altLang="zh-TW" sz="2800" dirty="0" err="1"/>
+              <a:t>dst</a:t>
+            </a:r>
+            <a:endParaRPr kumimoji="1" lang="en-US" altLang="zh-TW" sz="2800" dirty="0"/>
+          </a:p>
+          <a:p>
+            <a:pPr lvl="1">
+              <a:buClr>
+                <a:schemeClr val="accent1"/>
+              </a:buClr>
+            </a:pPr>
+            <a:r>
+              <a:rPr kumimoji="1" lang="en-US" altLang="zh-TW" sz="2800" dirty="0" err="1"/>
+              <a:t>Outputs_output_satoshis</a:t>
+            </a:r>
+            <a:r>
+              <a:rPr kumimoji="1" lang="zh-TW" altLang="en-US" sz="2800" dirty="0"/>
+              <a:t>作爲</a:t>
+            </a:r>
+            <a:r>
+              <a:rPr kumimoji="1" lang="en-US" altLang="zh-TW" sz="2800" dirty="0"/>
+              <a:t>relationship</a:t>
+            </a:r>
+          </a:p>
+          <a:p>
+            <a:pPr>
+              <a:buClr>
+                <a:schemeClr val="accent1"/>
+              </a:buClr>
+            </a:pPr>
+            <a:r>
+              <a:rPr kumimoji="1" lang="en-US" altLang="zh-TW" sz="3000" dirty="0" err="1"/>
+              <a:t>GraphFrames</a:t>
+            </a:r>
+            <a:r>
+              <a:rPr kumimoji="1" lang="zh-TW" altLang="en-US" sz="3000" dirty="0"/>
+              <a:t>的</a:t>
+            </a:r>
+            <a:r>
+              <a:rPr kumimoji="1" lang="en-US" altLang="zh-TW" sz="3000" dirty="0"/>
+              <a:t>vertex information</a:t>
+            </a:r>
+          </a:p>
+          <a:p>
+            <a:pPr lvl="1">
+              <a:buClr>
+                <a:schemeClr val="accent1"/>
+              </a:buClr>
+            </a:pPr>
+            <a:r>
+              <a:rPr kumimoji="1" lang="zh-TW" altLang="en-US" sz="2800" dirty="0"/>
+              <a:t>將</a:t>
+            </a:r>
+            <a:r>
+              <a:rPr kumimoji="1" lang="en-US" altLang="zh-TW" sz="2800" dirty="0" err="1"/>
+              <a:t>input_pubkey</a:t>
+            </a:r>
+            <a:r>
+              <a:rPr kumimoji="1" lang="zh-TW" altLang="en-US" sz="2800" dirty="0"/>
+              <a:t>與</a:t>
+            </a:r>
+            <a:r>
+              <a:rPr kumimoji="1" lang="en-US" altLang="zh-TW" sz="2800" dirty="0" err="1"/>
+              <a:t>output_pubkey</a:t>
+            </a:r>
+            <a:r>
+              <a:rPr kumimoji="1" lang="zh-TW" altLang="en-US" sz="2800" dirty="0"/>
+              <a:t>欄位合併</a:t>
+            </a:r>
+            <a:r>
+              <a:rPr kumimoji="1" lang="zh-CN" altLang="en-US" sz="2800" dirty="0"/>
+              <a:t>，</a:t>
+            </a:r>
+            <a:r>
+              <a:rPr kumimoji="1" lang="zh-TW" altLang="en-US" sz="2800" dirty="0"/>
+              <a:t>去除重複的</a:t>
+            </a:r>
+            <a:r>
+              <a:rPr kumimoji="1" lang="en-US" altLang="zh-TW" sz="2800" dirty="0"/>
+              <a:t>row</a:t>
+            </a:r>
+          </a:p>
+          <a:p>
+            <a:pPr>
+              <a:buClr>
+                <a:schemeClr val="accent1"/>
+              </a:buClr>
+            </a:pPr>
+            <a:endParaRPr kumimoji="1" lang="zh-TW" altLang="en-US" sz="3000" dirty="0"/>
+          </a:p>
+        </p:txBody>
+      </p:sp>
+    </p:spTree>
+    <p:extLst>
+      <p:ext uri="{BB962C8B-B14F-4D97-AF65-F5344CB8AC3E}">
+        <p14:creationId xmlns:p14="http://schemas.microsoft.com/office/powerpoint/2010/main" val="1378765777"/>
+      </p:ext>
+    </p:extLst>
+  </p:cSld>
+  <p:clrMapOvr>
+    <a:masterClrMapping/>
+  </p:clrMapOvr>
+</p:sld>
+</file>
+
+<file path=ppt/slides/slide19.xml><?xml version="1.0" encoding="utf-8"?>
+<p:sld xmlns:a="http://schemas.openxmlformats.org/drawingml/2006/main" xmlns:r="http://schemas.openxmlformats.org/officeDocument/2006/relationships" xmlns:p="http://schemas.openxmlformats.org/presentationml/2006/main">
+  <p:cSld>
+    <p:spTree>
+      <p:nvGrpSpPr>
+        <p:cNvPr id="1" name=""/>
+        <p:cNvGrpSpPr/>
+        <p:nvPr/>
+      </p:nvGrpSpPr>
+      <p:grpSpPr>
+        <a:xfrm>
+          <a:off x="0" y="0"/>
+          <a:ext cx="0" cy="0"/>
+          <a:chOff x="0" y="0"/>
+          <a:chExt cx="0" cy="0"/>
+        </a:xfrm>
+      </p:grpSpPr>
+      <p:sp>
+        <p:nvSpPr>
+          <p:cNvPr id="2" name="標題 1">
+            <a:extLst>
+              <a:ext uri="{FF2B5EF4-FFF2-40B4-BE49-F238E27FC236}">
+                <a16:creationId xmlns="" xmlns:a16="http://schemas.microsoft.com/office/drawing/2014/main" id="{481A7BEF-8F5A-B745-908E-3C5617517215}"/>
+              </a:ext>
+            </a:extLst>
+          </p:cNvPr>
+          <p:cNvSpPr>
+            <a:spLocks noGrp="1"/>
+          </p:cNvSpPr>
+          <p:nvPr>
+            <p:ph type="title"/>
+          </p:nvPr>
+        </p:nvSpPr>
+        <p:spPr/>
+        <p:txBody>
+          <a:bodyPr/>
+          <a:lstStyle/>
+          <a:p>
+            <a:r>
+              <a:rPr kumimoji="1" lang="en-US" altLang="zh-TW" dirty="0" err="1"/>
+              <a:t>graphframe</a:t>
+            </a:r>
+            <a:endParaRPr kumimoji="1" lang="zh-TW" altLang="en-US" dirty="0"/>
+          </a:p>
+        </p:txBody>
+      </p:sp>
+      <p:sp>
+        <p:nvSpPr>
+          <p:cNvPr id="4" name="內容版面配置區 2">
+            <a:extLst>
+              <a:ext uri="{FF2B5EF4-FFF2-40B4-BE49-F238E27FC236}">
+                <a16:creationId xmlns="" xmlns:a16="http://schemas.microsoft.com/office/drawing/2014/main" id="{650FA499-3303-DF41-97BD-5C1A0C24063C}"/>
               </a:ext>
             </a:extLst>
           </p:cNvPr>
@@ -7954,7 +8516,7 @@
           <p:cNvPr id="5" name="圖片 4">
             <a:extLst>
               <a:ext uri="{FF2B5EF4-FFF2-40B4-BE49-F238E27FC236}">
-                <a16:creationId xmlns:a16="http://schemas.microsoft.com/office/drawing/2014/main" id="{0642E27B-8E58-A945-956C-63A833BC302C}"/>
+                <a16:creationId xmlns="" xmlns:a16="http://schemas.microsoft.com/office/drawing/2014/main" id="{0642E27B-8E58-A945-956C-63A833BC302C}"/>
               </a:ext>
             </a:extLst>
           </p:cNvPr>
@@ -7984,7 +8546,7 @@
           <p:cNvPr id="7" name="圖片 6">
             <a:extLst>
               <a:ext uri="{FF2B5EF4-FFF2-40B4-BE49-F238E27FC236}">
-                <a16:creationId xmlns:a16="http://schemas.microsoft.com/office/drawing/2014/main" id="{EA529E1C-F666-274D-8564-5AE8BF6F8CDE}"/>
+                <a16:creationId xmlns="" xmlns:a16="http://schemas.microsoft.com/office/drawing/2014/main" id="{EA529E1C-F666-274D-8564-5AE8BF6F8CDE}"/>
               </a:ext>
             </a:extLst>
           </p:cNvPr>
@@ -8022,7 +8584,7 @@
 </p:sld>
 </file>
 
-<file path=ppt/slides/slide19.xml><?xml version="1.0" encoding="utf-8"?>
+<file path=ppt/slides/slide2.xml><?xml version="1.0" encoding="utf-8"?>
 <p:sld xmlns:a="http://schemas.openxmlformats.org/drawingml/2006/main" xmlns:r="http://schemas.openxmlformats.org/officeDocument/2006/relationships" xmlns:p="http://schemas.openxmlformats.org/presentationml/2006/main">
   <p:cSld>
     <p:spTree>
@@ -8041,10 +8603,103 @@
       </p:grpSpPr>
       <p:sp>
         <p:nvSpPr>
+          <p:cNvPr id="2" name="標題 1"/>
+          <p:cNvSpPr>
+            <a:spLocks noGrp="1"/>
+          </p:cNvSpPr>
+          <p:nvPr>
+            <p:ph type="title"/>
+          </p:nvPr>
+        </p:nvSpPr>
+        <p:spPr/>
+        <p:txBody>
+          <a:bodyPr/>
+          <a:lstStyle/>
+          <a:p>
+            <a:r>
+              <a:rPr kumimoji="1" lang="zh-TW" altLang="en-US" dirty="0"/>
+              <a:t>目標</a:t>
+            </a:r>
+          </a:p>
+        </p:txBody>
+      </p:sp>
+      <p:sp>
+        <p:nvSpPr>
+          <p:cNvPr id="3" name="內容版面配置區 2"/>
+          <p:cNvSpPr>
+            <a:spLocks noGrp="1"/>
+          </p:cNvSpPr>
+          <p:nvPr>
+            <p:ph idx="1"/>
+          </p:nvPr>
+        </p:nvSpPr>
+        <p:spPr/>
+        <p:txBody>
+          <a:bodyPr>
+            <a:normAutofit/>
+          </a:bodyPr>
+          <a:lstStyle/>
+          <a:p>
+            <a:pPr>
+              <a:buClr>
+                <a:schemeClr val="accent1"/>
+              </a:buClr>
+            </a:pPr>
+            <a:r>
+              <a:rPr kumimoji="1" lang="zh-TW" altLang="en-US" sz="3000" dirty="0"/>
+              <a:t>透過分析比特幣交易資料，判斷地址的用戶類型</a:t>
+            </a:r>
+            <a:endParaRPr kumimoji="1" lang="en-US" altLang="zh-TW" sz="3000" dirty="0"/>
+          </a:p>
+          <a:p>
+            <a:pPr>
+              <a:buClr>
+                <a:schemeClr val="accent1"/>
+              </a:buClr>
+            </a:pPr>
+            <a:r>
+              <a:rPr kumimoji="1" lang="zh-TW" altLang="en-US" sz="3000" dirty="0"/>
+              <a:t>追踪不同類型用戶間資金流向</a:t>
+            </a:r>
+          </a:p>
+        </p:txBody>
+      </p:sp>
+    </p:spTree>
+    <p:extLst>
+      <p:ext uri="{BB962C8B-B14F-4D97-AF65-F5344CB8AC3E}">
+        <p14:creationId xmlns:p14="http://schemas.microsoft.com/office/powerpoint/2010/main" val="1540838320"/>
+      </p:ext>
+    </p:extLst>
+  </p:cSld>
+  <p:clrMapOvr>
+    <a:masterClrMapping/>
+  </p:clrMapOvr>
+</p:sld>
+</file>
+
+<file path=ppt/slides/slide20.xml><?xml version="1.0" encoding="utf-8"?>
+<p:sld xmlns:a="http://schemas.openxmlformats.org/drawingml/2006/main" xmlns:r="http://schemas.openxmlformats.org/officeDocument/2006/relationships" xmlns:p="http://schemas.openxmlformats.org/presentationml/2006/main">
+  <p:cSld>
+    <p:spTree>
+      <p:nvGrpSpPr>
+        <p:cNvPr id="1" name=""/>
+        <p:cNvGrpSpPr/>
+        <p:nvPr/>
+      </p:nvGrpSpPr>
+      <p:grpSpPr>
+        <a:xfrm>
+          <a:off x="0" y="0"/>
+          <a:ext cx="0" cy="0"/>
+          <a:chOff x="0" y="0"/>
+          <a:chExt cx="0" cy="0"/>
+        </a:xfrm>
+      </p:grpSpPr>
+      <p:sp>
+        <p:nvSpPr>
           <p:cNvPr id="2" name="標題 1">
             <a:extLst>
               <a:ext uri="{FF2B5EF4-FFF2-40B4-BE49-F238E27FC236}">
-                <a16:creationId xmlns:a16="http://schemas.microsoft.com/office/drawing/2014/main" id="{481A7BEF-8F5A-B745-908E-3C5617517215}"/>
+                <a16:creationId xmlns="" xmlns:a16="http://schemas.microsoft.com/office/drawing/2014/main" id="{481A7BEF-8F5A-B745-908E-3C5617517215}"/>
               </a:ext>
             </a:extLst>
           </p:cNvPr>
@@ -8073,7 +8728,7 @@
           <p:cNvPr id="4" name="內容版面配置區 2">
             <a:extLst>
               <a:ext uri="{FF2B5EF4-FFF2-40B4-BE49-F238E27FC236}">
-                <a16:creationId xmlns:a16="http://schemas.microsoft.com/office/drawing/2014/main" id="{650FA499-3303-DF41-97BD-5C1A0C24063C}"/>
+                <a16:creationId xmlns="" xmlns:a16="http://schemas.microsoft.com/office/drawing/2014/main" id="{650FA499-3303-DF41-97BD-5C1A0C24063C}"/>
               </a:ext>
             </a:extLst>
           </p:cNvPr>
@@ -8146,7 +8801,7 @@
           <p:cNvPr id="5" name="圖片 4">
             <a:extLst>
               <a:ext uri="{FF2B5EF4-FFF2-40B4-BE49-F238E27FC236}">
-                <a16:creationId xmlns:a16="http://schemas.microsoft.com/office/drawing/2014/main" id="{27973458-5495-4544-B0F4-D08AE0B04478}"/>
+                <a16:creationId xmlns="" xmlns:a16="http://schemas.microsoft.com/office/drawing/2014/main" id="{27973458-5495-4544-B0F4-D08AE0B04478}"/>
               </a:ext>
             </a:extLst>
           </p:cNvPr>
@@ -8184,170 +8839,6 @@
 </p:sld>
 </file>
 
-<file path=ppt/slides/slide2.xml><?xml version="1.0" encoding="utf-8"?>
-<p:sld xmlns:a="http://schemas.openxmlformats.org/drawingml/2006/main" xmlns:r="http://schemas.openxmlformats.org/officeDocument/2006/relationships" xmlns:p="http://schemas.openxmlformats.org/presentationml/2006/main">
-  <p:cSld>
-    <p:spTree>
-      <p:nvGrpSpPr>
-        <p:cNvPr id="1" name=""/>
-        <p:cNvGrpSpPr/>
-        <p:nvPr/>
-      </p:nvGrpSpPr>
-      <p:grpSpPr>
-        <a:xfrm>
-          <a:off x="0" y="0"/>
-          <a:ext cx="0" cy="0"/>
-          <a:chOff x="0" y="0"/>
-          <a:chExt cx="0" cy="0"/>
-        </a:xfrm>
-      </p:grpSpPr>
-      <p:sp>
-        <p:nvSpPr>
-          <p:cNvPr id="2" name="標題 1"/>
-          <p:cNvSpPr>
-            <a:spLocks noGrp="1"/>
-          </p:cNvSpPr>
-          <p:nvPr>
-            <p:ph type="title"/>
-          </p:nvPr>
-        </p:nvSpPr>
-        <p:spPr/>
-        <p:txBody>
-          <a:bodyPr/>
-          <a:lstStyle/>
-          <a:p>
-            <a:r>
-              <a:rPr kumimoji="1" lang="zh-TW" altLang="en-US" dirty="0"/>
-              <a:t>目標</a:t>
-            </a:r>
-          </a:p>
-        </p:txBody>
-      </p:sp>
-      <p:sp>
-        <p:nvSpPr>
-          <p:cNvPr id="3" name="內容版面配置區 2"/>
-          <p:cNvSpPr>
-            <a:spLocks noGrp="1"/>
-          </p:cNvSpPr>
-          <p:nvPr>
-            <p:ph idx="1"/>
-          </p:nvPr>
-        </p:nvSpPr>
-        <p:spPr/>
-        <p:txBody>
-          <a:bodyPr>
-            <a:normAutofit/>
-          </a:bodyPr>
-          <a:lstStyle/>
-          <a:p>
-            <a:pPr>
-              <a:buClr>
-                <a:schemeClr val="accent1"/>
-              </a:buClr>
-            </a:pPr>
-            <a:r>
-              <a:rPr kumimoji="1" lang="zh-TW" altLang="en-US" sz="3000" dirty="0"/>
-              <a:t>透過分析比特幣交易資料，判斷地址的用戶類型</a:t>
-            </a:r>
-            <a:endParaRPr kumimoji="1" lang="en-US" altLang="zh-TW" sz="3000" dirty="0"/>
-          </a:p>
-          <a:p>
-            <a:pPr>
-              <a:buClr>
-                <a:schemeClr val="accent1"/>
-              </a:buClr>
-            </a:pPr>
-            <a:r>
-              <a:rPr kumimoji="1" lang="zh-TW" altLang="en-US" sz="3000" dirty="0"/>
-              <a:t>追踪不同類型用戶間資金流向</a:t>
-            </a:r>
-          </a:p>
-        </p:txBody>
-      </p:sp>
-    </p:spTree>
-    <p:extLst>
-      <p:ext uri="{BB962C8B-B14F-4D97-AF65-F5344CB8AC3E}">
-        <p14:creationId xmlns:p14="http://schemas.microsoft.com/office/powerpoint/2010/main" val="1540838320"/>
-      </p:ext>
-    </p:extLst>
-  </p:cSld>
-  <p:clrMapOvr>
-    <a:masterClrMapping/>
-  </p:clrMapOvr>
-</p:sld>
-</file>
-
-<file path=ppt/slides/slide20.xml><?xml version="1.0" encoding="utf-8"?>
-<p:sld xmlns:a="http://schemas.openxmlformats.org/drawingml/2006/main" xmlns:r="http://schemas.openxmlformats.org/officeDocument/2006/relationships" xmlns:p="http://schemas.openxmlformats.org/presentationml/2006/main">
-  <p:cSld>
-    <p:spTree>
-      <p:nvGrpSpPr>
-        <p:cNvPr id="1" name=""/>
-        <p:cNvGrpSpPr/>
-        <p:nvPr/>
-      </p:nvGrpSpPr>
-      <p:grpSpPr>
-        <a:xfrm>
-          <a:off x="0" y="0"/>
-          <a:ext cx="0" cy="0"/>
-          <a:chOff x="0" y="0"/>
-          <a:chExt cx="0" cy="0"/>
-        </a:xfrm>
-      </p:grpSpPr>
-      <p:sp>
-        <p:nvSpPr>
-          <p:cNvPr id="2" name="標題 1"/>
-          <p:cNvSpPr>
-            <a:spLocks noGrp="1"/>
-          </p:cNvSpPr>
-          <p:nvPr>
-            <p:ph type="title"/>
-          </p:nvPr>
-        </p:nvSpPr>
-        <p:spPr/>
-        <p:txBody>
-          <a:bodyPr/>
-          <a:lstStyle/>
-          <a:p>
-            <a:r>
-              <a:rPr kumimoji="1" lang="zh-TW" altLang="en-US" dirty="0"/>
-              <a:t>結論</a:t>
-            </a:r>
-          </a:p>
-        </p:txBody>
-      </p:sp>
-      <p:sp>
-        <p:nvSpPr>
-          <p:cNvPr id="3" name="內容版面配置區 2"/>
-          <p:cNvSpPr>
-            <a:spLocks noGrp="1"/>
-          </p:cNvSpPr>
-          <p:nvPr>
-            <p:ph idx="1"/>
-          </p:nvPr>
-        </p:nvSpPr>
-        <p:spPr/>
-        <p:txBody>
-          <a:bodyPr/>
-          <a:lstStyle/>
-          <a:p>
-            <a:endParaRPr kumimoji="1" lang="zh-TW" altLang="en-US" dirty="0"/>
-          </a:p>
-        </p:txBody>
-      </p:sp>
-    </p:spTree>
-    <p:extLst>
-      <p:ext uri="{BB962C8B-B14F-4D97-AF65-F5344CB8AC3E}">
-        <p14:creationId xmlns:p14="http://schemas.microsoft.com/office/powerpoint/2010/main" val="1994065538"/>
-      </p:ext>
-    </p:extLst>
-  </p:cSld>
-  <p:clrMapOvr>
-    <a:masterClrMapping/>
-  </p:clrMapOvr>
-</p:sld>
-</file>
-
 <file path=ppt/slides/slide21.xml><?xml version="1.0" encoding="utf-8"?>
 <p:sld xmlns:a="http://schemas.openxmlformats.org/drawingml/2006/main" xmlns:r="http://schemas.openxmlformats.org/officeDocument/2006/relationships" xmlns:p="http://schemas.openxmlformats.org/presentationml/2006/main">
   <p:cSld>
@@ -8382,20 +8873,14 @@
           <a:p>
             <a:r>
               <a:rPr kumimoji="1" lang="zh-TW" altLang="en-US" dirty="0"/>
-              <a:t>挑戰</a:t>
+              <a:t>結論</a:t>
             </a:r>
           </a:p>
         </p:txBody>
       </p:sp>
       <p:sp>
         <p:nvSpPr>
-          <p:cNvPr id="4" name="內容版面配置區 2">
-            <a:extLst>
-              <a:ext uri="{FF2B5EF4-FFF2-40B4-BE49-F238E27FC236}">
-                <a16:creationId xmlns:a16="http://schemas.microsoft.com/office/drawing/2014/main" id="{005E0E4A-E489-8149-94CF-F20797956B55}"/>
-              </a:ext>
-            </a:extLst>
-          </p:cNvPr>
+          <p:cNvPr id="3" name="內容版面配置區 2"/>
           <p:cNvSpPr>
             <a:spLocks noGrp="1"/>
           </p:cNvSpPr>
@@ -8405,52 +8890,17 @@
         </p:nvSpPr>
         <p:spPr/>
         <p:txBody>
-          <a:bodyPr>
-            <a:normAutofit/>
-          </a:bodyPr>
+          <a:bodyPr/>
           <a:lstStyle/>
           <a:p>
-            <a:pPr>
-              <a:buClr>
-                <a:schemeClr val="accent1"/>
-              </a:buClr>
-            </a:pPr>
-            <a:endParaRPr kumimoji="1" lang="en-US" altLang="zh-TW" sz="3000" dirty="0"/>
-          </a:p>
-          <a:p>
-            <a:pPr>
-              <a:buClr>
-                <a:schemeClr val="accent1"/>
-              </a:buClr>
-            </a:pPr>
-            <a:endParaRPr kumimoji="1" lang="en-US" altLang="zh-TW" sz="3000" dirty="0"/>
-          </a:p>
-          <a:p>
-            <a:pPr>
-              <a:buClr>
-                <a:schemeClr val="accent1"/>
-              </a:buClr>
-            </a:pPr>
-            <a:r>
-              <a:rPr kumimoji="1" lang="en-US" altLang="zh-TW" sz="3000" dirty="0" err="1"/>
-              <a:t>GraphFrames</a:t>
-            </a:r>
-            <a:r>
-              <a:rPr kumimoji="1" lang="zh-CN" altLang="en-US" sz="3000" dirty="0"/>
-              <a:t>的</a:t>
-            </a:r>
-            <a:r>
-              <a:rPr kumimoji="1" lang="zh-TW" altLang="en-US" sz="3000" dirty="0"/>
-              <a:t>部分可以再做更多更深入的分析</a:t>
-            </a:r>
-            <a:endParaRPr kumimoji="1" lang="en-US" altLang="zh-TW" sz="3000" dirty="0"/>
+            <a:endParaRPr kumimoji="1" lang="zh-TW" altLang="en-US" dirty="0"/>
           </a:p>
         </p:txBody>
       </p:sp>
     </p:spTree>
     <p:extLst>
       <p:ext uri="{BB962C8B-B14F-4D97-AF65-F5344CB8AC3E}">
-        <p14:creationId xmlns:p14="http://schemas.microsoft.com/office/powerpoint/2010/main" val="1180692080"/>
+        <p14:creationId xmlns:p14="http://schemas.microsoft.com/office/powerpoint/2010/main" val="1994065538"/>
       </p:ext>
     </p:extLst>
   </p:cSld>
@@ -8494,6 +8944,166 @@
           <a:p>
             <a:r>
               <a:rPr kumimoji="1" lang="zh-TW" altLang="en-US" dirty="0"/>
+              <a:t>挑戰</a:t>
+            </a:r>
+          </a:p>
+        </p:txBody>
+      </p:sp>
+      <p:sp>
+        <p:nvSpPr>
+          <p:cNvPr id="4" name="內容版面配置區 2">
+            <a:extLst>
+              <a:ext uri="{FF2B5EF4-FFF2-40B4-BE49-F238E27FC236}">
+                <a16:creationId xmlns="" xmlns:a16="http://schemas.microsoft.com/office/drawing/2014/main" id="{005E0E4A-E489-8149-94CF-F20797956B55}"/>
+              </a:ext>
+            </a:extLst>
+          </p:cNvPr>
+          <p:cNvSpPr>
+            <a:spLocks noGrp="1"/>
+          </p:cNvSpPr>
+          <p:nvPr>
+            <p:ph idx="1"/>
+          </p:nvPr>
+        </p:nvSpPr>
+        <p:spPr/>
+        <p:txBody>
+          <a:bodyPr>
+            <a:normAutofit/>
+          </a:bodyPr>
+          <a:lstStyle/>
+          <a:p>
+            <a:pPr>
+              <a:buClr>
+                <a:schemeClr val="accent1"/>
+              </a:buClr>
+            </a:pPr>
+            <a:r>
+              <a:rPr kumimoji="1" lang="zh-TW" altLang="en-US" sz="3000" dirty="0" smtClean="0"/>
+              <a:t>在分析礦池與賭埸方面不準確</a:t>
+            </a:r>
+            <a:endParaRPr kumimoji="1" lang="en-US" altLang="zh-TW" sz="3000" dirty="0" smtClean="0"/>
+          </a:p>
+          <a:p>
+            <a:pPr lvl="1">
+              <a:buClr>
+                <a:schemeClr val="accent1"/>
+              </a:buClr>
+            </a:pPr>
+            <a:r>
+              <a:rPr kumimoji="1" lang="zh-TW" altLang="en-US" sz="2800" dirty="0" smtClean="0"/>
+              <a:t>資料選取欄位少 （對比對象選用了</a:t>
+            </a:r>
+            <a:r>
+              <a:rPr kumimoji="1" lang="en-US" altLang="zh-TW" sz="2800" dirty="0" smtClean="0"/>
+              <a:t>17</a:t>
+            </a:r>
+            <a:r>
+              <a:rPr kumimoji="1" lang="zh-TW" altLang="en-US" sz="2800" dirty="0" smtClean="0"/>
+              <a:t>個欄位的資料）</a:t>
+            </a:r>
+            <a:endParaRPr kumimoji="1" lang="en-US" altLang="zh-TW" sz="2800" dirty="0" smtClean="0"/>
+          </a:p>
+          <a:p>
+            <a:pPr lvl="1">
+              <a:buClr>
+                <a:schemeClr val="accent1"/>
+              </a:buClr>
+            </a:pPr>
+            <a:r>
+              <a:rPr kumimoji="1" lang="zh-TW" altLang="en-US" sz="2800" dirty="0" smtClean="0"/>
+              <a:t>資料有缺失</a:t>
+            </a:r>
+            <a:endParaRPr kumimoji="1" lang="en-US" altLang="zh-TW" sz="2800" dirty="0" smtClean="0"/>
+          </a:p>
+          <a:p>
+            <a:pPr lvl="1">
+              <a:buClr>
+                <a:schemeClr val="accent1"/>
+              </a:buClr>
+            </a:pPr>
+            <a:r>
+              <a:rPr kumimoji="1" lang="zh-TW" altLang="en-US" sz="2800" smtClean="0"/>
+              <a:t>沒有考慮多種情況（如一</a:t>
+            </a:r>
+            <a:r>
+              <a:rPr kumimoji="1" lang="zh-TW" altLang="en-US" sz="2800" dirty="0" smtClean="0"/>
+              <a:t>筆交易多個位址</a:t>
+            </a:r>
+            <a:r>
+              <a:rPr kumimoji="1" lang="zh-TW" altLang="en-US" sz="2800" smtClean="0"/>
+              <a:t>的情況）</a:t>
+            </a:r>
+            <a:endParaRPr kumimoji="1" lang="en-US" altLang="zh-TW" sz="3000" dirty="0"/>
+          </a:p>
+          <a:p>
+            <a:pPr>
+              <a:buClr>
+                <a:schemeClr val="accent1"/>
+              </a:buClr>
+            </a:pPr>
+            <a:r>
+              <a:rPr kumimoji="1" lang="en-US" altLang="zh-TW" sz="3000" dirty="0" err="1"/>
+              <a:t>GraphFrames</a:t>
+            </a:r>
+            <a:r>
+              <a:rPr kumimoji="1" lang="zh-CN" altLang="en-US" sz="3000" dirty="0"/>
+              <a:t>的</a:t>
+            </a:r>
+            <a:r>
+              <a:rPr kumimoji="1" lang="zh-TW" altLang="en-US" sz="3000" dirty="0"/>
+              <a:t>部分可以再做更多更深入的分析</a:t>
+            </a:r>
+            <a:endParaRPr kumimoji="1" lang="en-US" altLang="zh-TW" sz="3000" dirty="0"/>
+          </a:p>
+        </p:txBody>
+      </p:sp>
+    </p:spTree>
+    <p:extLst>
+      <p:ext uri="{BB962C8B-B14F-4D97-AF65-F5344CB8AC3E}">
+        <p14:creationId xmlns:p14="http://schemas.microsoft.com/office/powerpoint/2010/main" val="1180692080"/>
+      </p:ext>
+    </p:extLst>
+  </p:cSld>
+  <p:clrMapOvr>
+    <a:masterClrMapping/>
+  </p:clrMapOvr>
+</p:sld>
+</file>
+
+<file path=ppt/slides/slide23.xml><?xml version="1.0" encoding="utf-8"?>
+<p:sld xmlns:a="http://schemas.openxmlformats.org/drawingml/2006/main" xmlns:r="http://schemas.openxmlformats.org/officeDocument/2006/relationships" xmlns:p="http://schemas.openxmlformats.org/presentationml/2006/main">
+  <p:cSld>
+    <p:spTree>
+      <p:nvGrpSpPr>
+        <p:cNvPr id="1" name=""/>
+        <p:cNvGrpSpPr/>
+        <p:nvPr/>
+      </p:nvGrpSpPr>
+      <p:grpSpPr>
+        <a:xfrm>
+          <a:off x="0" y="0"/>
+          <a:ext cx="0" cy="0"/>
+          <a:chOff x="0" y="0"/>
+          <a:chExt cx="0" cy="0"/>
+        </a:xfrm>
+      </p:grpSpPr>
+      <p:sp>
+        <p:nvSpPr>
+          <p:cNvPr id="2" name="標題 1"/>
+          <p:cNvSpPr>
+            <a:spLocks noGrp="1"/>
+          </p:cNvSpPr>
+          <p:nvPr>
+            <p:ph type="title"/>
+          </p:nvPr>
+        </p:nvSpPr>
+        <p:spPr/>
+        <p:txBody>
+          <a:bodyPr/>
+          <a:lstStyle/>
+          <a:p>
+            <a:r>
+              <a:rPr kumimoji="1" lang="zh-TW" altLang="en-US" dirty="0"/>
               <a:t>分工</a:t>
             </a:r>
           </a:p>
@@ -8552,14 +9162,14 @@
                 <a:gridCol w="1160780">
                   <a:extLst>
                     <a:ext uri="{9D8B030D-6E8A-4147-A177-3AD203B41FA5}">
-                      <a16:colId xmlns:a16="http://schemas.microsoft.com/office/drawing/2014/main" val="20000"/>
+                      <a16:colId xmlns="" xmlns:a16="http://schemas.microsoft.com/office/drawing/2014/main" val="20000"/>
                     </a:ext>
                   </a:extLst>
                 </a:gridCol>
                 <a:gridCol w="4064000">
                   <a:extLst>
                     <a:ext uri="{9D8B030D-6E8A-4147-A177-3AD203B41FA5}">
-                      <a16:colId xmlns:a16="http://schemas.microsoft.com/office/drawing/2014/main" val="20001"/>
+                      <a16:colId xmlns="" xmlns:a16="http://schemas.microsoft.com/office/drawing/2014/main" val="20001"/>
                     </a:ext>
                   </a:extLst>
                 </a:gridCol>
@@ -8593,7 +9203,7 @@
                 </a:tc>
                 <a:extLst>
                   <a:ext uri="{0D108BD9-81ED-4DB2-BD59-A6C34878D82A}">
-                    <a16:rowId xmlns:a16="http://schemas.microsoft.com/office/drawing/2014/main" val="10000"/>
+                    <a16:rowId xmlns="" xmlns:a16="http://schemas.microsoft.com/office/drawing/2014/main" val="10000"/>
                   </a:ext>
                 </a:extLst>
               </a:tr>
@@ -8626,7 +9236,7 @@
                 </a:tc>
                 <a:extLst>
                   <a:ext uri="{0D108BD9-81ED-4DB2-BD59-A6C34878D82A}">
-                    <a16:rowId xmlns:a16="http://schemas.microsoft.com/office/drawing/2014/main" val="10001"/>
+                    <a16:rowId xmlns="" xmlns:a16="http://schemas.microsoft.com/office/drawing/2014/main" val="10001"/>
                   </a:ext>
                 </a:extLst>
               </a:tr>
@@ -8676,7 +9286,7 @@
                 </a:tc>
                 <a:extLst>
                   <a:ext uri="{0D108BD9-81ED-4DB2-BD59-A6C34878D82A}">
-                    <a16:rowId xmlns:a16="http://schemas.microsoft.com/office/drawing/2014/main" val="10002"/>
+                    <a16:rowId xmlns="" xmlns:a16="http://schemas.microsoft.com/office/drawing/2014/main" val="10002"/>
                   </a:ext>
                 </a:extLst>
               </a:tr>
@@ -8743,7 +9353,7 @@
                 </a:tc>
                 <a:extLst>
                   <a:ext uri="{0D108BD9-81ED-4DB2-BD59-A6C34878D82A}">
-                    <a16:rowId xmlns:a16="http://schemas.microsoft.com/office/drawing/2014/main" val="10003"/>
+                    <a16:rowId xmlns="" xmlns:a16="http://schemas.microsoft.com/office/drawing/2014/main" val="10003"/>
                   </a:ext>
                 </a:extLst>
               </a:tr>
@@ -8793,7 +9403,7 @@
                 </a:tc>
                 <a:extLst>
                   <a:ext uri="{0D108BD9-81ED-4DB2-BD59-A6C34878D82A}">
-                    <a16:rowId xmlns:a16="http://schemas.microsoft.com/office/drawing/2014/main" val="10004"/>
+                    <a16:rowId xmlns="" xmlns:a16="http://schemas.microsoft.com/office/drawing/2014/main" val="10004"/>
                   </a:ext>
                 </a:extLst>
               </a:tr>
@@ -8843,7 +9453,7 @@
                 </a:tc>
                 <a:extLst>
                   <a:ext uri="{0D108BD9-81ED-4DB2-BD59-A6C34878D82A}">
-                    <a16:rowId xmlns:a16="http://schemas.microsoft.com/office/drawing/2014/main" val="10005"/>
+                    <a16:rowId xmlns="" xmlns:a16="http://schemas.microsoft.com/office/drawing/2014/main" val="10005"/>
                   </a:ext>
                 </a:extLst>
               </a:tr>
@@ -8893,7 +9503,7 @@
                 </a:tc>
                 <a:extLst>
                   <a:ext uri="{0D108BD9-81ED-4DB2-BD59-A6C34878D82A}">
-                    <a16:rowId xmlns:a16="http://schemas.microsoft.com/office/drawing/2014/main" val="10006"/>
+                    <a16:rowId xmlns="" xmlns:a16="http://schemas.microsoft.com/office/drawing/2014/main" val="10006"/>
                   </a:ext>
                 </a:extLst>
               </a:tr>
@@ -9194,7 +9804,7 @@
           <p:cNvPr id="4" name="內容版面配置區 2">
             <a:extLst>
               <a:ext uri="{FF2B5EF4-FFF2-40B4-BE49-F238E27FC236}">
-                <a16:creationId xmlns:a16="http://schemas.microsoft.com/office/drawing/2014/main" id="{FA15BE62-02C8-C64D-A50F-851C1A5FF9B5}"/>
+                <a16:creationId xmlns="" xmlns:a16="http://schemas.microsoft.com/office/drawing/2014/main" id="{FA15BE62-02C8-C64D-A50F-851C1A5FF9B5}"/>
               </a:ext>
             </a:extLst>
           </p:cNvPr>
@@ -9385,7 +9995,7 @@
           <p:cNvPr id="9" name="內容版面配置區 8">
             <a:extLst>
               <a:ext uri="{FF2B5EF4-FFF2-40B4-BE49-F238E27FC236}">
-                <a16:creationId xmlns:a16="http://schemas.microsoft.com/office/drawing/2014/main" id="{7319687B-E248-B848-A2E6-4EC630C6791D}"/>
+                <a16:creationId xmlns="" xmlns:a16="http://schemas.microsoft.com/office/drawing/2014/main" id="{7319687B-E248-B848-A2E6-4EC630C6791D}"/>
               </a:ext>
             </a:extLst>
           </p:cNvPr>
@@ -9466,7 +10076,7 @@
           <p:cNvPr id="7" name="內容版面配置區 2">
             <a:extLst>
               <a:ext uri="{FF2B5EF4-FFF2-40B4-BE49-F238E27FC236}">
-                <a16:creationId xmlns:a16="http://schemas.microsoft.com/office/drawing/2014/main" id="{1D97C549-1CC0-944F-83D5-5BCA1042BFCD}"/>
+                <a16:creationId xmlns="" xmlns:a16="http://schemas.microsoft.com/office/drawing/2014/main" id="{1D97C549-1CC0-944F-83D5-5BCA1042BFCD}"/>
               </a:ext>
             </a:extLst>
           </p:cNvPr>
@@ -9720,7 +10330,7 @@
           <p:cNvPr id="7" name="內容版面配置區 6">
             <a:extLst>
               <a:ext uri="{FF2B5EF4-FFF2-40B4-BE49-F238E27FC236}">
-                <a16:creationId xmlns:a16="http://schemas.microsoft.com/office/drawing/2014/main" id="{DE56361A-5A56-8445-95A9-559543230EA6}"/>
+                <a16:creationId xmlns="" xmlns:a16="http://schemas.microsoft.com/office/drawing/2014/main" id="{DE56361A-5A56-8445-95A9-559543230EA6}"/>
               </a:ext>
             </a:extLst>
           </p:cNvPr>

--- a/finalproject.pptx
+++ b/finalproject.pptx
@@ -6,28 +6,29 @@
   </p:sldMasterIdLst>
   <p:sldIdLst>
     <p:sldId id="256" r:id="rId2"/>
-    <p:sldId id="257" r:id="rId3"/>
-    <p:sldId id="258" r:id="rId4"/>
-    <p:sldId id="259" r:id="rId5"/>
-    <p:sldId id="266" r:id="rId6"/>
-    <p:sldId id="276" r:id="rId7"/>
-    <p:sldId id="267" r:id="rId8"/>
-    <p:sldId id="268" r:id="rId9"/>
-    <p:sldId id="260" r:id="rId10"/>
-    <p:sldId id="263" r:id="rId11"/>
-    <p:sldId id="262" r:id="rId12"/>
-    <p:sldId id="261" r:id="rId13"/>
-    <p:sldId id="264" r:id="rId14"/>
-    <p:sldId id="269" r:id="rId15"/>
-    <p:sldId id="270" r:id="rId16"/>
-    <p:sldId id="280" r:id="rId17"/>
-    <p:sldId id="271" r:id="rId18"/>
-    <p:sldId id="277" r:id="rId19"/>
-    <p:sldId id="278" r:id="rId20"/>
-    <p:sldId id="279" r:id="rId21"/>
-    <p:sldId id="272" r:id="rId22"/>
-    <p:sldId id="274" r:id="rId23"/>
-    <p:sldId id="273" r:id="rId24"/>
+    <p:sldId id="281" r:id="rId3"/>
+    <p:sldId id="273" r:id="rId4"/>
+    <p:sldId id="257" r:id="rId5"/>
+    <p:sldId id="258" r:id="rId6"/>
+    <p:sldId id="259" r:id="rId7"/>
+    <p:sldId id="266" r:id="rId8"/>
+    <p:sldId id="276" r:id="rId9"/>
+    <p:sldId id="267" r:id="rId10"/>
+    <p:sldId id="268" r:id="rId11"/>
+    <p:sldId id="260" r:id="rId12"/>
+    <p:sldId id="263" r:id="rId13"/>
+    <p:sldId id="262" r:id="rId14"/>
+    <p:sldId id="261" r:id="rId15"/>
+    <p:sldId id="264" r:id="rId16"/>
+    <p:sldId id="269" r:id="rId17"/>
+    <p:sldId id="270" r:id="rId18"/>
+    <p:sldId id="282" r:id="rId19"/>
+    <p:sldId id="280" r:id="rId20"/>
+    <p:sldId id="271" r:id="rId21"/>
+    <p:sldId id="277" r:id="rId22"/>
+    <p:sldId id="278" r:id="rId23"/>
+    <p:sldId id="279" r:id="rId24"/>
+    <p:sldId id="274" r:id="rId25"/>
   </p:sldIdLst>
   <p:sldSz cx="12192000" cy="6858000"/>
   <p:notesSz cx="6858000" cy="9144000"/>
@@ -6805,12 +6806,20 @@
           <a:lstStyle/>
           <a:p>
             <a:r>
+              <a:rPr kumimoji="1" lang="en-US" altLang="zh-TW" b="1" dirty="0" err="1">
+                <a:latin typeface="Microsoft JhengHei" charset="-120"/>
+                <a:ea typeface="Microsoft JhengHei" charset="-120"/>
+                <a:cs typeface="Microsoft JhengHei" charset="-120"/>
+              </a:rPr>
+              <a:t>BitCOin</a:t>
+            </a:r>
+            <a:r>
               <a:rPr kumimoji="1" lang="zh-TW" altLang="en-US" b="1" dirty="0">
                 <a:latin typeface="Microsoft JhengHei" charset="-120"/>
                 <a:ea typeface="Microsoft JhengHei" charset="-120"/>
                 <a:cs typeface="Microsoft JhengHei" charset="-120"/>
               </a:rPr>
-              <a:t>分散式系統</a:t>
+              <a:t>分析</a:t>
             </a:r>
           </a:p>
         </p:txBody>
@@ -6827,10 +6836,43 @@
         </p:nvSpPr>
         <p:spPr/>
         <p:txBody>
-          <a:bodyPr/>
+          <a:bodyPr>
+            <a:normAutofit lnSpcReduction="10000"/>
+          </a:bodyPr>
           <a:lstStyle/>
           <a:p>
-            <a:endParaRPr kumimoji="1" lang="zh-TW" altLang="en-US" dirty="0"/>
+            <a:r>
+              <a:rPr kumimoji="1" lang="zh-TW" altLang="en-US" dirty="0"/>
+              <a:t>組員</a:t>
+            </a:r>
+            <a:r>
+              <a:rPr kumimoji="1" lang="zh-CN" altLang="en-US" dirty="0"/>
+              <a:t>：</a:t>
+            </a:r>
+            <a:endParaRPr kumimoji="1" lang="en-US" altLang="zh-CN" dirty="0"/>
+          </a:p>
+          <a:p>
+            <a:r>
+              <a:rPr lang="zh-TW" altLang="en-US" dirty="0"/>
+              <a:t>鄺芷君</a:t>
+            </a:r>
+            <a:r>
+              <a:rPr lang="zh-CN" altLang="en-US" dirty="0"/>
+              <a:t>、</a:t>
+            </a:r>
+            <a:r>
+              <a:rPr lang="zh-TW" altLang="en-US" dirty="0"/>
+              <a:t>鄭惟文</a:t>
+            </a:r>
+            <a:r>
+              <a:rPr lang="zh-CN" altLang="en-US" dirty="0"/>
+              <a:t>、</a:t>
+            </a:r>
+            <a:r>
+              <a:rPr lang="zh-TW" altLang="en-US" dirty="0"/>
+              <a:t>鄭博仁</a:t>
+            </a:r>
+            <a:endParaRPr kumimoji="1" lang="en-US" altLang="zh-CN" dirty="0"/>
           </a:p>
         </p:txBody>
       </p:sp>
@@ -6881,6 +6923,217 @@
           <a:p>
             <a:r>
               <a:rPr kumimoji="1" lang="zh-TW" altLang="en-US" dirty="0"/>
+              <a:t>資料</a:t>
+            </a:r>
+          </a:p>
+        </p:txBody>
+      </p:sp>
+      <p:pic>
+        <p:nvPicPr>
+          <p:cNvPr id="7" name="內容版面配置區 6">
+            <a:extLst>
+              <a:ext uri="{FF2B5EF4-FFF2-40B4-BE49-F238E27FC236}">
+                <a16:creationId xmlns:a16="http://schemas.microsoft.com/office/drawing/2014/main" id="{DE56361A-5A56-8445-95A9-559543230EA6}"/>
+              </a:ext>
+            </a:extLst>
+          </p:cNvPr>
+          <p:cNvPicPr>
+            <a:picLocks noGrp="1" noChangeAspect="1"/>
+          </p:cNvPicPr>
+          <p:nvPr>
+            <p:ph idx="1"/>
+          </p:nvPr>
+        </p:nvPicPr>
+        <p:blipFill>
+          <a:blip r:embed="rId2"/>
+          <a:stretch>
+            <a:fillRect/>
+          </a:stretch>
+        </p:blipFill>
+        <p:spPr>
+          <a:xfrm>
+            <a:off x="2908551" y="1395351"/>
+            <a:ext cx="6247323" cy="5055638"/>
+          </a:xfrm>
+        </p:spPr>
+      </p:pic>
+    </p:spTree>
+    <p:extLst>
+      <p:ext uri="{BB962C8B-B14F-4D97-AF65-F5344CB8AC3E}">
+        <p14:creationId xmlns:p14="http://schemas.microsoft.com/office/powerpoint/2010/main" val="984263058"/>
+      </p:ext>
+    </p:extLst>
+  </p:cSld>
+  <p:clrMapOvr>
+    <a:masterClrMapping/>
+  </p:clrMapOvr>
+</p:sld>
+</file>
+
+<file path=ppt/slides/slide11.xml><?xml version="1.0" encoding="utf-8"?>
+<p:sld xmlns:a="http://schemas.openxmlformats.org/drawingml/2006/main" xmlns:r="http://schemas.openxmlformats.org/officeDocument/2006/relationships" xmlns:p="http://schemas.openxmlformats.org/presentationml/2006/main">
+  <p:cSld>
+    <p:spTree>
+      <p:nvGrpSpPr>
+        <p:cNvPr id="1" name=""/>
+        <p:cNvGrpSpPr/>
+        <p:nvPr/>
+      </p:nvGrpSpPr>
+      <p:grpSpPr>
+        <a:xfrm>
+          <a:off x="0" y="0"/>
+          <a:ext cx="0" cy="0"/>
+          <a:chOff x="0" y="0"/>
+          <a:chExt cx="0" cy="0"/>
+        </a:xfrm>
+      </p:grpSpPr>
+      <p:sp>
+        <p:nvSpPr>
+          <p:cNvPr id="2" name="標題 1"/>
+          <p:cNvSpPr>
+            <a:spLocks noGrp="1"/>
+          </p:cNvSpPr>
+          <p:nvPr>
+            <p:ph type="title"/>
+          </p:nvPr>
+        </p:nvSpPr>
+        <p:spPr/>
+        <p:txBody>
+          <a:bodyPr/>
+          <a:lstStyle/>
+          <a:p>
+            <a:r>
+              <a:rPr kumimoji="1" lang="zh-TW" altLang="en-US" dirty="0"/>
+              <a:t>位址用戶類型</a:t>
+            </a:r>
+          </a:p>
+        </p:txBody>
+      </p:sp>
+      <p:sp>
+        <p:nvSpPr>
+          <p:cNvPr id="3" name="內容版面配置區 2"/>
+          <p:cNvSpPr>
+            <a:spLocks noGrp="1"/>
+          </p:cNvSpPr>
+          <p:nvPr>
+            <p:ph idx="1"/>
+          </p:nvPr>
+        </p:nvSpPr>
+        <p:spPr/>
+        <p:txBody>
+          <a:bodyPr>
+            <a:normAutofit/>
+          </a:bodyPr>
+          <a:lstStyle/>
+          <a:p>
+            <a:pPr>
+              <a:buClr>
+                <a:schemeClr val="accent1"/>
+              </a:buClr>
+            </a:pPr>
+            <a:r>
+              <a:rPr kumimoji="1" lang="zh-TW" altLang="en-US" sz="3000" dirty="0"/>
+              <a:t>個人（散戶）</a:t>
+            </a:r>
+            <a:endParaRPr kumimoji="1" lang="en-US" altLang="zh-TW" sz="3000" dirty="0"/>
+          </a:p>
+          <a:p>
+            <a:pPr>
+              <a:buClr>
+                <a:schemeClr val="accent1"/>
+              </a:buClr>
+            </a:pPr>
+            <a:r>
+              <a:rPr kumimoji="1" lang="zh-TW" altLang="en-US" sz="3000" dirty="0"/>
+              <a:t>礦池</a:t>
+            </a:r>
+            <a:endParaRPr kumimoji="1" lang="en-US" altLang="zh-TW" sz="3000" dirty="0"/>
+          </a:p>
+          <a:p>
+            <a:pPr>
+              <a:buClr>
+                <a:schemeClr val="accent1"/>
+              </a:buClr>
+            </a:pPr>
+            <a:r>
+              <a:rPr kumimoji="1" lang="zh-TW" altLang="en-US" sz="3000" dirty="0"/>
+              <a:t>賭場</a:t>
+            </a:r>
+            <a:endParaRPr kumimoji="1" lang="en-US" altLang="zh-TW" sz="3000" dirty="0"/>
+          </a:p>
+          <a:p>
+            <a:pPr>
+              <a:buClr>
+                <a:schemeClr val="accent1"/>
+              </a:buClr>
+            </a:pPr>
+            <a:r>
+              <a:rPr kumimoji="1" lang="zh-TW" altLang="en-US" sz="3000" dirty="0"/>
+              <a:t>交易所</a:t>
+            </a:r>
+            <a:endParaRPr kumimoji="1" lang="en-US" altLang="zh-TW" sz="3000" dirty="0"/>
+          </a:p>
+          <a:p>
+            <a:pPr>
+              <a:buClr>
+                <a:schemeClr val="accent1"/>
+              </a:buClr>
+            </a:pPr>
+            <a:r>
+              <a:rPr kumimoji="1" lang="zh-TW" altLang="en-US" sz="3000" dirty="0"/>
+              <a:t>服務商</a:t>
+            </a:r>
+            <a:endParaRPr kumimoji="1" lang="en-US" altLang="zh-TW" sz="3000" dirty="0"/>
+          </a:p>
+        </p:txBody>
+      </p:sp>
+    </p:spTree>
+    <p:extLst>
+      <p:ext uri="{BB962C8B-B14F-4D97-AF65-F5344CB8AC3E}">
+        <p14:creationId xmlns:p14="http://schemas.microsoft.com/office/powerpoint/2010/main" val="1634264574"/>
+      </p:ext>
+    </p:extLst>
+  </p:cSld>
+  <p:clrMapOvr>
+    <a:masterClrMapping/>
+  </p:clrMapOvr>
+</p:sld>
+</file>
+
+<file path=ppt/slides/slide12.xml><?xml version="1.0" encoding="utf-8"?>
+<p:sld xmlns:a="http://schemas.openxmlformats.org/drawingml/2006/main" xmlns:r="http://schemas.openxmlformats.org/officeDocument/2006/relationships" xmlns:p="http://schemas.openxmlformats.org/presentationml/2006/main">
+  <p:cSld>
+    <p:spTree>
+      <p:nvGrpSpPr>
+        <p:cNvPr id="1" name=""/>
+        <p:cNvGrpSpPr/>
+        <p:nvPr/>
+      </p:nvGrpSpPr>
+      <p:grpSpPr>
+        <a:xfrm>
+          <a:off x="0" y="0"/>
+          <a:ext cx="0" cy="0"/>
+          <a:chOff x="0" y="0"/>
+          <a:chExt cx="0" cy="0"/>
+        </a:xfrm>
+      </p:grpSpPr>
+      <p:sp>
+        <p:nvSpPr>
+          <p:cNvPr id="2" name="標題 1"/>
+          <p:cNvSpPr>
+            <a:spLocks noGrp="1"/>
+          </p:cNvSpPr>
+          <p:nvPr>
+            <p:ph type="title"/>
+          </p:nvPr>
+        </p:nvSpPr>
+        <p:spPr/>
+        <p:txBody>
+          <a:bodyPr/>
+          <a:lstStyle/>
+          <a:p>
+            <a:r>
+              <a:rPr kumimoji="1" lang="zh-TW" altLang="en-US" dirty="0"/>
               <a:t>賭場</a:t>
             </a:r>
           </a:p>
@@ -6915,11 +7168,7 @@
             </a:pPr>
             <a:r>
               <a:rPr kumimoji="1" lang="zh-TW" altLang="en-US" sz="3000" dirty="0"/>
-              <a:t>位址經過小寫處理後</a:t>
-            </a:r>
-            <a:r>
-              <a:rPr kumimoji="1" lang="zh-TW" altLang="en-US" sz="3000" dirty="0" smtClean="0"/>
-              <a:t>，</a:t>
+              <a:t>位址經過小寫處理後，</a:t>
             </a:r>
             <a:endParaRPr kumimoji="1" lang="en-US" altLang="zh-TW" sz="3000" dirty="0"/>
           </a:p>
@@ -6931,7 +7180,7 @@
               <a:buNone/>
             </a:pPr>
             <a:r>
-              <a:rPr kumimoji="1" lang="zh-TW" altLang="en-US" sz="3000" dirty="0" smtClean="0"/>
+              <a:rPr kumimoji="1" lang="zh-TW" altLang="en-US" sz="3000" dirty="0"/>
               <a:t>包含</a:t>
             </a:r>
             <a:r>
@@ -6968,13 +7217,9 @@
             </a:pPr>
             <a:r>
               <a:rPr kumimoji="1" lang="zh-TW" altLang="en-US" sz="3000" dirty="0"/>
-              <a:t>符合這個條件判斷為</a:t>
-            </a:r>
-            <a:r>
-              <a:rPr kumimoji="1" lang="zh-TW" altLang="en-US" sz="3000" dirty="0" smtClean="0"/>
-              <a:t>賭場</a:t>
-            </a:r>
-            <a:endParaRPr kumimoji="1" lang="en-US" altLang="zh-TW" sz="3000" dirty="0" smtClean="0"/>
+              <a:t>符合這個條件判斷為賭場</a:t>
+            </a:r>
+            <a:endParaRPr kumimoji="1" lang="en-US" altLang="zh-TW" sz="3000" dirty="0"/>
           </a:p>
           <a:p>
             <a:pPr>
@@ -7036,7 +7281,7 @@
 </p:sld>
 </file>
 
-<file path=ppt/slides/slide11.xml><?xml version="1.0" encoding="utf-8"?>
+<file path=ppt/slides/slide13.xml><?xml version="1.0" encoding="utf-8"?>
 <p:sld xmlns:a="http://schemas.openxmlformats.org/drawingml/2006/main" xmlns:r="http://schemas.openxmlformats.org/officeDocument/2006/relationships" xmlns:p="http://schemas.openxmlformats.org/presentationml/2006/main">
   <p:cSld>
     <p:spTree>
@@ -7119,7 +7364,7 @@
               <a:t>12.5 </a:t>
             </a:r>
             <a:r>
-              <a:rPr kumimoji="1" lang="en-US" altLang="zh-TW" sz="3000" dirty="0" smtClean="0"/>
+              <a:rPr kumimoji="1" lang="en-US" altLang="zh-TW" sz="3000" dirty="0"/>
               <a:t>&lt;</a:t>
             </a:r>
             <a:r>
@@ -7134,7 +7379,6 @@
               <a:rPr kumimoji="1" lang="en-US" altLang="zh-TW" sz="2500" dirty="0"/>
               <a:t>12.5+2 BTC </a:t>
             </a:r>
-            <a:endParaRPr kumimoji="1" lang="en-US" altLang="zh-TW" sz="2500" dirty="0" smtClean="0"/>
           </a:p>
           <a:p>
             <a:pPr>
@@ -7143,12 +7387,8 @@
               </a:buClr>
             </a:pPr>
             <a:r>
-              <a:rPr kumimoji="1" lang="en-US" altLang="zh-TW" sz="3000" dirty="0" smtClean="0"/>
-              <a:t>(+</a:t>
-            </a:r>
-            <a:r>
               <a:rPr kumimoji="1" lang="en-US" altLang="zh-TW" sz="3000" dirty="0"/>
-              <a:t>2</a:t>
+              <a:t>(+2</a:t>
             </a:r>
             <a:r>
               <a:rPr kumimoji="1" lang="zh-TW" altLang="en-US" sz="3000" dirty="0"/>
@@ -7175,11 +7415,7 @@
             </a:pPr>
             <a:r>
               <a:rPr kumimoji="1" lang="zh-TW" altLang="en-US" sz="3000" dirty="0"/>
-              <a:t>符合這兩個條件判斷為礦</a:t>
-            </a:r>
-            <a:r>
-              <a:rPr kumimoji="1" lang="zh-TW" altLang="en-US" sz="3000" dirty="0" smtClean="0"/>
-              <a:t>池</a:t>
+              <a:t>符合這兩個條件判斷為礦池</a:t>
             </a:r>
             <a:endParaRPr kumimoji="1" lang="en-US" altLang="zh-TW" sz="3000" dirty="0"/>
           </a:p>
@@ -7189,7 +7425,7 @@
                 <a:schemeClr val="accent1"/>
               </a:buClr>
             </a:pPr>
-            <a:endParaRPr kumimoji="1" lang="en-US" altLang="zh-TW" sz="3000" dirty="0" smtClean="0"/>
+            <a:endParaRPr kumimoji="1" lang="en-US" altLang="zh-TW" sz="3000" dirty="0"/>
           </a:p>
         </p:txBody>
       </p:sp>
@@ -7236,7 +7472,7 @@
 </p:sld>
 </file>
 
-<file path=ppt/slides/slide12.xml><?xml version="1.0" encoding="utf-8"?>
+<file path=ppt/slides/slide14.xml><?xml version="1.0" encoding="utf-8"?>
 <p:sld xmlns:a="http://schemas.openxmlformats.org/drawingml/2006/main" xmlns:r="http://schemas.openxmlformats.org/officeDocument/2006/relationships" xmlns:p="http://schemas.openxmlformats.org/presentationml/2006/main">
   <p:cSld>
     <p:spTree>
@@ -7311,12 +7547,8 @@
               <a:t>&lt;</a:t>
             </a:r>
             <a:r>
-              <a:rPr kumimoji="1" lang="zh-TW" altLang="en-US" sz="3000" dirty="0" smtClean="0"/>
-              <a:t> </a:t>
-            </a:r>
-            <a:r>
               <a:rPr kumimoji="1" lang="zh-TW" altLang="en-US" sz="3000" dirty="0"/>
-              <a:t>平均交易金額（總交易金額</a:t>
+              <a:t> 平均交易金額（總交易金額</a:t>
             </a:r>
             <a:r>
               <a:rPr kumimoji="1" lang="en-US" altLang="zh-TW" sz="3000" dirty="0"/>
@@ -7339,16 +7571,12 @@
               <a:t>匯款次數 </a:t>
             </a:r>
             <a:r>
-              <a:rPr kumimoji="1" lang="en-US" altLang="zh-TW" sz="3000" dirty="0" smtClean="0"/>
+              <a:rPr kumimoji="1" lang="en-US" altLang="zh-TW" sz="3000" dirty="0"/>
               <a:t>&lt;</a:t>
             </a:r>
             <a:r>
-              <a:rPr kumimoji="1" lang="zh-TW" altLang="en-US" sz="3000" dirty="0" smtClean="0"/>
-              <a:t> </a:t>
-            </a:r>
-            <a:r>
               <a:rPr kumimoji="1" lang="zh-TW" altLang="en-US" sz="3000" dirty="0"/>
-              <a:t>平均每一個位址的匯款次數</a:t>
+              <a:t> 平均每一個位址的匯款次數</a:t>
             </a:r>
             <a:endParaRPr kumimoji="1" lang="en-US" altLang="zh-TW" sz="3000" dirty="0"/>
           </a:p>
@@ -7367,12 +7595,8 @@
               <a:t>&lt;</a:t>
             </a:r>
             <a:r>
-              <a:rPr kumimoji="1" lang="zh-TW" altLang="en-US" sz="3000" dirty="0" smtClean="0"/>
-              <a:t> </a:t>
-            </a:r>
-            <a:r>
               <a:rPr kumimoji="1" lang="zh-TW" altLang="en-US" sz="3000" dirty="0"/>
-              <a:t>平均每一個位址的收款次數</a:t>
+              <a:t> 平均每一個位址的收款次數</a:t>
             </a:r>
             <a:endParaRPr kumimoji="1" lang="en-US" altLang="zh-TW" sz="3000" dirty="0"/>
           </a:p>
@@ -7439,7 +7663,7 @@
 </p:sld>
 </file>
 
-<file path=ppt/slides/slide13.xml><?xml version="1.0" encoding="utf-8"?>
+<file path=ppt/slides/slide15.xml><?xml version="1.0" encoding="utf-8"?>
 <p:sld xmlns:a="http://schemas.openxmlformats.org/drawingml/2006/main" xmlns:r="http://schemas.openxmlformats.org/officeDocument/2006/relationships" xmlns:p="http://schemas.openxmlformats.org/presentationml/2006/main">
   <p:cSld>
     <p:spTree>
@@ -7475,10 +7699,6 @@
               <a:rPr kumimoji="1" lang="zh-TW" altLang="en-US" dirty="0"/>
               <a:t>服務商</a:t>
             </a:r>
-            <a:r>
-              <a:rPr kumimoji="1" lang="en-US" altLang="zh-TW" dirty="0"/>
-              <a:t/>
-            </a:r>
             <a:br>
               <a:rPr kumimoji="1" lang="en-US" altLang="zh-TW" dirty="0"/>
             </a:br>
@@ -7517,10 +7737,10 @@
               </a:buClr>
             </a:pPr>
             <a:r>
-              <a:rPr kumimoji="1" lang="zh-TW" altLang="en-US" sz="3000" dirty="0" smtClean="0"/>
+              <a:rPr kumimoji="1" lang="zh-TW" altLang="en-US" sz="3000" dirty="0"/>
               <a:t>所有位址中，不是個人帳戶，不是礦池，不是賭場的位址</a:t>
             </a:r>
-            <a:endParaRPr kumimoji="1" lang="en-US" altLang="zh-TW" sz="3000" dirty="0" smtClean="0"/>
+            <a:endParaRPr kumimoji="1" lang="en-US" altLang="zh-TW" sz="3000" dirty="0"/>
           </a:p>
           <a:p>
             <a:pPr>
@@ -7528,7 +7748,7 @@
                 <a:schemeClr val="accent1"/>
               </a:buClr>
             </a:pPr>
-            <a:endParaRPr kumimoji="1" lang="en-US" altLang="zh-TW" sz="3000" dirty="0" smtClean="0"/>
+            <a:endParaRPr kumimoji="1" lang="en-US" altLang="zh-TW" sz="3000" dirty="0"/>
           </a:p>
           <a:p>
             <a:pPr>
@@ -7537,10 +7757,9 @@
               </a:buClr>
             </a:pPr>
             <a:r>
-              <a:rPr kumimoji="1" lang="zh-TW" altLang="en-US" sz="3000" dirty="0" smtClean="0"/>
+              <a:rPr kumimoji="1" lang="zh-TW" altLang="en-US" sz="3000" dirty="0"/>
               <a:t>符合這個條件判斷為服務商或交易所</a:t>
             </a:r>
-            <a:endParaRPr kumimoji="1" lang="zh-TW" altLang="en-US" sz="3000" dirty="0"/>
           </a:p>
         </p:txBody>
       </p:sp>
@@ -7586,7 +7805,7 @@
 </p:sld>
 </file>
 
-<file path=ppt/slides/slide14.xml><?xml version="1.0" encoding="utf-8"?>
+<file path=ppt/slides/slide16.xml><?xml version="1.0" encoding="utf-8"?>
 <p:sld xmlns:a="http://schemas.openxmlformats.org/drawingml/2006/main" xmlns:r="http://schemas.openxmlformats.org/officeDocument/2006/relationships" xmlns:p="http://schemas.openxmlformats.org/presentationml/2006/main">
   <p:cSld>
     <p:spTree>
@@ -7644,126 +7863,114 @@
           <a:p>
             <a:r>
               <a:rPr kumimoji="1" lang="zh-TW" altLang="en-US" sz="3000" dirty="0"/>
-              <a:t>總數</a:t>
-            </a:r>
-            <a:r>
-              <a:rPr kumimoji="1" lang="zh-TW" altLang="en-US" sz="3000" dirty="0" smtClean="0"/>
-              <a:t>：</a:t>
+              <a:t>總數：</a:t>
             </a:r>
             <a:r>
               <a:rPr lang="is-IS" altLang="zh-TW" sz="3200" dirty="0"/>
-              <a:t> </a:t>
-            </a:r>
-            <a:r>
-              <a:rPr lang="is-IS" altLang="zh-TW" sz="3200" dirty="0" smtClean="0"/>
-              <a:t>7667574</a:t>
-            </a:r>
-          </a:p>
-          <a:p>
-            <a:r>
-              <a:rPr kumimoji="1" lang="zh-TW" altLang="en-US" sz="3000" dirty="0" smtClean="0"/>
-              <a:t>缺失值</a:t>
-            </a:r>
+              <a:t> 7667574</a:t>
+            </a:r>
+          </a:p>
+          <a:p>
             <a:r>
               <a:rPr kumimoji="1" lang="zh-TW" altLang="en-US" sz="3000" dirty="0"/>
-              <a:t>（空白）：</a:t>
-            </a:r>
-            <a:r>
-              <a:rPr kumimoji="1" lang="en-US" altLang="zh-TW" sz="3000" dirty="0" smtClean="0"/>
+              <a:t>缺失值（空白）：</a:t>
+            </a:r>
+            <a:r>
+              <a:rPr kumimoji="1" lang="en-US" altLang="zh-TW" sz="3000" dirty="0"/>
               <a:t>1</a:t>
             </a:r>
           </a:p>
           <a:p>
             <a:r>
-              <a:rPr kumimoji="1" lang="zh-TW" altLang="en-US" sz="3000" dirty="0" smtClean="0"/>
+              <a:rPr kumimoji="1" lang="zh-TW" altLang="en-US" sz="3000" dirty="0"/>
               <a:t>賭場：</a:t>
             </a:r>
             <a:r>
-              <a:rPr kumimoji="1" lang="en-US" altLang="zh-TW" sz="3000" dirty="0" smtClean="0"/>
+              <a:rPr kumimoji="1" lang="en-US" altLang="zh-TW" sz="3000" dirty="0"/>
               <a:t>10</a:t>
             </a:r>
             <a:r>
-              <a:rPr kumimoji="1" lang="zh-TW" altLang="en-US" sz="3000" dirty="0" smtClean="0"/>
+              <a:rPr kumimoji="1" lang="zh-TW" altLang="en-US" sz="3000" dirty="0"/>
               <a:t> （</a:t>
             </a:r>
             <a:r>
-              <a:rPr kumimoji="1" lang="en-US" altLang="zh-TW" sz="3000" dirty="0" smtClean="0"/>
+              <a:rPr kumimoji="1" lang="en-US" altLang="zh-TW" sz="3000" dirty="0"/>
               <a:t>0.0000013</a:t>
             </a:r>
             <a:r>
-              <a:rPr kumimoji="1" lang="zh-TW" altLang="en-US" sz="3000" dirty="0" smtClean="0"/>
+              <a:rPr kumimoji="1" lang="zh-TW" altLang="en-US" sz="3000" dirty="0"/>
               <a:t>）</a:t>
             </a:r>
-            <a:endParaRPr kumimoji="1" lang="en-US" altLang="zh-TW" sz="3000" dirty="0" smtClean="0"/>
-          </a:p>
-          <a:p>
-            <a:r>
-              <a:rPr kumimoji="1" lang="zh-TW" altLang="en-US" sz="3000" dirty="0" smtClean="0"/>
+            <a:endParaRPr kumimoji="1" lang="en-US" altLang="zh-TW" sz="3000" dirty="0"/>
+          </a:p>
+          <a:p>
+            <a:r>
+              <a:rPr kumimoji="1" lang="zh-TW" altLang="en-US" sz="3000" dirty="0"/>
               <a:t>礦池：</a:t>
             </a:r>
             <a:r>
-              <a:rPr kumimoji="1" lang="en-US" altLang="zh-TW" sz="3000" dirty="0" smtClean="0"/>
+              <a:rPr kumimoji="1" lang="en-US" altLang="zh-TW" sz="3000" dirty="0"/>
               <a:t>4596</a:t>
             </a:r>
             <a:r>
-              <a:rPr kumimoji="1" lang="zh-TW" altLang="en-US" sz="3000" dirty="0" smtClean="0"/>
+              <a:rPr kumimoji="1" lang="zh-TW" altLang="en-US" sz="3000" dirty="0"/>
               <a:t> （</a:t>
             </a:r>
             <a:r>
-              <a:rPr kumimoji="1" lang="en-US" altLang="zh-TW" sz="3000" dirty="0" smtClean="0"/>
+              <a:rPr kumimoji="1" lang="en-US" altLang="zh-TW" sz="3000" dirty="0"/>
               <a:t>0.000599</a:t>
             </a:r>
             <a:r>
-              <a:rPr kumimoji="1" lang="zh-TW" altLang="en-US" sz="3000" dirty="0" smtClean="0"/>
+              <a:rPr kumimoji="1" lang="zh-TW" altLang="en-US" sz="3000" dirty="0"/>
               <a:t>）</a:t>
             </a:r>
-            <a:endParaRPr kumimoji="1" lang="en-US" altLang="zh-TW" sz="3000" dirty="0" smtClean="0"/>
-          </a:p>
-          <a:p>
-            <a:r>
-              <a:rPr kumimoji="1" lang="zh-TW" altLang="en-US" sz="3000" dirty="0" smtClean="0"/>
+            <a:endParaRPr kumimoji="1" lang="en-US" altLang="zh-TW" sz="3000" dirty="0"/>
+          </a:p>
+          <a:p>
+            <a:r>
+              <a:rPr kumimoji="1" lang="zh-TW" altLang="en-US" sz="3000" dirty="0"/>
               <a:t>個人：</a:t>
             </a:r>
             <a:r>
-              <a:rPr kumimoji="1" lang="en-US" altLang="zh-TW" sz="3000" dirty="0" smtClean="0"/>
+              <a:rPr kumimoji="1" lang="en-US" altLang="zh-TW" sz="3000" dirty="0"/>
               <a:t>1365480</a:t>
             </a:r>
             <a:r>
-              <a:rPr kumimoji="1" lang="zh-TW" altLang="en-US" sz="3000" dirty="0" smtClean="0"/>
+              <a:rPr kumimoji="1" lang="zh-TW" altLang="en-US" sz="3000" dirty="0"/>
               <a:t> （</a:t>
             </a:r>
             <a:r>
-              <a:rPr kumimoji="1" lang="en-US" altLang="zh-TW" sz="3000" dirty="0" smtClean="0"/>
+              <a:rPr kumimoji="1" lang="en-US" altLang="zh-TW" sz="3000" dirty="0"/>
               <a:t>0.178</a:t>
             </a:r>
             <a:r>
-              <a:rPr kumimoji="1" lang="zh-TW" altLang="en-US" sz="3000" dirty="0" smtClean="0"/>
+              <a:rPr kumimoji="1" lang="zh-TW" altLang="en-US" sz="3000" dirty="0"/>
               <a:t>）</a:t>
             </a:r>
-            <a:endParaRPr kumimoji="1" lang="en-US" altLang="zh-TW" sz="3000" dirty="0" smtClean="0"/>
-          </a:p>
-          <a:p>
-            <a:r>
-              <a:rPr kumimoji="1" lang="zh-TW" altLang="en-US" sz="3000" dirty="0" smtClean="0"/>
+            <a:endParaRPr kumimoji="1" lang="en-US" altLang="zh-TW" sz="3000" dirty="0"/>
+          </a:p>
+          <a:p>
+            <a:r>
+              <a:rPr kumimoji="1" lang="zh-TW" altLang="en-US" sz="3000" dirty="0"/>
               <a:t>服務商，交易所：</a:t>
             </a:r>
             <a:r>
-              <a:rPr kumimoji="1" lang="en-US" altLang="zh-TW" sz="3000" dirty="0" smtClean="0"/>
+              <a:rPr kumimoji="1" lang="en-US" altLang="zh-TW" sz="3000" dirty="0"/>
               <a:t>6297487</a:t>
             </a:r>
             <a:r>
-              <a:rPr kumimoji="1" lang="zh-TW" altLang="en-US" sz="3000" dirty="0" smtClean="0"/>
+              <a:rPr kumimoji="1" lang="zh-TW" altLang="en-US" sz="3000" dirty="0"/>
               <a:t> （</a:t>
             </a:r>
             <a:r>
-              <a:rPr kumimoji="1" lang="en-US" altLang="zh-TW" sz="3000" dirty="0" smtClean="0"/>
+              <a:rPr kumimoji="1" lang="en-US" altLang="zh-TW" sz="3000" dirty="0"/>
               <a:t>0.821</a:t>
             </a:r>
             <a:r>
-              <a:rPr kumimoji="1" lang="zh-TW" altLang="en-US" sz="3000" dirty="0" smtClean="0"/>
+              <a:rPr kumimoji="1" lang="zh-TW" altLang="en-US" sz="3000" dirty="0"/>
               <a:t>）</a:t>
             </a:r>
-            <a:endParaRPr kumimoji="1" lang="en-US" altLang="zh-TW" sz="3000" dirty="0" smtClean="0"/>
+            <a:endParaRPr kumimoji="1" lang="en-US" altLang="zh-TW" sz="3000" dirty="0"/>
           </a:p>
         </p:txBody>
       </p:sp>
@@ -7780,7 +7987,7 @@
 </p:sld>
 </file>
 
-<file path=ppt/slides/slide15.xml><?xml version="1.0" encoding="utf-8"?>
+<file path=ppt/slides/slide17.xml><?xml version="1.0" encoding="utf-8"?>
 <p:sld xmlns:a="http://schemas.openxmlformats.org/drawingml/2006/main" xmlns:r="http://schemas.openxmlformats.org/officeDocument/2006/relationships" xmlns:p="http://schemas.openxmlformats.org/presentationml/2006/main">
   <p:cSld>
     <p:spTree>
@@ -7901,13 +8108,9 @@
             <a:pPr algn="ctr"/>
             <a:r>
               <a:rPr lang="zh-TW" altLang="en-US" dirty="0"/>
-              <a:t>火幣</a:t>
-            </a:r>
-            <a:r>
-              <a:rPr lang="zh-TW" altLang="en-US" dirty="0" smtClean="0"/>
-              <a:t>研究院</a:t>
-            </a:r>
-            <a:endParaRPr lang="en-US" altLang="zh-TW" dirty="0" smtClean="0"/>
+              <a:t>火幣研究院</a:t>
+            </a:r>
+            <a:endParaRPr lang="en-US" altLang="zh-TW" dirty="0"/>
           </a:p>
           <a:p>
             <a:pPr algn="ctr"/>
@@ -7921,11 +8124,7 @@
             </a:r>
             <a:r>
               <a:rPr lang="zh-TW" altLang="en-US" dirty="0"/>
-              <a:t>條</a:t>
-            </a:r>
-            <a:r>
-              <a:rPr lang="zh-TW" altLang="en-US" dirty="0" smtClean="0"/>
-              <a:t>樣本建模</a:t>
+              <a:t>條樣本建模</a:t>
             </a:r>
             <a:endParaRPr kumimoji="1" lang="zh-TW" altLang="en-US" dirty="0"/>
           </a:p>
@@ -7944,7 +8143,7 @@
 </p:sld>
 </file>
 
-<file path=ppt/slides/slide16.xml><?xml version="1.0" encoding="utf-8"?>
+<file path=ppt/slides/slide18.xml><?xml version="1.0" encoding="utf-8"?>
 <p:sld xmlns:a="http://schemas.openxmlformats.org/drawingml/2006/main" xmlns:r="http://schemas.openxmlformats.org/officeDocument/2006/relationships" xmlns:p="http://schemas.openxmlformats.org/presentationml/2006/main">
   <p:cSld>
     <p:spTree>
@@ -7963,6 +8162,90 @@
       </p:grpSpPr>
       <p:sp>
         <p:nvSpPr>
+          <p:cNvPr id="2" name="標題 1">
+            <a:extLst>
+              <a:ext uri="{FF2B5EF4-FFF2-40B4-BE49-F238E27FC236}">
+                <a16:creationId xmlns:a16="http://schemas.microsoft.com/office/drawing/2014/main" id="{164E3CEB-F93B-0343-8D7F-CD2953E0B559}"/>
+              </a:ext>
+            </a:extLst>
+          </p:cNvPr>
+          <p:cNvSpPr>
+            <a:spLocks noGrp="1"/>
+          </p:cNvSpPr>
+          <p:nvPr>
+            <p:ph type="title"/>
+          </p:nvPr>
+        </p:nvSpPr>
+        <p:spPr/>
+        <p:txBody>
+          <a:bodyPr/>
+          <a:lstStyle/>
+          <a:p>
+            <a:endParaRPr kumimoji="1" lang="zh-TW" altLang="en-US"/>
+          </a:p>
+        </p:txBody>
+      </p:sp>
+      <p:pic>
+        <p:nvPicPr>
+          <p:cNvPr id="5" name="內容版面配置區 4">
+            <a:extLst>
+              <a:ext uri="{FF2B5EF4-FFF2-40B4-BE49-F238E27FC236}">
+                <a16:creationId xmlns:a16="http://schemas.microsoft.com/office/drawing/2014/main" id="{5C3425EC-6186-5C43-A7A6-FC665E20237A}"/>
+              </a:ext>
+            </a:extLst>
+          </p:cNvPr>
+          <p:cNvPicPr>
+            <a:picLocks noGrp="1" noChangeAspect="1"/>
+          </p:cNvPicPr>
+          <p:nvPr>
+            <p:ph idx="1"/>
+          </p:nvPr>
+        </p:nvPicPr>
+        <p:blipFill>
+          <a:blip r:embed="rId2"/>
+          <a:stretch>
+            <a:fillRect/>
+          </a:stretch>
+        </p:blipFill>
+        <p:spPr>
+          <a:xfrm>
+            <a:off x="2639035" y="501138"/>
+            <a:ext cx="6730595" cy="5943686"/>
+          </a:xfrm>
+        </p:spPr>
+      </p:pic>
+    </p:spTree>
+    <p:extLst>
+      <p:ext uri="{BB962C8B-B14F-4D97-AF65-F5344CB8AC3E}">
+        <p14:creationId xmlns:p14="http://schemas.microsoft.com/office/powerpoint/2010/main" val="1574522082"/>
+      </p:ext>
+    </p:extLst>
+  </p:cSld>
+  <p:clrMapOvr>
+    <a:masterClrMapping/>
+  </p:clrMapOvr>
+</p:sld>
+</file>
+
+<file path=ppt/slides/slide19.xml><?xml version="1.0" encoding="utf-8"?>
+<p:sld xmlns:a="http://schemas.openxmlformats.org/drawingml/2006/main" xmlns:r="http://schemas.openxmlformats.org/officeDocument/2006/relationships" xmlns:p="http://schemas.openxmlformats.org/presentationml/2006/main">
+  <p:cSld>
+    <p:spTree>
+      <p:nvGrpSpPr>
+        <p:cNvPr id="1" name=""/>
+        <p:cNvGrpSpPr/>
+        <p:nvPr/>
+      </p:nvGrpSpPr>
+      <p:grpSpPr>
+        <a:xfrm>
+          <a:off x="0" y="0"/>
+          <a:ext cx="0" cy="0"/>
+          <a:chOff x="0" y="0"/>
+          <a:chExt cx="0" cy="0"/>
+        </a:xfrm>
+      </p:grpSpPr>
+      <p:sp>
+        <p:nvSpPr>
           <p:cNvPr id="2" name="標題 1"/>
           <p:cNvSpPr>
             <a:spLocks noGrp="1"/>
@@ -7982,14 +8265,9 @@
           <a:lstStyle/>
           <a:p>
             <a:r>
-              <a:rPr kumimoji="1" lang="zh-TW" altLang="en-US" dirty="0" smtClean="0"/>
-              <a:t>預想</a:t>
-            </a:r>
-            <a:r>
-              <a:rPr kumimoji="1" lang="zh-TW" altLang="en-US" dirty="0" smtClean="0"/>
-              <a:t>：</a:t>
-            </a:r>
-            <a:endParaRPr kumimoji="1" lang="zh-TW" altLang="en-US" dirty="0"/>
+              <a:rPr kumimoji="1" lang="zh-TW" altLang="en-US" dirty="0"/>
+              <a:t>預想：</a:t>
+            </a:r>
           </a:p>
         </p:txBody>
       </p:sp>
@@ -8034,7 +8312,7 @@
 </p:sld>
 </file>
 
-<file path=ppt/slides/slide17.xml><?xml version="1.0" encoding="utf-8"?>
+<file path=ppt/slides/slide2.xml><?xml version="1.0" encoding="utf-8"?>
 <p:sld xmlns:a="http://schemas.openxmlformats.org/drawingml/2006/main" xmlns:r="http://schemas.openxmlformats.org/officeDocument/2006/relationships" xmlns:p="http://schemas.openxmlformats.org/presentationml/2006/main">
   <p:cSld>
     <p:spTree>
@@ -8053,6 +8331,157 @@
       </p:grpSpPr>
       <p:sp>
         <p:nvSpPr>
+          <p:cNvPr id="2" name="標題 1">
+            <a:extLst>
+              <a:ext uri="{FF2B5EF4-FFF2-40B4-BE49-F238E27FC236}">
+                <a16:creationId xmlns:a16="http://schemas.microsoft.com/office/drawing/2014/main" id="{ABBC127B-6A2F-B541-8C49-E3B9B185F695}"/>
+              </a:ext>
+            </a:extLst>
+          </p:cNvPr>
+          <p:cNvSpPr>
+            <a:spLocks noGrp="1"/>
+          </p:cNvSpPr>
+          <p:nvPr>
+            <p:ph type="title"/>
+          </p:nvPr>
+        </p:nvSpPr>
+        <p:spPr/>
+        <p:txBody>
+          <a:bodyPr/>
+          <a:lstStyle/>
+          <a:p>
+            <a:r>
+              <a:rPr kumimoji="1" lang="zh-TW" altLang="en-US" dirty="0"/>
+              <a:t>大綱</a:t>
+            </a:r>
+          </a:p>
+        </p:txBody>
+      </p:sp>
+      <p:sp>
+        <p:nvSpPr>
+          <p:cNvPr id="4" name="內容版面配置區 2">
+            <a:extLst>
+              <a:ext uri="{FF2B5EF4-FFF2-40B4-BE49-F238E27FC236}">
+                <a16:creationId xmlns:a16="http://schemas.microsoft.com/office/drawing/2014/main" id="{163BABF7-A17D-9D47-BFCC-95311A00F114}"/>
+              </a:ext>
+            </a:extLst>
+          </p:cNvPr>
+          <p:cNvSpPr>
+            <a:spLocks noGrp="1"/>
+          </p:cNvSpPr>
+          <p:nvPr>
+            <p:ph idx="1"/>
+          </p:nvPr>
+        </p:nvSpPr>
+        <p:spPr/>
+        <p:txBody>
+          <a:bodyPr>
+            <a:normAutofit/>
+          </a:bodyPr>
+          <a:lstStyle/>
+          <a:p>
+            <a:pPr>
+              <a:buClr>
+                <a:schemeClr val="accent1"/>
+              </a:buClr>
+              <a:buFont typeface="Wingdings" pitchFamily="2" charset="2"/>
+              <a:buChar char="Ø"/>
+            </a:pPr>
+            <a:r>
+              <a:rPr kumimoji="1" lang="zh-TW" altLang="en-US" sz="3000" dirty="0"/>
+              <a:t>分工</a:t>
+            </a:r>
+            <a:endParaRPr kumimoji="1" lang="en-US" altLang="zh-TW" sz="3000" dirty="0"/>
+          </a:p>
+          <a:p>
+            <a:pPr>
+              <a:buClr>
+                <a:schemeClr val="accent1"/>
+              </a:buClr>
+              <a:buFont typeface="Wingdings" pitchFamily="2" charset="2"/>
+              <a:buChar char="Ø"/>
+            </a:pPr>
+            <a:r>
+              <a:rPr kumimoji="1" lang="zh-TW" altLang="en-US" sz="3000" dirty="0"/>
+              <a:t>目標</a:t>
+            </a:r>
+            <a:endParaRPr kumimoji="1" lang="en-US" altLang="zh-TW" sz="3000" dirty="0"/>
+          </a:p>
+          <a:p>
+            <a:pPr>
+              <a:buClr>
+                <a:schemeClr val="accent1"/>
+              </a:buClr>
+              <a:buFont typeface="Wingdings" pitchFamily="2" charset="2"/>
+              <a:buChar char="Ø"/>
+            </a:pPr>
+            <a:r>
+              <a:rPr kumimoji="1" lang="zh-TW" altLang="en-US" sz="3000" dirty="0"/>
+              <a:t>資料</a:t>
+            </a:r>
+            <a:endParaRPr kumimoji="1" lang="en-US" altLang="zh-TW" sz="3000" dirty="0"/>
+          </a:p>
+          <a:p>
+            <a:pPr>
+              <a:buClr>
+                <a:schemeClr val="accent1"/>
+              </a:buClr>
+              <a:buFont typeface="Wingdings" pitchFamily="2" charset="2"/>
+              <a:buChar char="Ø"/>
+            </a:pPr>
+            <a:r>
+              <a:rPr kumimoji="1" lang="zh-TW" altLang="en-US" sz="3000" dirty="0"/>
+              <a:t>分析</a:t>
+            </a:r>
+            <a:endParaRPr kumimoji="1" lang="en-US" altLang="zh-TW" sz="3000" dirty="0"/>
+          </a:p>
+          <a:p>
+            <a:pPr>
+              <a:buClr>
+                <a:schemeClr val="accent1"/>
+              </a:buClr>
+              <a:buFont typeface="Wingdings" pitchFamily="2" charset="2"/>
+              <a:buChar char="Ø"/>
+            </a:pPr>
+            <a:r>
+              <a:rPr kumimoji="1" lang="zh-TW" altLang="en-US" sz="3000" dirty="0"/>
+              <a:t>挑戰</a:t>
+            </a:r>
+          </a:p>
+        </p:txBody>
+      </p:sp>
+    </p:spTree>
+    <p:extLst>
+      <p:ext uri="{BB962C8B-B14F-4D97-AF65-F5344CB8AC3E}">
+        <p14:creationId xmlns:p14="http://schemas.microsoft.com/office/powerpoint/2010/main" val="3069956715"/>
+      </p:ext>
+    </p:extLst>
+  </p:cSld>
+  <p:clrMapOvr>
+    <a:masterClrMapping/>
+  </p:clrMapOvr>
+</p:sld>
+</file>
+
+<file path=ppt/slides/slide20.xml><?xml version="1.0" encoding="utf-8"?>
+<p:sld xmlns:a="http://schemas.openxmlformats.org/drawingml/2006/main" xmlns:r="http://schemas.openxmlformats.org/officeDocument/2006/relationships" xmlns:p="http://schemas.openxmlformats.org/presentationml/2006/main">
+  <p:cSld>
+    <p:spTree>
+      <p:nvGrpSpPr>
+        <p:cNvPr id="1" name=""/>
+        <p:cNvGrpSpPr/>
+        <p:nvPr/>
+      </p:nvGrpSpPr>
+      <p:grpSpPr>
+        <a:xfrm>
+          <a:off x="0" y="0"/>
+          <a:ext cx="0" cy="0"/>
+          <a:chOff x="0" y="0"/>
+          <a:chExt cx="0" cy="0"/>
+        </a:xfrm>
+      </p:grpSpPr>
+      <p:sp>
+        <p:nvSpPr>
           <p:cNvPr id="2" name="標題 1"/>
           <p:cNvSpPr>
             <a:spLocks noGrp="1"/>
@@ -8079,7 +8508,7 @@
           <p:cNvPr id="4" name="內容版面配置區 2">
             <a:extLst>
               <a:ext uri="{FF2B5EF4-FFF2-40B4-BE49-F238E27FC236}">
-                <a16:creationId xmlns="" xmlns:a16="http://schemas.microsoft.com/office/drawing/2014/main" id="{8248EF14-9B8E-C54B-BFA8-85331937B4E0}"/>
+                <a16:creationId xmlns:a16="http://schemas.microsoft.com/office/drawing/2014/main" id="{8248EF14-9B8E-C54B-BFA8-85331937B4E0}"/>
               </a:ext>
             </a:extLst>
           </p:cNvPr>
@@ -8144,7 +8573,7 @@
           <p:cNvPr id="6" name="圖片 5">
             <a:extLst>
               <a:ext uri="{FF2B5EF4-FFF2-40B4-BE49-F238E27FC236}">
-                <a16:creationId xmlns="" xmlns:a16="http://schemas.microsoft.com/office/drawing/2014/main" id="{74C49496-12F1-0045-9935-0BAC93C45957}"/>
+                <a16:creationId xmlns:a16="http://schemas.microsoft.com/office/drawing/2014/main" id="{74C49496-12F1-0045-9935-0BAC93C45957}"/>
               </a:ext>
             </a:extLst>
           </p:cNvPr>
@@ -8182,7 +8611,7 @@
 </p:sld>
 </file>
 
-<file path=ppt/slides/slide18.xml><?xml version="1.0" encoding="utf-8"?>
+<file path=ppt/slides/slide21.xml><?xml version="1.0" encoding="utf-8"?>
 <p:sld xmlns:a="http://schemas.openxmlformats.org/drawingml/2006/main" xmlns:r="http://schemas.openxmlformats.org/officeDocument/2006/relationships" xmlns:p="http://schemas.openxmlformats.org/presentationml/2006/main">
   <p:cSld>
     <p:spTree>
@@ -8204,7 +8633,7 @@
           <p:cNvPr id="2" name="標題 1">
             <a:extLst>
               <a:ext uri="{FF2B5EF4-FFF2-40B4-BE49-F238E27FC236}">
-                <a16:creationId xmlns="" xmlns:a16="http://schemas.microsoft.com/office/drawing/2014/main" id="{481A7BEF-8F5A-B745-908E-3C5617517215}"/>
+                <a16:creationId xmlns:a16="http://schemas.microsoft.com/office/drawing/2014/main" id="{481A7BEF-8F5A-B745-908E-3C5617517215}"/>
               </a:ext>
             </a:extLst>
           </p:cNvPr>
@@ -8233,7 +8662,7 @@
           <p:cNvPr id="4" name="內容版面配置區 2">
             <a:extLst>
               <a:ext uri="{FF2B5EF4-FFF2-40B4-BE49-F238E27FC236}">
-                <a16:creationId xmlns="" xmlns:a16="http://schemas.microsoft.com/office/drawing/2014/main" id="{650FA499-3303-DF41-97BD-5C1A0C24063C}"/>
+                <a16:creationId xmlns:a16="http://schemas.microsoft.com/office/drawing/2014/main" id="{650FA499-3303-DF41-97BD-5C1A0C24063C}"/>
               </a:ext>
             </a:extLst>
           </p:cNvPr>
@@ -8409,7 +8838,7 @@
 </p:sld>
 </file>
 
-<file path=ppt/slides/slide19.xml><?xml version="1.0" encoding="utf-8"?>
+<file path=ppt/slides/slide22.xml><?xml version="1.0" encoding="utf-8"?>
 <p:sld xmlns:a="http://schemas.openxmlformats.org/drawingml/2006/main" xmlns:r="http://schemas.openxmlformats.org/officeDocument/2006/relationships" xmlns:p="http://schemas.openxmlformats.org/presentationml/2006/main">
   <p:cSld>
     <p:spTree>
@@ -8431,7 +8860,7 @@
           <p:cNvPr id="2" name="標題 1">
             <a:extLst>
               <a:ext uri="{FF2B5EF4-FFF2-40B4-BE49-F238E27FC236}">
-                <a16:creationId xmlns="" xmlns:a16="http://schemas.microsoft.com/office/drawing/2014/main" id="{481A7BEF-8F5A-B745-908E-3C5617517215}"/>
+                <a16:creationId xmlns:a16="http://schemas.microsoft.com/office/drawing/2014/main" id="{481A7BEF-8F5A-B745-908E-3C5617517215}"/>
               </a:ext>
             </a:extLst>
           </p:cNvPr>
@@ -8460,7 +8889,7 @@
           <p:cNvPr id="4" name="內容版面配置區 2">
             <a:extLst>
               <a:ext uri="{FF2B5EF4-FFF2-40B4-BE49-F238E27FC236}">
-                <a16:creationId xmlns="" xmlns:a16="http://schemas.microsoft.com/office/drawing/2014/main" id="{650FA499-3303-DF41-97BD-5C1A0C24063C}"/>
+                <a16:creationId xmlns:a16="http://schemas.microsoft.com/office/drawing/2014/main" id="{650FA499-3303-DF41-97BD-5C1A0C24063C}"/>
               </a:ext>
             </a:extLst>
           </p:cNvPr>
@@ -8516,7 +8945,7 @@
           <p:cNvPr id="5" name="圖片 4">
             <a:extLst>
               <a:ext uri="{FF2B5EF4-FFF2-40B4-BE49-F238E27FC236}">
-                <a16:creationId xmlns="" xmlns:a16="http://schemas.microsoft.com/office/drawing/2014/main" id="{0642E27B-8E58-A945-956C-63A833BC302C}"/>
+                <a16:creationId xmlns:a16="http://schemas.microsoft.com/office/drawing/2014/main" id="{0642E27B-8E58-A945-956C-63A833BC302C}"/>
               </a:ext>
             </a:extLst>
           </p:cNvPr>
@@ -8546,7 +8975,7 @@
           <p:cNvPr id="7" name="圖片 6">
             <a:extLst>
               <a:ext uri="{FF2B5EF4-FFF2-40B4-BE49-F238E27FC236}">
-                <a16:creationId xmlns="" xmlns:a16="http://schemas.microsoft.com/office/drawing/2014/main" id="{EA529E1C-F666-274D-8564-5AE8BF6F8CDE}"/>
+                <a16:creationId xmlns:a16="http://schemas.microsoft.com/office/drawing/2014/main" id="{EA529E1C-F666-274D-8564-5AE8BF6F8CDE}"/>
               </a:ext>
             </a:extLst>
           </p:cNvPr>
@@ -8584,7 +9013,7 @@
 </p:sld>
 </file>
 
-<file path=ppt/slides/slide2.xml><?xml version="1.0" encoding="utf-8"?>
+<file path=ppt/slides/slide23.xml><?xml version="1.0" encoding="utf-8"?>
 <p:sld xmlns:a="http://schemas.openxmlformats.org/drawingml/2006/main" xmlns:r="http://schemas.openxmlformats.org/officeDocument/2006/relationships" xmlns:p="http://schemas.openxmlformats.org/presentationml/2006/main">
   <p:cSld>
     <p:spTree>
@@ -8603,103 +9032,10 @@
       </p:grpSpPr>
       <p:sp>
         <p:nvSpPr>
-          <p:cNvPr id="2" name="標題 1"/>
-          <p:cNvSpPr>
-            <a:spLocks noGrp="1"/>
-          </p:cNvSpPr>
-          <p:nvPr>
-            <p:ph type="title"/>
-          </p:nvPr>
-        </p:nvSpPr>
-        <p:spPr/>
-        <p:txBody>
-          <a:bodyPr/>
-          <a:lstStyle/>
-          <a:p>
-            <a:r>
-              <a:rPr kumimoji="1" lang="zh-TW" altLang="en-US" dirty="0"/>
-              <a:t>目標</a:t>
-            </a:r>
-          </a:p>
-        </p:txBody>
-      </p:sp>
-      <p:sp>
-        <p:nvSpPr>
-          <p:cNvPr id="3" name="內容版面配置區 2"/>
-          <p:cNvSpPr>
-            <a:spLocks noGrp="1"/>
-          </p:cNvSpPr>
-          <p:nvPr>
-            <p:ph idx="1"/>
-          </p:nvPr>
-        </p:nvSpPr>
-        <p:spPr/>
-        <p:txBody>
-          <a:bodyPr>
-            <a:normAutofit/>
-          </a:bodyPr>
-          <a:lstStyle/>
-          <a:p>
-            <a:pPr>
-              <a:buClr>
-                <a:schemeClr val="accent1"/>
-              </a:buClr>
-            </a:pPr>
-            <a:r>
-              <a:rPr kumimoji="1" lang="zh-TW" altLang="en-US" sz="3000" dirty="0"/>
-              <a:t>透過分析比特幣交易資料，判斷地址的用戶類型</a:t>
-            </a:r>
-            <a:endParaRPr kumimoji="1" lang="en-US" altLang="zh-TW" sz="3000" dirty="0"/>
-          </a:p>
-          <a:p>
-            <a:pPr>
-              <a:buClr>
-                <a:schemeClr val="accent1"/>
-              </a:buClr>
-            </a:pPr>
-            <a:r>
-              <a:rPr kumimoji="1" lang="zh-TW" altLang="en-US" sz="3000" dirty="0"/>
-              <a:t>追踪不同類型用戶間資金流向</a:t>
-            </a:r>
-          </a:p>
-        </p:txBody>
-      </p:sp>
-    </p:spTree>
-    <p:extLst>
-      <p:ext uri="{BB962C8B-B14F-4D97-AF65-F5344CB8AC3E}">
-        <p14:creationId xmlns:p14="http://schemas.microsoft.com/office/powerpoint/2010/main" val="1540838320"/>
-      </p:ext>
-    </p:extLst>
-  </p:cSld>
-  <p:clrMapOvr>
-    <a:masterClrMapping/>
-  </p:clrMapOvr>
-</p:sld>
-</file>
-
-<file path=ppt/slides/slide20.xml><?xml version="1.0" encoding="utf-8"?>
-<p:sld xmlns:a="http://schemas.openxmlformats.org/drawingml/2006/main" xmlns:r="http://schemas.openxmlformats.org/officeDocument/2006/relationships" xmlns:p="http://schemas.openxmlformats.org/presentationml/2006/main">
-  <p:cSld>
-    <p:spTree>
-      <p:nvGrpSpPr>
-        <p:cNvPr id="1" name=""/>
-        <p:cNvGrpSpPr/>
-        <p:nvPr/>
-      </p:nvGrpSpPr>
-      <p:grpSpPr>
-        <a:xfrm>
-          <a:off x="0" y="0"/>
-          <a:ext cx="0" cy="0"/>
-          <a:chOff x="0" y="0"/>
-          <a:chExt cx="0" cy="0"/>
-        </a:xfrm>
-      </p:grpSpPr>
-      <p:sp>
-        <p:nvSpPr>
           <p:cNvPr id="2" name="標題 1">
             <a:extLst>
               <a:ext uri="{FF2B5EF4-FFF2-40B4-BE49-F238E27FC236}">
-                <a16:creationId xmlns="" xmlns:a16="http://schemas.microsoft.com/office/drawing/2014/main" id="{481A7BEF-8F5A-B745-908E-3C5617517215}"/>
+                <a16:creationId xmlns:a16="http://schemas.microsoft.com/office/drawing/2014/main" id="{481A7BEF-8F5A-B745-908E-3C5617517215}"/>
               </a:ext>
             </a:extLst>
           </p:cNvPr>
@@ -8728,7 +9064,7 @@
           <p:cNvPr id="4" name="內容版面配置區 2">
             <a:extLst>
               <a:ext uri="{FF2B5EF4-FFF2-40B4-BE49-F238E27FC236}">
-                <a16:creationId xmlns="" xmlns:a16="http://schemas.microsoft.com/office/drawing/2014/main" id="{650FA499-3303-DF41-97BD-5C1A0C24063C}"/>
+                <a16:creationId xmlns:a16="http://schemas.microsoft.com/office/drawing/2014/main" id="{650FA499-3303-DF41-97BD-5C1A0C24063C}"/>
               </a:ext>
             </a:extLst>
           </p:cNvPr>
@@ -8801,7 +9137,7 @@
           <p:cNvPr id="5" name="圖片 4">
             <a:extLst>
               <a:ext uri="{FF2B5EF4-FFF2-40B4-BE49-F238E27FC236}">
-                <a16:creationId xmlns="" xmlns:a16="http://schemas.microsoft.com/office/drawing/2014/main" id="{27973458-5495-4544-B0F4-D08AE0B04478}"/>
+                <a16:creationId xmlns:a16="http://schemas.microsoft.com/office/drawing/2014/main" id="{27973458-5495-4544-B0F4-D08AE0B04478}"/>
               </a:ext>
             </a:extLst>
           </p:cNvPr>
@@ -8839,7 +9175,7 @@
 </p:sld>
 </file>
 
-<file path=ppt/slides/slide21.xml><?xml version="1.0" encoding="utf-8"?>
+<file path=ppt/slides/slide24.xml><?xml version="1.0" encoding="utf-8"?>
 <p:sld xmlns:a="http://schemas.openxmlformats.org/drawingml/2006/main" xmlns:r="http://schemas.openxmlformats.org/officeDocument/2006/relationships" xmlns:p="http://schemas.openxmlformats.org/presentationml/2006/main">
   <p:cSld>
     <p:spTree>
@@ -8873,14 +9209,20 @@
           <a:p>
             <a:r>
               <a:rPr kumimoji="1" lang="zh-TW" altLang="en-US" dirty="0"/>
-              <a:t>結論</a:t>
+              <a:t>挑戰</a:t>
             </a:r>
           </a:p>
         </p:txBody>
       </p:sp>
       <p:sp>
         <p:nvSpPr>
-          <p:cNvPr id="3" name="內容版面配置區 2"/>
+          <p:cNvPr id="4" name="內容版面配置區 2">
+            <a:extLst>
+              <a:ext uri="{FF2B5EF4-FFF2-40B4-BE49-F238E27FC236}">
+                <a16:creationId xmlns:a16="http://schemas.microsoft.com/office/drawing/2014/main" id="{005E0E4A-E489-8149-94CF-F20797956B55}"/>
+              </a:ext>
+            </a:extLst>
+          </p:cNvPr>
           <p:cNvSpPr>
             <a:spLocks noGrp="1"/>
           </p:cNvSpPr>
@@ -8890,17 +9232,92 @@
         </p:nvSpPr>
         <p:spPr/>
         <p:txBody>
-          <a:bodyPr/>
+          <a:bodyPr>
+            <a:normAutofit/>
+          </a:bodyPr>
           <a:lstStyle/>
           <a:p>
-            <a:endParaRPr kumimoji="1" lang="zh-TW" altLang="en-US" dirty="0"/>
+            <a:pPr>
+              <a:buClr>
+                <a:schemeClr val="accent1"/>
+              </a:buClr>
+            </a:pPr>
+            <a:r>
+              <a:rPr kumimoji="1" lang="zh-TW" altLang="en-US" sz="3000" dirty="0"/>
+              <a:t>在分析礦池與賭埸方面不準確</a:t>
+            </a:r>
+            <a:endParaRPr kumimoji="1" lang="en-US" altLang="zh-TW" sz="3000" dirty="0"/>
+          </a:p>
+          <a:p>
+            <a:pPr lvl="1">
+              <a:buClr>
+                <a:schemeClr val="accent1"/>
+              </a:buClr>
+            </a:pPr>
+            <a:r>
+              <a:rPr kumimoji="1" lang="zh-TW" altLang="en-US" sz="2800" dirty="0"/>
+              <a:t>資料選取欄位少 （對比對象選用了</a:t>
+            </a:r>
+            <a:r>
+              <a:rPr kumimoji="1" lang="en-US" altLang="zh-TW" sz="2800" dirty="0"/>
+              <a:t>17</a:t>
+            </a:r>
+            <a:r>
+              <a:rPr kumimoji="1" lang="zh-TW" altLang="en-US" sz="2800" dirty="0"/>
+              <a:t>個欄位的資料）</a:t>
+            </a:r>
+            <a:endParaRPr kumimoji="1" lang="en-US" altLang="zh-TW" sz="2800" dirty="0"/>
+          </a:p>
+          <a:p>
+            <a:pPr lvl="1">
+              <a:buClr>
+                <a:schemeClr val="accent1"/>
+              </a:buClr>
+            </a:pPr>
+            <a:r>
+              <a:rPr kumimoji="1" lang="zh-TW" altLang="en-US" sz="2800" dirty="0"/>
+              <a:t>資料有缺失</a:t>
+            </a:r>
+            <a:endParaRPr kumimoji="1" lang="en-US" altLang="zh-TW" sz="2800" dirty="0"/>
+          </a:p>
+          <a:p>
+            <a:pPr lvl="1">
+              <a:buClr>
+                <a:schemeClr val="accent1"/>
+              </a:buClr>
+            </a:pPr>
+            <a:r>
+              <a:rPr kumimoji="1" lang="zh-TW" altLang="en-US" sz="2800" dirty="0"/>
+              <a:t>沒有考慮多種情況（如一筆交易多個位址的情況）</a:t>
+            </a:r>
+            <a:endParaRPr kumimoji="1" lang="en-US" altLang="zh-TW" sz="3000" dirty="0"/>
+          </a:p>
+          <a:p>
+            <a:pPr>
+              <a:buClr>
+                <a:schemeClr val="accent1"/>
+              </a:buClr>
+            </a:pPr>
+            <a:r>
+              <a:rPr kumimoji="1" lang="en-US" altLang="zh-TW" sz="3000" dirty="0" err="1"/>
+              <a:t>GraphFrames</a:t>
+            </a:r>
+            <a:r>
+              <a:rPr kumimoji="1" lang="zh-CN" altLang="en-US" sz="3000" dirty="0"/>
+              <a:t>的</a:t>
+            </a:r>
+            <a:r>
+              <a:rPr kumimoji="1" lang="zh-TW" altLang="en-US" sz="3000" dirty="0"/>
+              <a:t>部分可以再做更多更深入的分析</a:t>
+            </a:r>
+            <a:endParaRPr kumimoji="1" lang="en-US" altLang="zh-TW" sz="3000" dirty="0"/>
           </a:p>
         </p:txBody>
       </p:sp>
     </p:spTree>
     <p:extLst>
       <p:ext uri="{BB962C8B-B14F-4D97-AF65-F5344CB8AC3E}">
-        <p14:creationId xmlns:p14="http://schemas.microsoft.com/office/powerpoint/2010/main" val="1994065538"/>
+        <p14:creationId xmlns:p14="http://schemas.microsoft.com/office/powerpoint/2010/main" val="1180692080"/>
       </p:ext>
     </p:extLst>
   </p:cSld>
@@ -8910,7 +9327,7 @@
 </p:sld>
 </file>
 
-<file path=ppt/slides/slide22.xml><?xml version="1.0" encoding="utf-8"?>
+<file path=ppt/slides/slide3.xml><?xml version="1.0" encoding="utf-8"?>
 <p:sld xmlns:a="http://schemas.openxmlformats.org/drawingml/2006/main" xmlns:r="http://schemas.openxmlformats.org/officeDocument/2006/relationships" xmlns:p="http://schemas.openxmlformats.org/presentationml/2006/main">
   <p:cSld>
     <p:spTree>
@@ -8944,166 +9361,6 @@
           <a:p>
             <a:r>
               <a:rPr kumimoji="1" lang="zh-TW" altLang="en-US" dirty="0"/>
-              <a:t>挑戰</a:t>
-            </a:r>
-          </a:p>
-        </p:txBody>
-      </p:sp>
-      <p:sp>
-        <p:nvSpPr>
-          <p:cNvPr id="4" name="內容版面配置區 2">
-            <a:extLst>
-              <a:ext uri="{FF2B5EF4-FFF2-40B4-BE49-F238E27FC236}">
-                <a16:creationId xmlns="" xmlns:a16="http://schemas.microsoft.com/office/drawing/2014/main" id="{005E0E4A-E489-8149-94CF-F20797956B55}"/>
-              </a:ext>
-            </a:extLst>
-          </p:cNvPr>
-          <p:cNvSpPr>
-            <a:spLocks noGrp="1"/>
-          </p:cNvSpPr>
-          <p:nvPr>
-            <p:ph idx="1"/>
-          </p:nvPr>
-        </p:nvSpPr>
-        <p:spPr/>
-        <p:txBody>
-          <a:bodyPr>
-            <a:normAutofit/>
-          </a:bodyPr>
-          <a:lstStyle/>
-          <a:p>
-            <a:pPr>
-              <a:buClr>
-                <a:schemeClr val="accent1"/>
-              </a:buClr>
-            </a:pPr>
-            <a:r>
-              <a:rPr kumimoji="1" lang="zh-TW" altLang="en-US" sz="3000" dirty="0" smtClean="0"/>
-              <a:t>在分析礦池與賭埸方面不準確</a:t>
-            </a:r>
-            <a:endParaRPr kumimoji="1" lang="en-US" altLang="zh-TW" sz="3000" dirty="0" smtClean="0"/>
-          </a:p>
-          <a:p>
-            <a:pPr lvl="1">
-              <a:buClr>
-                <a:schemeClr val="accent1"/>
-              </a:buClr>
-            </a:pPr>
-            <a:r>
-              <a:rPr kumimoji="1" lang="zh-TW" altLang="en-US" sz="2800" dirty="0" smtClean="0"/>
-              <a:t>資料選取欄位少 （對比對象選用了</a:t>
-            </a:r>
-            <a:r>
-              <a:rPr kumimoji="1" lang="en-US" altLang="zh-TW" sz="2800" dirty="0" smtClean="0"/>
-              <a:t>17</a:t>
-            </a:r>
-            <a:r>
-              <a:rPr kumimoji="1" lang="zh-TW" altLang="en-US" sz="2800" dirty="0" smtClean="0"/>
-              <a:t>個欄位的資料）</a:t>
-            </a:r>
-            <a:endParaRPr kumimoji="1" lang="en-US" altLang="zh-TW" sz="2800" dirty="0" smtClean="0"/>
-          </a:p>
-          <a:p>
-            <a:pPr lvl="1">
-              <a:buClr>
-                <a:schemeClr val="accent1"/>
-              </a:buClr>
-            </a:pPr>
-            <a:r>
-              <a:rPr kumimoji="1" lang="zh-TW" altLang="en-US" sz="2800" dirty="0" smtClean="0"/>
-              <a:t>資料有缺失</a:t>
-            </a:r>
-            <a:endParaRPr kumimoji="1" lang="en-US" altLang="zh-TW" sz="2800" dirty="0" smtClean="0"/>
-          </a:p>
-          <a:p>
-            <a:pPr lvl="1">
-              <a:buClr>
-                <a:schemeClr val="accent1"/>
-              </a:buClr>
-            </a:pPr>
-            <a:r>
-              <a:rPr kumimoji="1" lang="zh-TW" altLang="en-US" sz="2800" smtClean="0"/>
-              <a:t>沒有考慮多種情況（如一</a:t>
-            </a:r>
-            <a:r>
-              <a:rPr kumimoji="1" lang="zh-TW" altLang="en-US" sz="2800" dirty="0" smtClean="0"/>
-              <a:t>筆交易多個位址</a:t>
-            </a:r>
-            <a:r>
-              <a:rPr kumimoji="1" lang="zh-TW" altLang="en-US" sz="2800" smtClean="0"/>
-              <a:t>的情況）</a:t>
-            </a:r>
-            <a:endParaRPr kumimoji="1" lang="en-US" altLang="zh-TW" sz="3000" dirty="0"/>
-          </a:p>
-          <a:p>
-            <a:pPr>
-              <a:buClr>
-                <a:schemeClr val="accent1"/>
-              </a:buClr>
-            </a:pPr>
-            <a:r>
-              <a:rPr kumimoji="1" lang="en-US" altLang="zh-TW" sz="3000" dirty="0" err="1"/>
-              <a:t>GraphFrames</a:t>
-            </a:r>
-            <a:r>
-              <a:rPr kumimoji="1" lang="zh-CN" altLang="en-US" sz="3000" dirty="0"/>
-              <a:t>的</a:t>
-            </a:r>
-            <a:r>
-              <a:rPr kumimoji="1" lang="zh-TW" altLang="en-US" sz="3000" dirty="0"/>
-              <a:t>部分可以再做更多更深入的分析</a:t>
-            </a:r>
-            <a:endParaRPr kumimoji="1" lang="en-US" altLang="zh-TW" sz="3000" dirty="0"/>
-          </a:p>
-        </p:txBody>
-      </p:sp>
-    </p:spTree>
-    <p:extLst>
-      <p:ext uri="{BB962C8B-B14F-4D97-AF65-F5344CB8AC3E}">
-        <p14:creationId xmlns:p14="http://schemas.microsoft.com/office/powerpoint/2010/main" val="1180692080"/>
-      </p:ext>
-    </p:extLst>
-  </p:cSld>
-  <p:clrMapOvr>
-    <a:masterClrMapping/>
-  </p:clrMapOvr>
-</p:sld>
-</file>
-
-<file path=ppt/slides/slide23.xml><?xml version="1.0" encoding="utf-8"?>
-<p:sld xmlns:a="http://schemas.openxmlformats.org/drawingml/2006/main" xmlns:r="http://schemas.openxmlformats.org/officeDocument/2006/relationships" xmlns:p="http://schemas.openxmlformats.org/presentationml/2006/main">
-  <p:cSld>
-    <p:spTree>
-      <p:nvGrpSpPr>
-        <p:cNvPr id="1" name=""/>
-        <p:cNvGrpSpPr/>
-        <p:nvPr/>
-      </p:nvGrpSpPr>
-      <p:grpSpPr>
-        <a:xfrm>
-          <a:off x="0" y="0"/>
-          <a:ext cx="0" cy="0"/>
-          <a:chOff x="0" y="0"/>
-          <a:chExt cx="0" cy="0"/>
-        </a:xfrm>
-      </p:grpSpPr>
-      <p:sp>
-        <p:nvSpPr>
-          <p:cNvPr id="2" name="標題 1"/>
-          <p:cNvSpPr>
-            <a:spLocks noGrp="1"/>
-          </p:cNvSpPr>
-          <p:nvPr>
-            <p:ph type="title"/>
-          </p:nvPr>
-        </p:nvSpPr>
-        <p:spPr/>
-        <p:txBody>
-          <a:bodyPr/>
-          <a:lstStyle/>
-          <a:p>
-            <a:r>
-              <a:rPr kumimoji="1" lang="zh-TW" altLang="en-US" dirty="0"/>
               <a:t>分工</a:t>
             </a:r>
           </a:p>
@@ -9162,14 +9419,14 @@
                 <a:gridCol w="1160780">
                   <a:extLst>
                     <a:ext uri="{9D8B030D-6E8A-4147-A177-3AD203B41FA5}">
-                      <a16:colId xmlns="" xmlns:a16="http://schemas.microsoft.com/office/drawing/2014/main" val="20000"/>
+                      <a16:colId xmlns:a16="http://schemas.microsoft.com/office/drawing/2014/main" val="20000"/>
                     </a:ext>
                   </a:extLst>
                 </a:gridCol>
                 <a:gridCol w="4064000">
                   <a:extLst>
                     <a:ext uri="{9D8B030D-6E8A-4147-A177-3AD203B41FA5}">
-                      <a16:colId xmlns="" xmlns:a16="http://schemas.microsoft.com/office/drawing/2014/main" val="20001"/>
+                      <a16:colId xmlns:a16="http://schemas.microsoft.com/office/drawing/2014/main" val="20001"/>
                     </a:ext>
                   </a:extLst>
                 </a:gridCol>
@@ -9203,7 +9460,7 @@
                 </a:tc>
                 <a:extLst>
                   <a:ext uri="{0D108BD9-81ED-4DB2-BD59-A6C34878D82A}">
-                    <a16:rowId xmlns="" xmlns:a16="http://schemas.microsoft.com/office/drawing/2014/main" val="10000"/>
+                    <a16:rowId xmlns:a16="http://schemas.microsoft.com/office/drawing/2014/main" val="10000"/>
                   </a:ext>
                 </a:extLst>
               </a:tr>
@@ -9236,7 +9493,7 @@
                 </a:tc>
                 <a:extLst>
                   <a:ext uri="{0D108BD9-81ED-4DB2-BD59-A6C34878D82A}">
-                    <a16:rowId xmlns="" xmlns:a16="http://schemas.microsoft.com/office/drawing/2014/main" val="10001"/>
+                    <a16:rowId xmlns:a16="http://schemas.microsoft.com/office/drawing/2014/main" val="10001"/>
                   </a:ext>
                 </a:extLst>
               </a:tr>
@@ -9286,7 +9543,7 @@
                 </a:tc>
                 <a:extLst>
                   <a:ext uri="{0D108BD9-81ED-4DB2-BD59-A6C34878D82A}">
-                    <a16:rowId xmlns="" xmlns:a16="http://schemas.microsoft.com/office/drawing/2014/main" val="10002"/>
+                    <a16:rowId xmlns:a16="http://schemas.microsoft.com/office/drawing/2014/main" val="10002"/>
                   </a:ext>
                 </a:extLst>
               </a:tr>
@@ -9353,7 +9610,7 @@
                 </a:tc>
                 <a:extLst>
                   <a:ext uri="{0D108BD9-81ED-4DB2-BD59-A6C34878D82A}">
-                    <a16:rowId xmlns="" xmlns:a16="http://schemas.microsoft.com/office/drawing/2014/main" val="10003"/>
+                    <a16:rowId xmlns:a16="http://schemas.microsoft.com/office/drawing/2014/main" val="10003"/>
                   </a:ext>
                 </a:extLst>
               </a:tr>
@@ -9403,7 +9660,7 @@
                 </a:tc>
                 <a:extLst>
                   <a:ext uri="{0D108BD9-81ED-4DB2-BD59-A6C34878D82A}">
-                    <a16:rowId xmlns="" xmlns:a16="http://schemas.microsoft.com/office/drawing/2014/main" val="10004"/>
+                    <a16:rowId xmlns:a16="http://schemas.microsoft.com/office/drawing/2014/main" val="10004"/>
                   </a:ext>
                 </a:extLst>
               </a:tr>
@@ -9453,7 +9710,7 @@
                 </a:tc>
                 <a:extLst>
                   <a:ext uri="{0D108BD9-81ED-4DB2-BD59-A6C34878D82A}">
-                    <a16:rowId xmlns="" xmlns:a16="http://schemas.microsoft.com/office/drawing/2014/main" val="10005"/>
+                    <a16:rowId xmlns:a16="http://schemas.microsoft.com/office/drawing/2014/main" val="10005"/>
                   </a:ext>
                 </a:extLst>
               </a:tr>
@@ -9503,7 +9760,7 @@
                 </a:tc>
                 <a:extLst>
                   <a:ext uri="{0D108BD9-81ED-4DB2-BD59-A6C34878D82A}">
-                    <a16:rowId xmlns="" xmlns:a16="http://schemas.microsoft.com/office/drawing/2014/main" val="10006"/>
+                    <a16:rowId xmlns:a16="http://schemas.microsoft.com/office/drawing/2014/main" val="10006"/>
                   </a:ext>
                 </a:extLst>
               </a:tr>
@@ -9515,120 +9772,6 @@
     <p:extLst>
       <p:ext uri="{BB962C8B-B14F-4D97-AF65-F5344CB8AC3E}">
         <p14:creationId xmlns:p14="http://schemas.microsoft.com/office/powerpoint/2010/main" val="383836658"/>
-      </p:ext>
-    </p:extLst>
-  </p:cSld>
-  <p:clrMapOvr>
-    <a:masterClrMapping/>
-  </p:clrMapOvr>
-</p:sld>
-</file>
-
-<file path=ppt/slides/slide3.xml><?xml version="1.0" encoding="utf-8"?>
-<p:sld xmlns:a="http://schemas.openxmlformats.org/drawingml/2006/main" xmlns:r="http://schemas.openxmlformats.org/officeDocument/2006/relationships" xmlns:p="http://schemas.openxmlformats.org/presentationml/2006/main">
-  <p:cSld>
-    <p:spTree>
-      <p:nvGrpSpPr>
-        <p:cNvPr id="1" name=""/>
-        <p:cNvGrpSpPr/>
-        <p:nvPr/>
-      </p:nvGrpSpPr>
-      <p:grpSpPr>
-        <a:xfrm>
-          <a:off x="0" y="0"/>
-          <a:ext cx="0" cy="0"/>
-          <a:chOff x="0" y="0"/>
-          <a:chExt cx="0" cy="0"/>
-        </a:xfrm>
-      </p:grpSpPr>
-      <p:sp>
-        <p:nvSpPr>
-          <p:cNvPr id="2" name="標題 1"/>
-          <p:cNvSpPr>
-            <a:spLocks noGrp="1"/>
-          </p:cNvSpPr>
-          <p:nvPr>
-            <p:ph type="title"/>
-          </p:nvPr>
-        </p:nvSpPr>
-        <p:spPr/>
-        <p:txBody>
-          <a:bodyPr/>
-          <a:lstStyle/>
-          <a:p>
-            <a:r>
-              <a:rPr kumimoji="1" lang="zh-TW" altLang="en-US" dirty="0"/>
-              <a:t>位址</a:t>
-            </a:r>
-          </a:p>
-        </p:txBody>
-      </p:sp>
-      <p:sp>
-        <p:nvSpPr>
-          <p:cNvPr id="3" name="內容版面配置區 2"/>
-          <p:cNvSpPr>
-            <a:spLocks noGrp="1"/>
-          </p:cNvSpPr>
-          <p:nvPr>
-            <p:ph idx="1"/>
-          </p:nvPr>
-        </p:nvSpPr>
-        <p:spPr/>
-        <p:txBody>
-          <a:bodyPr>
-            <a:normAutofit/>
-          </a:bodyPr>
-          <a:lstStyle/>
-          <a:p>
-            <a:pPr>
-              <a:buClr>
-                <a:schemeClr val="accent1"/>
-              </a:buClr>
-            </a:pPr>
-            <a:r>
-              <a:rPr lang="zh-TW" altLang="en-US" sz="3000" dirty="0"/>
-              <a:t>由於比特幣採用基於公鑰的錢包地址作為用</a:t>
-            </a:r>
-            <a:r>
-              <a:rPr lang="zh-CN" altLang="en-US" sz="3000" dirty="0"/>
-              <a:t>戶</a:t>
-            </a:r>
-            <a:r>
-              <a:rPr lang="zh-TW" altLang="en-US" sz="3000" dirty="0"/>
-              <a:t>在區塊鏈網絡上的身份，且錢包地址由用</a:t>
-            </a:r>
-            <a:r>
-              <a:rPr lang="zh-CN" altLang="en-US" sz="3000" dirty="0"/>
-              <a:t>戶</a:t>
-            </a:r>
-            <a:r>
-              <a:rPr lang="zh-TW" altLang="en-US" sz="3000" dirty="0"/>
-              <a:t>自由生成，與用</a:t>
-            </a:r>
-            <a:r>
-              <a:rPr lang="zh-CN" altLang="en-US" sz="3000" dirty="0"/>
-              <a:t>戶</a:t>
-            </a:r>
-            <a:r>
-              <a:rPr lang="zh-TW" altLang="en-US" sz="3000" dirty="0"/>
-              <a:t>身份特徵無關，因此比特幣的匿名性導致人們很難推測用</a:t>
-            </a:r>
-            <a:r>
-              <a:rPr lang="zh-CN" altLang="en-US" sz="3000" dirty="0"/>
-              <a:t>戶</a:t>
-            </a:r>
-            <a:r>
-              <a:rPr lang="zh-TW" altLang="en-US" sz="3000" dirty="0"/>
-              <a:t>的真實身份信息。</a:t>
-            </a:r>
-            <a:endParaRPr lang="en-US" altLang="zh-TW" sz="3000" dirty="0"/>
-          </a:p>
-        </p:txBody>
-      </p:sp>
-    </p:spTree>
-    <p:extLst>
-      <p:ext uri="{BB962C8B-B14F-4D97-AF65-F5344CB8AC3E}">
-        <p14:creationId xmlns:p14="http://schemas.microsoft.com/office/powerpoint/2010/main" val="1942853648"/>
       </p:ext>
     </p:extLst>
   </p:cSld>
@@ -9672,7 +9815,7 @@
           <a:p>
             <a:r>
               <a:rPr kumimoji="1" lang="zh-TW" altLang="en-US" dirty="0"/>
-              <a:t>位址</a:t>
+              <a:t>目標</a:t>
             </a:r>
           </a:p>
         </p:txBody>
@@ -9700,34 +9843,10 @@
               </a:buClr>
             </a:pPr>
             <a:r>
-              <a:rPr lang="zh-TW" altLang="en-US" sz="3000" dirty="0"/>
-              <a:t>其長度固定為 </a:t>
-            </a:r>
-            <a:r>
-              <a:rPr lang="en-US" altLang="zh-TW" sz="3000" dirty="0"/>
-              <a:t>160 </a:t>
-            </a:r>
-            <a:r>
-              <a:rPr lang="zh-TW" altLang="en-US" sz="3000" dirty="0"/>
-              <a:t>個位元（</a:t>
-            </a:r>
-            <a:r>
-              <a:rPr lang="en-US" altLang="zh-TW" sz="3000" dirty="0"/>
-              <a:t>bits</a:t>
-            </a:r>
-            <a:r>
-              <a:rPr lang="zh-TW" altLang="en-US" sz="3000" dirty="0"/>
-              <a:t>），通常會利用 </a:t>
-            </a:r>
-            <a:r>
-              <a:rPr lang="en-US" altLang="zh-TW" sz="3000" dirty="0"/>
-              <a:t>Base58</a:t>
-            </a:r>
-            <a:r>
-              <a:rPr lang="zh-TW" altLang="en-US" sz="3000" dirty="0"/>
-              <a:t>將之編碼成一串由英文字母和數字所組成的字串，</a:t>
-            </a:r>
-            <a:endParaRPr lang="en-US" altLang="zh-TW" sz="3000" dirty="0"/>
+              <a:rPr kumimoji="1" lang="zh-TW" altLang="en-US" sz="3000" dirty="0"/>
+              <a:t>透過分析比特幣交易資料，判斷地址的用戶類型</a:t>
+            </a:r>
+            <a:endParaRPr kumimoji="1" lang="en-US" altLang="zh-TW" sz="3000" dirty="0"/>
           </a:p>
           <a:p>
             <a:pPr>
@@ -9736,21 +9855,16 @@
               </a:buClr>
             </a:pPr>
             <a:r>
-              <a:rPr lang="zh-TW" altLang="en-US" sz="3000" dirty="0"/>
-              <a:t>例如</a:t>
-            </a:r>
-            <a:r>
-              <a:rPr lang="en-US" altLang="zh-TW" sz="3000" dirty="0"/>
-              <a:t>"1DwunA9otZZQyhkVvkLJ8DV1tuSwMF7r3v"</a:t>
-            </a:r>
-            <a:endParaRPr kumimoji="1" lang="zh-TW" altLang="en-US" sz="3000" dirty="0"/>
+              <a:rPr kumimoji="1" lang="zh-TW" altLang="en-US" sz="3000" dirty="0"/>
+              <a:t>追踪不同類型用戶間資金流向</a:t>
+            </a:r>
           </a:p>
         </p:txBody>
       </p:sp>
     </p:spTree>
     <p:extLst>
       <p:ext uri="{BB962C8B-B14F-4D97-AF65-F5344CB8AC3E}">
-        <p14:creationId xmlns:p14="http://schemas.microsoft.com/office/powerpoint/2010/main" val="2139123324"/>
+        <p14:creationId xmlns:p14="http://schemas.microsoft.com/office/powerpoint/2010/main" val="1540838320"/>
       </p:ext>
     </p:extLst>
   </p:cSld>
@@ -9794,20 +9908,14 @@
           <a:p>
             <a:r>
               <a:rPr kumimoji="1" lang="zh-TW" altLang="en-US" dirty="0"/>
-              <a:t>資料</a:t>
+              <a:t>位址</a:t>
             </a:r>
           </a:p>
         </p:txBody>
       </p:sp>
       <p:sp>
         <p:nvSpPr>
-          <p:cNvPr id="4" name="內容版面配置區 2">
-            <a:extLst>
-              <a:ext uri="{FF2B5EF4-FFF2-40B4-BE49-F238E27FC236}">
-                <a16:creationId xmlns="" xmlns:a16="http://schemas.microsoft.com/office/drawing/2014/main" id="{FA15BE62-02C8-C64D-A50F-851C1A5FF9B5}"/>
-              </a:ext>
-            </a:extLst>
-          </p:cNvPr>
+          <p:cNvPr id="3" name="內容版面配置區 2"/>
           <p:cNvSpPr>
             <a:spLocks noGrp="1"/>
           </p:cNvSpPr>
@@ -9828,120 +9936,49 @@
               </a:buClr>
             </a:pPr>
             <a:r>
-              <a:rPr kumimoji="1" lang="en-US" altLang="zh-TW" sz="3000" dirty="0"/>
-              <a:t>Google </a:t>
-            </a:r>
-            <a:r>
-              <a:rPr kumimoji="1" lang="en-US" altLang="zh-TW" sz="3000" dirty="0" err="1"/>
-              <a:t>BigQuery</a:t>
-            </a:r>
-            <a:r>
-              <a:rPr kumimoji="1" lang="zh-TW" altLang="en-US" sz="3000" dirty="0"/>
-              <a:t>的公開資料庫</a:t>
-            </a:r>
-            <a:r>
-              <a:rPr kumimoji="1" lang="en-US" altLang="zh-TW" sz="3000" dirty="0"/>
-              <a:t>[</a:t>
-            </a:r>
-            <a:r>
-              <a:rPr kumimoji="1" lang="en-US" altLang="zh-TW" sz="3000" dirty="0" err="1"/>
-              <a:t>bitcoin_blockchain.transactions</a:t>
-            </a:r>
-            <a:r>
-              <a:rPr kumimoji="1" lang="en-US" altLang="zh-TW" sz="3000" dirty="0"/>
-              <a:t>]</a:t>
-            </a:r>
-          </a:p>
-          <a:p>
-            <a:pPr>
-              <a:buClr>
-                <a:schemeClr val="accent1"/>
-              </a:buClr>
-            </a:pPr>
-            <a:r>
-              <a:rPr kumimoji="1" lang="zh-TW" altLang="en-US" sz="3000" dirty="0"/>
-              <a:t>抓取</a:t>
-            </a:r>
-            <a:r>
-              <a:rPr kumimoji="1" lang="en-US" altLang="zh-TW" sz="3000" dirty="0"/>
-              <a:t>2018</a:t>
-            </a:r>
-            <a:r>
-              <a:rPr kumimoji="1" lang="zh-TW" altLang="en-US" sz="3000" dirty="0"/>
-              <a:t>年</a:t>
-            </a:r>
-            <a:r>
-              <a:rPr kumimoji="1" lang="en-US" altLang="zh-TW" sz="3000" dirty="0"/>
-              <a:t>8</a:t>
-            </a:r>
-            <a:r>
-              <a:rPr kumimoji="1" lang="zh-TW" altLang="en-US" sz="3000" dirty="0"/>
-              <a:t>月的資料</a:t>
-            </a:r>
-            <a:endParaRPr kumimoji="1" lang="en-US" altLang="zh-TW" sz="3000" dirty="0"/>
-          </a:p>
-          <a:p>
-            <a:pPr>
-              <a:buClr>
-                <a:schemeClr val="accent1"/>
-              </a:buClr>
-            </a:pPr>
-            <a:r>
-              <a:rPr kumimoji="1" lang="zh-TW" altLang="en-US" sz="3000" dirty="0"/>
-              <a:t>將</a:t>
-            </a:r>
-            <a:r>
-              <a:rPr kumimoji="1" lang="en-US" altLang="zh-TW" sz="3000" dirty="0"/>
-              <a:t>table</a:t>
-            </a:r>
-            <a:r>
-              <a:rPr kumimoji="1" lang="zh-TW" altLang="en-US" sz="3000" dirty="0"/>
-              <a:t>匯出並儲存於</a:t>
-            </a:r>
-            <a:r>
-              <a:rPr kumimoji="1" lang="en-US" altLang="zh-TW" sz="3000" dirty="0"/>
-              <a:t>GCP</a:t>
-            </a:r>
-            <a:r>
-              <a:rPr kumimoji="1" lang="zh-TW" altLang="en-US" sz="3000" dirty="0"/>
-              <a:t>的</a:t>
-            </a:r>
-            <a:r>
-              <a:rPr kumimoji="1" lang="en-US" altLang="zh-TW" sz="3000" dirty="0"/>
-              <a:t>Bucket</a:t>
-            </a:r>
-            <a:r>
-              <a:rPr kumimoji="1" lang="zh-TW" altLang="en-US" sz="3000" dirty="0"/>
-              <a:t>中</a:t>
-            </a:r>
-            <a:r>
-              <a:rPr kumimoji="1" lang="zh-CN" altLang="en-US" sz="3000" dirty="0"/>
-              <a:t>，建立多個資料分割檔案，最後匯出</a:t>
-            </a:r>
-            <a:r>
-              <a:rPr kumimoji="1" lang="en-US" altLang="zh-CN" sz="3000" dirty="0"/>
-              <a:t>17</a:t>
-            </a:r>
-            <a:r>
-              <a:rPr kumimoji="1" lang="zh-CN" altLang="en-US" sz="3000" dirty="0"/>
-              <a:t>個</a:t>
-            </a:r>
-            <a:r>
-              <a:rPr kumimoji="1" lang="en-US" altLang="zh-CN" sz="3000" dirty="0"/>
-              <a:t>csv</a:t>
-            </a:r>
-            <a:r>
-              <a:rPr kumimoji="1" lang="zh-CN" altLang="en-US" sz="3000" dirty="0"/>
-              <a:t>檔。</a:t>
-            </a:r>
-            <a:endParaRPr kumimoji="1" lang="en-US" altLang="zh-TW" sz="3000" dirty="0"/>
+              <a:rPr lang="zh-TW" altLang="en-US" sz="3000" dirty="0"/>
+              <a:t>由於比特幣採用基於公鑰的錢包地址作為用</a:t>
+            </a:r>
+            <a:r>
+              <a:rPr lang="zh-CN" altLang="en-US" sz="3000" dirty="0"/>
+              <a:t>戶</a:t>
+            </a:r>
+            <a:r>
+              <a:rPr lang="zh-TW" altLang="en-US" sz="3000" dirty="0"/>
+              <a:t>在區塊鏈網絡上的身份，且錢包地址由用</a:t>
+            </a:r>
+            <a:r>
+              <a:rPr lang="zh-CN" altLang="en-US" sz="3000" dirty="0"/>
+              <a:t>戶</a:t>
+            </a:r>
+            <a:r>
+              <a:rPr lang="zh-TW" altLang="en-US" sz="3000" dirty="0"/>
+              <a:t>自由生成，與用</a:t>
+            </a:r>
+            <a:r>
+              <a:rPr lang="zh-CN" altLang="en-US" sz="3000" dirty="0"/>
+              <a:t>戶</a:t>
+            </a:r>
+            <a:r>
+              <a:rPr lang="zh-TW" altLang="en-US" sz="3000" dirty="0"/>
+              <a:t>身份特徵無關，因此比特幣的匿名性導致人們很難推測用</a:t>
+            </a:r>
+            <a:r>
+              <a:rPr lang="zh-CN" altLang="en-US" sz="3000" dirty="0"/>
+              <a:t>戶</a:t>
+            </a:r>
+            <a:r>
+              <a:rPr lang="zh-TW" altLang="en-US" sz="3000" dirty="0"/>
+              <a:t>的真實身份信息。</a:t>
+            </a:r>
+            <a:endParaRPr lang="en-US" altLang="zh-TW" sz="3000" dirty="0"/>
           </a:p>
         </p:txBody>
       </p:sp>
     </p:spTree>
     <p:extLst>
       <p:ext uri="{BB962C8B-B14F-4D97-AF65-F5344CB8AC3E}">
-        <p14:creationId xmlns:p14="http://schemas.microsoft.com/office/powerpoint/2010/main" val="820181868"/>
+        <p14:creationId xmlns:p14="http://schemas.microsoft.com/office/powerpoint/2010/main" val="1942853648"/>
       </p:ext>
     </p:extLst>
   </p:cSld>
@@ -9985,6 +10022,319 @@
           <a:p>
             <a:r>
               <a:rPr kumimoji="1" lang="zh-TW" altLang="en-US" dirty="0"/>
+              <a:t>位址</a:t>
+            </a:r>
+          </a:p>
+        </p:txBody>
+      </p:sp>
+      <p:sp>
+        <p:nvSpPr>
+          <p:cNvPr id="3" name="內容版面配置區 2"/>
+          <p:cNvSpPr>
+            <a:spLocks noGrp="1"/>
+          </p:cNvSpPr>
+          <p:nvPr>
+            <p:ph idx="1"/>
+          </p:nvPr>
+        </p:nvSpPr>
+        <p:spPr/>
+        <p:txBody>
+          <a:bodyPr>
+            <a:normAutofit/>
+          </a:bodyPr>
+          <a:lstStyle/>
+          <a:p>
+            <a:pPr>
+              <a:buClr>
+                <a:schemeClr val="accent1"/>
+              </a:buClr>
+            </a:pPr>
+            <a:r>
+              <a:rPr lang="zh-TW" altLang="en-US" sz="3000" dirty="0"/>
+              <a:t>其長度固定為 </a:t>
+            </a:r>
+            <a:r>
+              <a:rPr lang="en-US" altLang="zh-TW" sz="3000" dirty="0"/>
+              <a:t>160 </a:t>
+            </a:r>
+            <a:r>
+              <a:rPr lang="zh-TW" altLang="en-US" sz="3000" dirty="0"/>
+              <a:t>個位元（</a:t>
+            </a:r>
+            <a:r>
+              <a:rPr lang="en-US" altLang="zh-TW" sz="3000" dirty="0"/>
+              <a:t>bits</a:t>
+            </a:r>
+            <a:r>
+              <a:rPr lang="zh-TW" altLang="en-US" sz="3000" dirty="0"/>
+              <a:t>），通常會利用 </a:t>
+            </a:r>
+            <a:r>
+              <a:rPr lang="en-US" altLang="zh-TW" sz="3000" dirty="0"/>
+              <a:t>Base58</a:t>
+            </a:r>
+            <a:r>
+              <a:rPr lang="zh-TW" altLang="en-US" sz="3000" dirty="0"/>
+              <a:t>將之編碼成一串由英文字母和數字所組成的字串，</a:t>
+            </a:r>
+            <a:endParaRPr lang="en-US" altLang="zh-TW" sz="3000" dirty="0"/>
+          </a:p>
+          <a:p>
+            <a:pPr>
+              <a:buClr>
+                <a:schemeClr val="accent1"/>
+              </a:buClr>
+            </a:pPr>
+            <a:r>
+              <a:rPr lang="zh-TW" altLang="en-US" sz="3000" dirty="0"/>
+              <a:t>例如</a:t>
+            </a:r>
+            <a:r>
+              <a:rPr lang="en-US" altLang="zh-TW" sz="3000" dirty="0"/>
+              <a:t>"1DwunA9otZZQyhkVvkLJ8DV1tuSwMF7r3v"</a:t>
+            </a:r>
+            <a:endParaRPr kumimoji="1" lang="zh-TW" altLang="en-US" sz="3000" dirty="0"/>
+          </a:p>
+        </p:txBody>
+      </p:sp>
+    </p:spTree>
+    <p:extLst>
+      <p:ext uri="{BB962C8B-B14F-4D97-AF65-F5344CB8AC3E}">
+        <p14:creationId xmlns:p14="http://schemas.microsoft.com/office/powerpoint/2010/main" val="2139123324"/>
+      </p:ext>
+    </p:extLst>
+  </p:cSld>
+  <p:clrMapOvr>
+    <a:masterClrMapping/>
+  </p:clrMapOvr>
+</p:sld>
+</file>
+
+<file path=ppt/slides/slide7.xml><?xml version="1.0" encoding="utf-8"?>
+<p:sld xmlns:a="http://schemas.openxmlformats.org/drawingml/2006/main" xmlns:r="http://schemas.openxmlformats.org/officeDocument/2006/relationships" xmlns:p="http://schemas.openxmlformats.org/presentationml/2006/main">
+  <p:cSld>
+    <p:spTree>
+      <p:nvGrpSpPr>
+        <p:cNvPr id="1" name=""/>
+        <p:cNvGrpSpPr/>
+        <p:nvPr/>
+      </p:nvGrpSpPr>
+      <p:grpSpPr>
+        <a:xfrm>
+          <a:off x="0" y="0"/>
+          <a:ext cx="0" cy="0"/>
+          <a:chOff x="0" y="0"/>
+          <a:chExt cx="0" cy="0"/>
+        </a:xfrm>
+      </p:grpSpPr>
+      <p:sp>
+        <p:nvSpPr>
+          <p:cNvPr id="2" name="標題 1"/>
+          <p:cNvSpPr>
+            <a:spLocks noGrp="1"/>
+          </p:cNvSpPr>
+          <p:nvPr>
+            <p:ph type="title"/>
+          </p:nvPr>
+        </p:nvSpPr>
+        <p:spPr/>
+        <p:txBody>
+          <a:bodyPr/>
+          <a:lstStyle/>
+          <a:p>
+            <a:r>
+              <a:rPr kumimoji="1" lang="zh-TW" altLang="en-US" dirty="0"/>
+              <a:t>資料</a:t>
+            </a:r>
+          </a:p>
+        </p:txBody>
+      </p:sp>
+      <p:sp>
+        <p:nvSpPr>
+          <p:cNvPr id="4" name="內容版面配置區 2">
+            <a:extLst>
+              <a:ext uri="{FF2B5EF4-FFF2-40B4-BE49-F238E27FC236}">
+                <a16:creationId xmlns:a16="http://schemas.microsoft.com/office/drawing/2014/main" id="{FA15BE62-02C8-C64D-A50F-851C1A5FF9B5}"/>
+              </a:ext>
+            </a:extLst>
+          </p:cNvPr>
+          <p:cNvSpPr>
+            <a:spLocks noGrp="1"/>
+          </p:cNvSpPr>
+          <p:nvPr>
+            <p:ph idx="1"/>
+          </p:nvPr>
+        </p:nvSpPr>
+        <p:spPr/>
+        <p:txBody>
+          <a:bodyPr>
+            <a:normAutofit/>
+          </a:bodyPr>
+          <a:lstStyle/>
+          <a:p>
+            <a:pPr>
+              <a:buClr>
+                <a:schemeClr val="accent1"/>
+              </a:buClr>
+            </a:pPr>
+            <a:r>
+              <a:rPr kumimoji="1" lang="en-US" altLang="zh-TW" sz="3000" dirty="0"/>
+              <a:t>Google </a:t>
+            </a:r>
+            <a:r>
+              <a:rPr kumimoji="1" lang="en-US" altLang="zh-TW" sz="3000" dirty="0" err="1"/>
+              <a:t>BigQuery</a:t>
+            </a:r>
+            <a:r>
+              <a:rPr kumimoji="1" lang="zh-TW" altLang="en-US" sz="3000" dirty="0"/>
+              <a:t>的公開資料庫</a:t>
+            </a:r>
+            <a:r>
+              <a:rPr kumimoji="1" lang="en-US" altLang="zh-TW" sz="3000" dirty="0"/>
+              <a:t>[</a:t>
+            </a:r>
+            <a:r>
+              <a:rPr kumimoji="1" lang="en-US" altLang="zh-TW" sz="3000" dirty="0" err="1"/>
+              <a:t>bitcoin_blockchain.transactions</a:t>
+            </a:r>
+            <a:r>
+              <a:rPr kumimoji="1" lang="en-US" altLang="zh-TW" sz="3000" dirty="0"/>
+              <a:t>]</a:t>
+            </a:r>
+          </a:p>
+          <a:p>
+            <a:pPr>
+              <a:buClr>
+                <a:schemeClr val="accent1"/>
+              </a:buClr>
+            </a:pPr>
+            <a:r>
+              <a:rPr kumimoji="1" lang="zh-TW" altLang="en-US" sz="3000" dirty="0"/>
+              <a:t>抓取</a:t>
+            </a:r>
+            <a:r>
+              <a:rPr kumimoji="1" lang="en-US" altLang="zh-TW" sz="3000" dirty="0"/>
+              <a:t>2018</a:t>
+            </a:r>
+            <a:r>
+              <a:rPr kumimoji="1" lang="zh-TW" altLang="en-US" sz="3000" dirty="0"/>
+              <a:t>年</a:t>
+            </a:r>
+            <a:r>
+              <a:rPr kumimoji="1" lang="en-US" altLang="zh-TW" sz="3000" dirty="0"/>
+              <a:t>8</a:t>
+            </a:r>
+            <a:r>
+              <a:rPr kumimoji="1" lang="zh-TW" altLang="en-US" sz="3000" dirty="0"/>
+              <a:t>月的資料</a:t>
+            </a:r>
+            <a:endParaRPr kumimoji="1" lang="en-US" altLang="zh-TW" sz="3000" dirty="0"/>
+          </a:p>
+          <a:p>
+            <a:pPr>
+              <a:buClr>
+                <a:schemeClr val="accent1"/>
+              </a:buClr>
+            </a:pPr>
+            <a:r>
+              <a:rPr kumimoji="1" lang="zh-TW" altLang="en-US" sz="3000" dirty="0"/>
+              <a:t>將</a:t>
+            </a:r>
+            <a:r>
+              <a:rPr kumimoji="1" lang="en-US" altLang="zh-TW" sz="3000" dirty="0"/>
+              <a:t>table</a:t>
+            </a:r>
+            <a:r>
+              <a:rPr kumimoji="1" lang="zh-TW" altLang="en-US" sz="3000" dirty="0"/>
+              <a:t>匯出並儲存於</a:t>
+            </a:r>
+            <a:r>
+              <a:rPr kumimoji="1" lang="en-US" altLang="zh-TW" sz="3000" dirty="0"/>
+              <a:t>GCP</a:t>
+            </a:r>
+            <a:r>
+              <a:rPr kumimoji="1" lang="zh-TW" altLang="en-US" sz="3000" dirty="0"/>
+              <a:t>的</a:t>
+            </a:r>
+            <a:r>
+              <a:rPr kumimoji="1" lang="en-US" altLang="zh-TW" sz="3000" dirty="0"/>
+              <a:t>Bucket</a:t>
+            </a:r>
+            <a:r>
+              <a:rPr kumimoji="1" lang="zh-TW" altLang="en-US" sz="3000" dirty="0"/>
+              <a:t>中</a:t>
+            </a:r>
+            <a:r>
+              <a:rPr kumimoji="1" lang="zh-CN" altLang="en-US" sz="3000" dirty="0"/>
+              <a:t>，建立多個資料分割檔案，最後匯出</a:t>
+            </a:r>
+            <a:r>
+              <a:rPr kumimoji="1" lang="en-US" altLang="zh-CN" sz="3000" dirty="0"/>
+              <a:t>17</a:t>
+            </a:r>
+            <a:r>
+              <a:rPr kumimoji="1" lang="zh-CN" altLang="en-US" sz="3000" dirty="0"/>
+              <a:t>個</a:t>
+            </a:r>
+            <a:r>
+              <a:rPr kumimoji="1" lang="en-US" altLang="zh-CN" sz="3000" dirty="0"/>
+              <a:t>csv</a:t>
+            </a:r>
+            <a:r>
+              <a:rPr kumimoji="1" lang="zh-CN" altLang="en-US" sz="3000" dirty="0"/>
+              <a:t>檔。</a:t>
+            </a:r>
+            <a:endParaRPr kumimoji="1" lang="en-US" altLang="zh-TW" sz="3000" dirty="0"/>
+          </a:p>
+        </p:txBody>
+      </p:sp>
+    </p:spTree>
+    <p:extLst>
+      <p:ext uri="{BB962C8B-B14F-4D97-AF65-F5344CB8AC3E}">
+        <p14:creationId xmlns:p14="http://schemas.microsoft.com/office/powerpoint/2010/main" val="820181868"/>
+      </p:ext>
+    </p:extLst>
+  </p:cSld>
+  <p:clrMapOvr>
+    <a:masterClrMapping/>
+  </p:clrMapOvr>
+</p:sld>
+</file>
+
+<file path=ppt/slides/slide8.xml><?xml version="1.0" encoding="utf-8"?>
+<p:sld xmlns:a="http://schemas.openxmlformats.org/drawingml/2006/main" xmlns:r="http://schemas.openxmlformats.org/officeDocument/2006/relationships" xmlns:p="http://schemas.openxmlformats.org/presentationml/2006/main">
+  <p:cSld>
+    <p:spTree>
+      <p:nvGrpSpPr>
+        <p:cNvPr id="1" name=""/>
+        <p:cNvGrpSpPr/>
+        <p:nvPr/>
+      </p:nvGrpSpPr>
+      <p:grpSpPr>
+        <a:xfrm>
+          <a:off x="0" y="0"/>
+          <a:ext cx="0" cy="0"/>
+          <a:chOff x="0" y="0"/>
+          <a:chExt cx="0" cy="0"/>
+        </a:xfrm>
+      </p:grpSpPr>
+      <p:sp>
+        <p:nvSpPr>
+          <p:cNvPr id="2" name="標題 1"/>
+          <p:cNvSpPr>
+            <a:spLocks noGrp="1"/>
+          </p:cNvSpPr>
+          <p:nvPr>
+            <p:ph type="title"/>
+          </p:nvPr>
+        </p:nvSpPr>
+        <p:spPr/>
+        <p:txBody>
+          <a:bodyPr/>
+          <a:lstStyle/>
+          <a:p>
+            <a:r>
+              <a:rPr kumimoji="1" lang="zh-TW" altLang="en-US" dirty="0"/>
               <a:t>資料</a:t>
             </a:r>
           </a:p>
@@ -9995,7 +10345,7 @@
           <p:cNvPr id="9" name="內容版面配置區 8">
             <a:extLst>
               <a:ext uri="{FF2B5EF4-FFF2-40B4-BE49-F238E27FC236}">
-                <a16:creationId xmlns="" xmlns:a16="http://schemas.microsoft.com/office/drawing/2014/main" id="{7319687B-E248-B848-A2E6-4EC630C6791D}"/>
+                <a16:creationId xmlns:a16="http://schemas.microsoft.com/office/drawing/2014/main" id="{7319687B-E248-B848-A2E6-4EC630C6791D}"/>
               </a:ext>
             </a:extLst>
           </p:cNvPr>
@@ -10032,341 +10382,6 @@
 </p:sld>
 </file>
 
-<file path=ppt/slides/slide7.xml><?xml version="1.0" encoding="utf-8"?>
-<p:sld xmlns:a="http://schemas.openxmlformats.org/drawingml/2006/main" xmlns:r="http://schemas.openxmlformats.org/officeDocument/2006/relationships" xmlns:p="http://schemas.openxmlformats.org/presentationml/2006/main">
-  <p:cSld>
-    <p:spTree>
-      <p:nvGrpSpPr>
-        <p:cNvPr id="1" name=""/>
-        <p:cNvGrpSpPr/>
-        <p:nvPr/>
-      </p:nvGrpSpPr>
-      <p:grpSpPr>
-        <a:xfrm>
-          <a:off x="0" y="0"/>
-          <a:ext cx="0" cy="0"/>
-          <a:chOff x="0" y="0"/>
-          <a:chExt cx="0" cy="0"/>
-        </a:xfrm>
-      </p:grpSpPr>
-      <p:sp>
-        <p:nvSpPr>
-          <p:cNvPr id="2" name="標題 1"/>
-          <p:cNvSpPr>
-            <a:spLocks noGrp="1"/>
-          </p:cNvSpPr>
-          <p:nvPr>
-            <p:ph type="title"/>
-          </p:nvPr>
-        </p:nvSpPr>
-        <p:spPr/>
-        <p:txBody>
-          <a:bodyPr/>
-          <a:lstStyle/>
-          <a:p>
-            <a:r>
-              <a:rPr kumimoji="1" lang="zh-TW" altLang="en-US" dirty="0"/>
-              <a:t>資料</a:t>
-            </a:r>
-          </a:p>
-        </p:txBody>
-      </p:sp>
-      <p:sp>
-        <p:nvSpPr>
-          <p:cNvPr id="7" name="內容版面配置區 2">
-            <a:extLst>
-              <a:ext uri="{FF2B5EF4-FFF2-40B4-BE49-F238E27FC236}">
-                <a16:creationId xmlns="" xmlns:a16="http://schemas.microsoft.com/office/drawing/2014/main" id="{1D97C549-1CC0-944F-83D5-5BCA1042BFCD}"/>
-              </a:ext>
-            </a:extLst>
-          </p:cNvPr>
-          <p:cNvSpPr>
-            <a:spLocks noGrp="1"/>
-          </p:cNvSpPr>
-          <p:nvPr>
-            <p:ph idx="1"/>
-          </p:nvPr>
-        </p:nvSpPr>
-        <p:spPr/>
-        <p:txBody>
-          <a:bodyPr>
-            <a:normAutofit/>
-          </a:bodyPr>
-          <a:lstStyle/>
-          <a:p>
-            <a:pPr>
-              <a:buClr>
-                <a:schemeClr val="accent1"/>
-              </a:buClr>
-            </a:pPr>
-            <a:r>
-              <a:rPr kumimoji="1" lang="zh-TW" altLang="en-US" sz="3000" dirty="0"/>
-              <a:t>限制</a:t>
-            </a:r>
-            <a:r>
-              <a:rPr kumimoji="1" lang="en-US" altLang="zh-TW" sz="3000" dirty="0" err="1"/>
-              <a:t>work_error</a:t>
-            </a:r>
-            <a:r>
-              <a:rPr kumimoji="1" lang="zh-TW" altLang="en-US" sz="3000" dirty="0"/>
-              <a:t>必須為</a:t>
-            </a:r>
-            <a:r>
-              <a:rPr kumimoji="1" lang="en-US" altLang="zh-TW" sz="3000" dirty="0"/>
-              <a:t>NULL</a:t>
-            </a:r>
-          </a:p>
-          <a:p>
-            <a:pPr>
-              <a:buClr>
-                <a:schemeClr val="accent1"/>
-              </a:buClr>
-            </a:pPr>
-            <a:r>
-              <a:rPr kumimoji="1" lang="en-US" altLang="zh-TW" sz="3000" dirty="0"/>
-              <a:t>timestamp</a:t>
-            </a:r>
-            <a:r>
-              <a:rPr kumimoji="1" lang="zh-TW" altLang="en-US" sz="3000" dirty="0"/>
-              <a:t>為</a:t>
-            </a:r>
-            <a:r>
-              <a:rPr kumimoji="1" lang="en-US" altLang="zh-TW" sz="3000" dirty="0"/>
-              <a:t>2018</a:t>
-            </a:r>
-            <a:r>
-              <a:rPr kumimoji="1" lang="zh-TW" altLang="en-US" sz="3000" dirty="0"/>
-              <a:t>年</a:t>
-            </a:r>
-            <a:r>
-              <a:rPr kumimoji="1" lang="en-US" altLang="zh-TW" sz="3000" dirty="0"/>
-              <a:t>8</a:t>
-            </a:r>
-            <a:r>
-              <a:rPr kumimoji="1" lang="zh-TW" altLang="en-US" sz="3000" dirty="0"/>
-              <a:t>月</a:t>
-            </a:r>
-            <a:r>
-              <a:rPr kumimoji="1" lang="en-US" altLang="zh-TW" sz="3000" dirty="0"/>
-              <a:t>1</a:t>
-            </a:r>
-            <a:r>
-              <a:rPr kumimoji="1" lang="zh-TW" altLang="en-US" sz="3000" dirty="0"/>
-              <a:t>日</a:t>
-            </a:r>
-            <a:r>
-              <a:rPr kumimoji="1" lang="en-US" altLang="zh-TW" sz="3000" dirty="0"/>
-              <a:t>00:00:01</a:t>
-            </a:r>
-            <a:r>
-              <a:rPr kumimoji="1" lang="zh-TW" altLang="en-US" sz="3000" dirty="0"/>
-              <a:t>到</a:t>
-            </a:r>
-            <a:r>
-              <a:rPr kumimoji="1" lang="en-US" altLang="zh-TW" sz="3000" dirty="0"/>
-              <a:t>2018</a:t>
-            </a:r>
-            <a:r>
-              <a:rPr kumimoji="1" lang="zh-TW" altLang="en-US" sz="3000" dirty="0"/>
-              <a:t>年</a:t>
-            </a:r>
-            <a:r>
-              <a:rPr kumimoji="1" lang="en-US" altLang="zh-TW" sz="3000" dirty="0"/>
-              <a:t>9</a:t>
-            </a:r>
-            <a:r>
-              <a:rPr kumimoji="1" lang="zh-TW" altLang="en-US" sz="3000" dirty="0"/>
-              <a:t>月</a:t>
-            </a:r>
-            <a:r>
-              <a:rPr kumimoji="1" lang="en-US" altLang="zh-TW" sz="3000" dirty="0"/>
-              <a:t>1</a:t>
-            </a:r>
-            <a:r>
-              <a:rPr kumimoji="1" lang="zh-TW" altLang="en-US" sz="3000" dirty="0"/>
-              <a:t>日</a:t>
-            </a:r>
-            <a:r>
-              <a:rPr kumimoji="1" lang="en-US" altLang="zh-TW" sz="3000" dirty="0"/>
-              <a:t>00:00:00</a:t>
-            </a:r>
-          </a:p>
-          <a:p>
-            <a:pPr>
-              <a:buClr>
-                <a:schemeClr val="accent1"/>
-              </a:buClr>
-            </a:pPr>
-            <a:r>
-              <a:rPr kumimoji="1" lang="zh-TW" altLang="en-US" sz="3000" dirty="0"/>
-              <a:t>將</a:t>
-            </a:r>
-            <a:r>
-              <a:rPr kumimoji="1" lang="en-US" altLang="zh-TW" sz="3000" dirty="0"/>
-              <a:t>timestamp</a:t>
-            </a:r>
-            <a:r>
-              <a:rPr kumimoji="1" lang="zh-TW" altLang="en-US" sz="3000" dirty="0"/>
-              <a:t>轉換成方便閱讀的日期欄位：</a:t>
-            </a:r>
-            <a:r>
-              <a:rPr kumimoji="1" lang="en-US" altLang="zh-TW" sz="3000" dirty="0" err="1"/>
-              <a:t>DTime</a:t>
-            </a:r>
-            <a:endParaRPr kumimoji="1" lang="en-US" altLang="zh-TW" sz="3000" dirty="0"/>
-          </a:p>
-          <a:p>
-            <a:pPr>
-              <a:buClr>
-                <a:schemeClr val="accent1"/>
-              </a:buClr>
-            </a:pPr>
-            <a:r>
-              <a:rPr kumimoji="1" lang="zh-TW" altLang="en-US" sz="3000" dirty="0"/>
-              <a:t>留下五個欄位：</a:t>
-            </a:r>
-            <a:endParaRPr kumimoji="1" lang="en-US" altLang="zh-TW" sz="3000" dirty="0"/>
-          </a:p>
-          <a:p>
-            <a:pPr lvl="1">
-              <a:buClr>
-                <a:schemeClr val="accent1"/>
-              </a:buClr>
-            </a:pPr>
-            <a:r>
-              <a:rPr lang="en-US" altLang="zh-TW" i="1" dirty="0" err="1"/>
-              <a:t>DTime</a:t>
-            </a:r>
-            <a:r>
-              <a:rPr lang="zh-TW" altLang="en-US" i="1" dirty="0"/>
-              <a:t>、</a:t>
-            </a:r>
-            <a:r>
-              <a:rPr lang="en-US" altLang="zh-TW" i="1" dirty="0" err="1"/>
-              <a:t>transaction_id</a:t>
-            </a:r>
-            <a:r>
-              <a:rPr lang="zh-TW" altLang="en-US" i="1" dirty="0"/>
-              <a:t>、</a:t>
-            </a:r>
-            <a:r>
-              <a:rPr lang="en-US" altLang="zh-TW" i="1" dirty="0"/>
-              <a:t>inputs_input_pubkey_base58</a:t>
-            </a:r>
-            <a:r>
-              <a:rPr lang="zh-TW" altLang="en-US" i="1" dirty="0"/>
-              <a:t>、</a:t>
-            </a:r>
-            <a:r>
-              <a:rPr lang="en-US" altLang="zh-TW" i="1" dirty="0" err="1"/>
-              <a:t>outputs_output_satoshis</a:t>
-            </a:r>
-            <a:r>
-              <a:rPr lang="zh-TW" altLang="en-US" i="1" dirty="0"/>
-              <a:t>、</a:t>
-            </a:r>
-            <a:r>
-              <a:rPr lang="en-US" altLang="zh-TW" i="1" dirty="0"/>
-              <a:t>outputs_output_pubkey_base58</a:t>
-            </a:r>
-            <a:endParaRPr kumimoji="1" lang="en-US" altLang="zh-TW" sz="2800" dirty="0"/>
-          </a:p>
-        </p:txBody>
-      </p:sp>
-    </p:spTree>
-    <p:extLst>
-      <p:ext uri="{BB962C8B-B14F-4D97-AF65-F5344CB8AC3E}">
-        <p14:creationId xmlns:p14="http://schemas.microsoft.com/office/powerpoint/2010/main" val="1350046116"/>
-      </p:ext>
-    </p:extLst>
-  </p:cSld>
-  <p:clrMapOvr>
-    <a:masterClrMapping/>
-  </p:clrMapOvr>
-</p:sld>
-</file>
-
-<file path=ppt/slides/slide8.xml><?xml version="1.0" encoding="utf-8"?>
-<p:sld xmlns:a="http://schemas.openxmlformats.org/drawingml/2006/main" xmlns:r="http://schemas.openxmlformats.org/officeDocument/2006/relationships" xmlns:p="http://schemas.openxmlformats.org/presentationml/2006/main">
-  <p:cSld>
-    <p:spTree>
-      <p:nvGrpSpPr>
-        <p:cNvPr id="1" name=""/>
-        <p:cNvGrpSpPr/>
-        <p:nvPr/>
-      </p:nvGrpSpPr>
-      <p:grpSpPr>
-        <a:xfrm>
-          <a:off x="0" y="0"/>
-          <a:ext cx="0" cy="0"/>
-          <a:chOff x="0" y="0"/>
-          <a:chExt cx="0" cy="0"/>
-        </a:xfrm>
-      </p:grpSpPr>
-      <p:sp>
-        <p:nvSpPr>
-          <p:cNvPr id="2" name="標題 1"/>
-          <p:cNvSpPr>
-            <a:spLocks noGrp="1"/>
-          </p:cNvSpPr>
-          <p:nvPr>
-            <p:ph type="title"/>
-          </p:nvPr>
-        </p:nvSpPr>
-        <p:spPr/>
-        <p:txBody>
-          <a:bodyPr/>
-          <a:lstStyle/>
-          <a:p>
-            <a:r>
-              <a:rPr kumimoji="1" lang="zh-TW" altLang="en-US" dirty="0"/>
-              <a:t>資料</a:t>
-            </a:r>
-          </a:p>
-        </p:txBody>
-      </p:sp>
-      <p:pic>
-        <p:nvPicPr>
-          <p:cNvPr id="7" name="內容版面配置區 6">
-            <a:extLst>
-              <a:ext uri="{FF2B5EF4-FFF2-40B4-BE49-F238E27FC236}">
-                <a16:creationId xmlns="" xmlns:a16="http://schemas.microsoft.com/office/drawing/2014/main" id="{DE56361A-5A56-8445-95A9-559543230EA6}"/>
-              </a:ext>
-            </a:extLst>
-          </p:cNvPr>
-          <p:cNvPicPr>
-            <a:picLocks noGrp="1" noChangeAspect="1"/>
-          </p:cNvPicPr>
-          <p:nvPr>
-            <p:ph idx="1"/>
-          </p:nvPr>
-        </p:nvPicPr>
-        <p:blipFill>
-          <a:blip r:embed="rId2"/>
-          <a:stretch>
-            <a:fillRect/>
-          </a:stretch>
-        </p:blipFill>
-        <p:spPr>
-          <a:xfrm>
-            <a:off x="2908551" y="1395351"/>
-            <a:ext cx="6247323" cy="5055638"/>
-          </a:xfrm>
-        </p:spPr>
-      </p:pic>
-    </p:spTree>
-    <p:extLst>
-      <p:ext uri="{BB962C8B-B14F-4D97-AF65-F5344CB8AC3E}">
-        <p14:creationId xmlns:p14="http://schemas.microsoft.com/office/powerpoint/2010/main" val="984263058"/>
-      </p:ext>
-    </p:extLst>
-  </p:cSld>
-  <p:clrMapOvr>
-    <a:masterClrMapping/>
-  </p:clrMapOvr>
-</p:sld>
-</file>
-
 <file path=ppt/slides/slide9.xml><?xml version="1.0" encoding="utf-8"?>
 <p:sld xmlns:a="http://schemas.openxmlformats.org/drawingml/2006/main" xmlns:r="http://schemas.openxmlformats.org/officeDocument/2006/relationships" xmlns:p="http://schemas.openxmlformats.org/presentationml/2006/main">
   <p:cSld>
@@ -10401,14 +10416,20 @@
           <a:p>
             <a:r>
               <a:rPr kumimoji="1" lang="zh-TW" altLang="en-US" dirty="0"/>
-              <a:t>位址用戶類型</a:t>
+              <a:t>資料</a:t>
             </a:r>
           </a:p>
         </p:txBody>
       </p:sp>
       <p:sp>
         <p:nvSpPr>
-          <p:cNvPr id="3" name="內容版面配置區 2"/>
+          <p:cNvPr id="7" name="內容版面配置區 2">
+            <a:extLst>
+              <a:ext uri="{FF2B5EF4-FFF2-40B4-BE49-F238E27FC236}">
+                <a16:creationId xmlns:a16="http://schemas.microsoft.com/office/drawing/2014/main" id="{1D97C549-1CC0-944F-83D5-5BCA1042BFCD}"/>
+              </a:ext>
+            </a:extLst>
+          </p:cNvPr>
           <p:cNvSpPr>
             <a:spLocks noGrp="1"/>
           </p:cNvSpPr>
@@ -10430,9 +10451,20 @@
             </a:pPr>
             <a:r>
               <a:rPr kumimoji="1" lang="zh-TW" altLang="en-US" sz="3000" dirty="0"/>
-              <a:t>個人（散戶）</a:t>
-            </a:r>
-            <a:endParaRPr kumimoji="1" lang="en-US" altLang="zh-TW" sz="3000" dirty="0"/>
+              <a:t>限制</a:t>
+            </a:r>
+            <a:r>
+              <a:rPr kumimoji="1" lang="en-US" altLang="zh-TW" sz="3000" dirty="0" err="1"/>
+              <a:t>work_error</a:t>
+            </a:r>
+            <a:r>
+              <a:rPr kumimoji="1" lang="zh-TW" altLang="en-US" sz="3000" dirty="0"/>
+              <a:t>必須為</a:t>
+            </a:r>
+            <a:r>
+              <a:rPr kumimoji="1" lang="en-US" altLang="zh-TW" sz="3000" dirty="0"/>
+              <a:t>NULL</a:t>
+            </a:r>
           </a:p>
           <a:p>
             <a:pPr>
@@ -10441,10 +10473,73 @@
               </a:buClr>
             </a:pPr>
             <a:r>
+              <a:rPr kumimoji="1" lang="en-US" altLang="zh-TW" sz="3000" dirty="0"/>
+              <a:t>timestamp</a:t>
+            </a:r>
+            <a:r>
               <a:rPr kumimoji="1" lang="zh-TW" altLang="en-US" sz="3000" dirty="0"/>
-              <a:t>礦池</a:t>
-            </a:r>
-            <a:endParaRPr kumimoji="1" lang="en-US" altLang="zh-TW" sz="3000" dirty="0"/>
+              <a:t>為</a:t>
+            </a:r>
+            <a:r>
+              <a:rPr kumimoji="1" lang="en-US" altLang="zh-TW" sz="3000" dirty="0"/>
+              <a:t>2018</a:t>
+            </a:r>
+            <a:r>
+              <a:rPr kumimoji="1" lang="zh-TW" altLang="en-US" sz="3000" dirty="0"/>
+              <a:t>年</a:t>
+            </a:r>
+            <a:r>
+              <a:rPr kumimoji="1" lang="en-US" altLang="zh-TW" sz="3000" dirty="0"/>
+              <a:t>8</a:t>
+            </a:r>
+            <a:r>
+              <a:rPr kumimoji="1" lang="zh-TW" altLang="en-US" sz="3000" dirty="0"/>
+              <a:t>月</a:t>
+            </a:r>
+            <a:r>
+              <a:rPr kumimoji="1" lang="en-US" altLang="zh-TW" sz="3000" dirty="0"/>
+              <a:t>1</a:t>
+            </a:r>
+            <a:r>
+              <a:rPr kumimoji="1" lang="zh-TW" altLang="en-US" sz="3000" dirty="0"/>
+              <a:t>日</a:t>
+            </a:r>
+            <a:r>
+              <a:rPr kumimoji="1" lang="en-US" altLang="zh-TW" sz="3000" dirty="0"/>
+              <a:t>00:00:01</a:t>
+            </a:r>
+            <a:r>
+              <a:rPr kumimoji="1" lang="zh-TW" altLang="en-US" sz="3000" dirty="0"/>
+              <a:t>到</a:t>
+            </a:r>
+            <a:r>
+              <a:rPr kumimoji="1" lang="en-US" altLang="zh-TW" sz="3000" dirty="0"/>
+              <a:t>2018</a:t>
+            </a:r>
+            <a:r>
+              <a:rPr kumimoji="1" lang="zh-TW" altLang="en-US" sz="3000" dirty="0"/>
+              <a:t>年</a:t>
+            </a:r>
+            <a:r>
+              <a:rPr kumimoji="1" lang="en-US" altLang="zh-TW" sz="3000" dirty="0"/>
+              <a:t>9</a:t>
+            </a:r>
+            <a:r>
+              <a:rPr kumimoji="1" lang="zh-TW" altLang="en-US" sz="3000" dirty="0"/>
+              <a:t>月</a:t>
+            </a:r>
+            <a:r>
+              <a:rPr kumimoji="1" lang="en-US" altLang="zh-TW" sz="3000" dirty="0"/>
+              <a:t>1</a:t>
+            </a:r>
+            <a:r>
+              <a:rPr kumimoji="1" lang="zh-TW" altLang="en-US" sz="3000" dirty="0"/>
+              <a:t>日</a:t>
+            </a:r>
+            <a:r>
+              <a:rPr kumimoji="1" lang="en-US" altLang="zh-TW" sz="3000" dirty="0"/>
+              <a:t>00:00:00</a:t>
+            </a:r>
           </a:p>
           <a:p>
             <a:pPr>
@@ -10454,7 +10549,19 @@
             </a:pPr>
             <a:r>
               <a:rPr kumimoji="1" lang="zh-TW" altLang="en-US" sz="3000" dirty="0"/>
-              <a:t>賭場</a:t>
+              <a:t>將</a:t>
+            </a:r>
+            <a:r>
+              <a:rPr kumimoji="1" lang="en-US" altLang="zh-TW" sz="3000" dirty="0"/>
+              <a:t>timestamp</a:t>
+            </a:r>
+            <a:r>
+              <a:rPr kumimoji="1" lang="zh-TW" altLang="en-US" sz="3000" dirty="0"/>
+              <a:t>轉換成方便閱讀的日期欄位：</a:t>
+            </a:r>
+            <a:r>
+              <a:rPr kumimoji="1" lang="en-US" altLang="zh-TW" sz="3000" dirty="0" err="1"/>
+              <a:t>DTime</a:t>
             </a:r>
             <a:endParaRPr kumimoji="1" lang="en-US" altLang="zh-TW" sz="3000" dirty="0"/>
           </a:p>
@@ -10466,28 +10573,60 @@
             </a:pPr>
             <a:r>
               <a:rPr kumimoji="1" lang="zh-TW" altLang="en-US" sz="3000" dirty="0"/>
-              <a:t>交易所</a:t>
+              <a:t>留下五個欄位：</a:t>
             </a:r>
             <a:endParaRPr kumimoji="1" lang="en-US" altLang="zh-TW" sz="3000" dirty="0"/>
           </a:p>
           <a:p>
-            <a:pPr>
+            <a:pPr lvl="1">
               <a:buClr>
                 <a:schemeClr val="accent1"/>
               </a:buClr>
             </a:pPr>
             <a:r>
-              <a:rPr kumimoji="1" lang="zh-TW" altLang="en-US" sz="3000" dirty="0"/>
-              <a:t>服務商</a:t>
-            </a:r>
-            <a:endParaRPr kumimoji="1" lang="en-US" altLang="zh-TW" sz="3000" dirty="0"/>
+              <a:rPr lang="en-US" altLang="zh-TW" i="1" dirty="0" err="1"/>
+              <a:t>DTime</a:t>
+            </a:r>
+            <a:r>
+              <a:rPr lang="zh-TW" altLang="en-US" i="1" dirty="0"/>
+              <a:t>、</a:t>
+            </a:r>
+            <a:r>
+              <a:rPr lang="en-US" altLang="zh-TW" i="1" dirty="0" err="1"/>
+              <a:t>transaction_id</a:t>
+            </a:r>
+            <a:r>
+              <a:rPr lang="zh-TW" altLang="en-US" i="1" dirty="0"/>
+              <a:t>、</a:t>
+            </a:r>
+            <a:r>
+              <a:rPr lang="en-US" altLang="zh-TW" i="1" dirty="0"/>
+              <a:t>inputs_input_pubkey_base58</a:t>
+            </a:r>
+            <a:r>
+              <a:rPr lang="zh-TW" altLang="en-US" i="1" dirty="0"/>
+              <a:t>、</a:t>
+            </a:r>
+            <a:r>
+              <a:rPr lang="en-US" altLang="zh-TW" i="1" dirty="0" err="1"/>
+              <a:t>outputs_output_satoshis</a:t>
+            </a:r>
+            <a:r>
+              <a:rPr lang="zh-TW" altLang="en-US" i="1" dirty="0"/>
+              <a:t>、</a:t>
+            </a:r>
+            <a:r>
+              <a:rPr lang="en-US" altLang="zh-TW" i="1" dirty="0"/>
+              <a:t>outputs_output_pubkey_base58</a:t>
+            </a:r>
+            <a:endParaRPr kumimoji="1" lang="en-US" altLang="zh-TW" sz="2800" dirty="0"/>
           </a:p>
         </p:txBody>
       </p:sp>
     </p:spTree>
     <p:extLst>
       <p:ext uri="{BB962C8B-B14F-4D97-AF65-F5344CB8AC3E}">
-        <p14:creationId xmlns:p14="http://schemas.microsoft.com/office/powerpoint/2010/main" val="1634264574"/>
+        <p14:creationId xmlns:p14="http://schemas.microsoft.com/office/powerpoint/2010/main" val="1350046116"/>
       </p:ext>
     </p:extLst>
   </p:cSld>
